--- a/Templates/Toolchain-big-picture-abstract-and-instance-example-7.pptx
+++ b/Templates/Toolchain-big-picture-abstract-and-instance-example-7.pptx
@@ -18,7 +18,7 @@
   <p:sldSz cx="12198350" cy="6858000"/>
   <p:notesSz cx="7102475" cy="10234613"/>
   <p:custDataLst>
-    <p:custData r:id="rId2"/>
+    <p:custData r:id="rId1"/>
     <p:tags r:id="rId25"/>
   </p:custDataLst>
   <p:defaultTextStyle>
@@ -551,7 +551,7 @@
                 <a:latin typeface="Arial" pitchFamily="34" charset="0"/>
               </a:rPr>
               <a:pPr/>
-              <a:t>‹#›</a:t>
+              <a:t>‹Nr.›</a:t>
             </a:fld>
             <a:endParaRPr lang="de-DE" dirty="0">
               <a:latin typeface="Arial" pitchFamily="34" charset="0"/>
@@ -984,7 +984,7 @@
                 <a:latin typeface="Arial" pitchFamily="34" charset="0"/>
               </a:rPr>
               <a:pPr/>
-              <a:t>‹#›</a:t>
+              <a:t>‹Nr.›</a:t>
             </a:fld>
             <a:endParaRPr lang="en-US" dirty="0">
               <a:latin typeface="Arial" pitchFamily="34" charset="0"/>
@@ -3762,7 +3762,7 @@
           </p:cNvGraphicFramePr>
           <p:nvPr userDrawn="1">
             <p:custDataLst>
-              <p:tags r:id="rId11"/>
+              <p:tags r:id="rId10"/>
             </p:custDataLst>
             <p:extLst>
               <p:ext uri="{D42A27DB-BD31-4B8C-83A1-F6EECF244321}">
@@ -3779,12 +3779,12 @@
           <a:graphicData uri="http://schemas.openxmlformats.org/presentationml/2006/ole">
             <mc:AlternateContent xmlns:mc="http://schemas.openxmlformats.org/markup-compatibility/2006">
               <mc:Choice xmlns:v="urn:schemas-microsoft-com:vml" Requires="v">
-                <p:oleObj spid="_x0000_s1371" name="think-cell Folie" r:id="rId36" imgW="360" imgH="360" progId="">
+                <p:oleObj name="think-cell Folie" r:id="rId35" imgW="360" imgH="360" progId="">
                   <p:embed/>
                 </p:oleObj>
               </mc:Choice>
               <mc:Fallback>
-                <p:oleObj name="think-cell Folie" r:id="rId36" imgW="360" imgH="360" progId="">
+                <p:oleObj name="think-cell Folie" r:id="rId35" imgW="360" imgH="360" progId="">
                   <p:embed/>
                   <p:pic>
                     <p:nvPicPr>
@@ -3795,7 +3795,7 @@
                       <p:nvPr/>
                     </p:nvPicPr>
                     <p:blipFill>
-                      <a:blip r:embed="rId37">
+                      <a:blip r:embed="rId36">
                         <a:extLst>
                           <a:ext uri="{28A0092B-C50C-407E-A947-70E740481C1C}">
                             <a14:useLocalDpi xmlns:a14="http://schemas.microsoft.com/office/drawing/2010/main" val="0"/>
@@ -3841,7 +3841,7 @@
           </p:cNvSpPr>
           <p:nvPr userDrawn="1">
             <p:custDataLst>
-              <p:tags r:id="rId12"/>
+              <p:tags r:id="rId11"/>
             </p:custDataLst>
           </p:nvPr>
         </p:nvSpPr>
@@ -3876,6 +3876,59 @@
       <p:cxnSp>
         <p:nvCxnSpPr>
           <p:cNvPr id="3072" name="cdtMasterTags_CL1 Id3072"/>
+          <p:cNvCxnSpPr/>
+          <p:nvPr userDrawn="1">
+            <p:custDataLst>
+              <p:tags r:id="rId12"/>
+            </p:custDataLst>
+          </p:nvPr>
+        </p:nvCxnSpPr>
+        <p:spPr bwMode="auto">
+          <a:xfrm>
+            <a:off x="0" y="0"/>
+            <a:ext cx="0" cy="0"/>
+          </a:xfrm>
+          <a:prstGeom prst="line">
+            <a:avLst/>
+          </a:prstGeom>
+          <a:solidFill>
+            <a:schemeClr val="tx2"/>
+          </a:solidFill>
+          <a:ln w="9525" cap="flat" cmpd="sng" algn="ctr">
+            <a:noFill/>
+            <a:prstDash val="solid"/>
+            <a:round/>
+            <a:headEnd type="none" w="med" len="med"/>
+            <a:tailEnd type="none" w="med" len="med"/>
+          </a:ln>
+          <a:effectLst/>
+          <a:extLst>
+            <a:ext uri="{91240B29-F687-4F45-9708-019B960494DF}">
+              <a14:hiddenLine xmlns:a14="http://schemas.microsoft.com/office/drawing/2010/main" w="9525" cap="flat" cmpd="sng" algn="ctr">
+                <a:solidFill>
+                  <a:schemeClr val="tx1"/>
+                </a:solidFill>
+                <a:prstDash val="solid"/>
+                <a:round/>
+                <a:headEnd type="none" w="med" len="med"/>
+                <a:tailEnd type="none" w="med" len="med"/>
+              </a14:hiddenLine>
+            </a:ext>
+            <a:ext uri="{AF507438-7753-43E0-B8FC-AC1667EBCBE1}">
+              <a14:hiddenEffects xmlns:a14="http://schemas.microsoft.com/office/drawing/2010/main">
+                <a:effectLst>
+                  <a:outerShdw blurRad="63500" dist="35921" dir="2700000" algn="ctr" rotWithShape="0">
+                    <a:schemeClr val="bg2"/>
+                  </a:outerShdw>
+                </a:effectLst>
+              </a14:hiddenEffects>
+            </a:ext>
+          </a:extLst>
+        </p:spPr>
+      </p:cxnSp>
+      <p:cxnSp>
+        <p:nvCxnSpPr>
+          <p:cNvPr id="3073" name="cdtMasterTags_CL2 Id3073"/>
           <p:cNvCxnSpPr/>
           <p:nvPr userDrawn="1">
             <p:custDataLst>
@@ -3928,7 +3981,7 @@
       </p:cxnSp>
       <p:cxnSp>
         <p:nvCxnSpPr>
-          <p:cNvPr id="3073" name="cdtMasterTags_CL2 Id3073"/>
+          <p:cNvPr id="3074" name="cdtMasterTags_CL3 Id3074"/>
           <p:cNvCxnSpPr/>
           <p:nvPr userDrawn="1">
             <p:custDataLst>
@@ -3981,7 +4034,7 @@
       </p:cxnSp>
       <p:cxnSp>
         <p:nvCxnSpPr>
-          <p:cNvPr id="3074" name="cdtMasterTags_CL3 Id3074"/>
+          <p:cNvPr id="3075" name="cdtMasterTags_CL4 Id3075"/>
           <p:cNvCxnSpPr/>
           <p:nvPr userDrawn="1">
             <p:custDataLst>
@@ -4034,7 +4087,7 @@
       </p:cxnSp>
       <p:cxnSp>
         <p:nvCxnSpPr>
-          <p:cNvPr id="3075" name="cdtMasterTags_CL4 Id3075"/>
+          <p:cNvPr id="3076" name="cdtMasterTags_CL5 Id3076"/>
           <p:cNvCxnSpPr/>
           <p:nvPr userDrawn="1">
             <p:custDataLst>
@@ -4087,7 +4140,7 @@
       </p:cxnSp>
       <p:cxnSp>
         <p:nvCxnSpPr>
-          <p:cNvPr id="3076" name="cdtMasterTags_CL5 Id3076"/>
+          <p:cNvPr id="3077" name="cdtMasterTags_CL6 Id3077"/>
           <p:cNvCxnSpPr/>
           <p:nvPr userDrawn="1">
             <p:custDataLst>
@@ -4140,7 +4193,7 @@
       </p:cxnSp>
       <p:cxnSp>
         <p:nvCxnSpPr>
-          <p:cNvPr id="3077" name="cdtMasterTags_CL6 Id3077"/>
+          <p:cNvPr id="3080" name="cdtMasterTags_CL7 Id3080"/>
           <p:cNvCxnSpPr/>
           <p:nvPr userDrawn="1">
             <p:custDataLst>
@@ -4193,7 +4246,7 @@
       </p:cxnSp>
       <p:cxnSp>
         <p:nvCxnSpPr>
-          <p:cNvPr id="3080" name="cdtMasterTags_CL7 Id3080"/>
+          <p:cNvPr id="3081" name="cdtMasterTags_CL8 Id3081"/>
           <p:cNvCxnSpPr/>
           <p:nvPr userDrawn="1">
             <p:custDataLst>
@@ -4246,7 +4299,7 @@
       </p:cxnSp>
       <p:cxnSp>
         <p:nvCxnSpPr>
-          <p:cNvPr id="3081" name="cdtMasterTags_CL8 Id3081"/>
+          <p:cNvPr id="3082" name="cdtMasterTags_CL9 Id3082"/>
           <p:cNvCxnSpPr/>
           <p:nvPr userDrawn="1">
             <p:custDataLst>
@@ -4299,7 +4352,7 @@
       </p:cxnSp>
       <p:cxnSp>
         <p:nvCxnSpPr>
-          <p:cNvPr id="3082" name="cdtMasterTags_CL9 Id3082"/>
+          <p:cNvPr id="3083" name="cdtMasterTags_CL10 Id3083"/>
           <p:cNvCxnSpPr/>
           <p:nvPr userDrawn="1">
             <p:custDataLst>
@@ -4352,7 +4405,7 @@
       </p:cxnSp>
       <p:cxnSp>
         <p:nvCxnSpPr>
-          <p:cNvPr id="3083" name="cdtMasterTags_CL10 Id3083"/>
+          <p:cNvPr id="3084" name="cdtMasterTags_CL11 Id3084"/>
           <p:cNvCxnSpPr/>
           <p:nvPr userDrawn="1">
             <p:custDataLst>
@@ -4405,7 +4458,7 @@
       </p:cxnSp>
       <p:cxnSp>
         <p:nvCxnSpPr>
-          <p:cNvPr id="3084" name="cdtMasterTags_CL11 Id3084"/>
+          <p:cNvPr id="3085" name="cdtMasterTags_CL12 Id3085"/>
           <p:cNvCxnSpPr/>
           <p:nvPr userDrawn="1">
             <p:custDataLst>
@@ -4458,7 +4511,7 @@
       </p:cxnSp>
       <p:cxnSp>
         <p:nvCxnSpPr>
-          <p:cNvPr id="3085" name="cdtMasterTags_CL12 Id3085"/>
+          <p:cNvPr id="3086" name="cdtMasterTags_CL13 Id3086"/>
           <p:cNvCxnSpPr/>
           <p:nvPr userDrawn="1">
             <p:custDataLst>
@@ -4511,7 +4564,7 @@
       </p:cxnSp>
       <p:cxnSp>
         <p:nvCxnSpPr>
-          <p:cNvPr id="3086" name="cdtMasterTags_CL13 Id3086"/>
+          <p:cNvPr id="3087" name="cdtMasterTags_CL14 Id3087"/>
           <p:cNvCxnSpPr/>
           <p:nvPr userDrawn="1">
             <p:custDataLst>
@@ -4564,7 +4617,7 @@
       </p:cxnSp>
       <p:cxnSp>
         <p:nvCxnSpPr>
-          <p:cNvPr id="3087" name="cdtMasterTags_CL14 Id3087"/>
+          <p:cNvPr id="3088" name="cdtMasterTags_CL15 Id3088"/>
           <p:cNvCxnSpPr/>
           <p:nvPr userDrawn="1">
             <p:custDataLst>
@@ -4617,7 +4670,7 @@
       </p:cxnSp>
       <p:cxnSp>
         <p:nvCxnSpPr>
-          <p:cNvPr id="3088" name="cdtMasterTags_CL15 Id3088"/>
+          <p:cNvPr id="3089" name="cdtMasterTags_CL16 Id3089"/>
           <p:cNvCxnSpPr/>
           <p:nvPr userDrawn="1">
             <p:custDataLst>
@@ -4670,7 +4723,7 @@
       </p:cxnSp>
       <p:cxnSp>
         <p:nvCxnSpPr>
-          <p:cNvPr id="3089" name="cdtMasterTags_CL16 Id3089"/>
+          <p:cNvPr id="3090" name="cdtMasterTags_CL17 Id3090"/>
           <p:cNvCxnSpPr/>
           <p:nvPr userDrawn="1">
             <p:custDataLst>
@@ -4723,7 +4776,7 @@
       </p:cxnSp>
       <p:cxnSp>
         <p:nvCxnSpPr>
-          <p:cNvPr id="3090" name="cdtMasterTags_CL17 Id3090"/>
+          <p:cNvPr id="3091" name="cdtMasterTags_CL18 Id3091"/>
           <p:cNvCxnSpPr/>
           <p:nvPr userDrawn="1">
             <p:custDataLst>
@@ -4776,7 +4829,7 @@
       </p:cxnSp>
       <p:cxnSp>
         <p:nvCxnSpPr>
-          <p:cNvPr id="3091" name="cdtMasterTags_CL18 Id3091"/>
+          <p:cNvPr id="3092" name="cdtMasterTags_CL19 Id3092"/>
           <p:cNvCxnSpPr/>
           <p:nvPr userDrawn="1">
             <p:custDataLst>
@@ -4829,7 +4882,7 @@
       </p:cxnSp>
       <p:cxnSp>
         <p:nvCxnSpPr>
-          <p:cNvPr id="3092" name="cdtMasterTags_CL19 Id3092"/>
+          <p:cNvPr id="3093" name="cdtMasterTags_CL20 Id3093"/>
           <p:cNvCxnSpPr/>
           <p:nvPr userDrawn="1">
             <p:custDataLst>
@@ -4882,7 +4935,7 @@
       </p:cxnSp>
       <p:cxnSp>
         <p:nvCxnSpPr>
-          <p:cNvPr id="3093" name="cdtMasterTags_CL20 Id3093"/>
+          <p:cNvPr id="3094" name="cdtMasterTags_CL21 Id3094"/>
           <p:cNvCxnSpPr/>
           <p:nvPr userDrawn="1">
             <p:custDataLst>
@@ -4935,7 +4988,7 @@
       </p:cxnSp>
       <p:cxnSp>
         <p:nvCxnSpPr>
-          <p:cNvPr id="3094" name="cdtMasterTags_CL21 Id3094"/>
+          <p:cNvPr id="3095" name="cdtMasterTags_CL22 Id3095"/>
           <p:cNvCxnSpPr/>
           <p:nvPr userDrawn="1">
             <p:custDataLst>
@@ -4988,64 +5041,11 @@
       </p:cxnSp>
       <p:cxnSp>
         <p:nvCxnSpPr>
-          <p:cNvPr id="3095" name="cdtMasterTags_CL22 Id3095"/>
+          <p:cNvPr id="3096" name="cdtMasterTags"/>
           <p:cNvCxnSpPr/>
           <p:nvPr userDrawn="1">
             <p:custDataLst>
               <p:tags r:id="rId34"/>
-            </p:custDataLst>
-          </p:nvPr>
-        </p:nvCxnSpPr>
-        <p:spPr bwMode="auto">
-          <a:xfrm>
-            <a:off x="0" y="0"/>
-            <a:ext cx="0" cy="0"/>
-          </a:xfrm>
-          <a:prstGeom prst="line">
-            <a:avLst/>
-          </a:prstGeom>
-          <a:solidFill>
-            <a:schemeClr val="tx2"/>
-          </a:solidFill>
-          <a:ln w="9525" cap="flat" cmpd="sng" algn="ctr">
-            <a:noFill/>
-            <a:prstDash val="solid"/>
-            <a:round/>
-            <a:headEnd type="none" w="med" len="med"/>
-            <a:tailEnd type="none" w="med" len="med"/>
-          </a:ln>
-          <a:effectLst/>
-          <a:extLst>
-            <a:ext uri="{91240B29-F687-4F45-9708-019B960494DF}">
-              <a14:hiddenLine xmlns:a14="http://schemas.microsoft.com/office/drawing/2010/main" w="9525" cap="flat" cmpd="sng" algn="ctr">
-                <a:solidFill>
-                  <a:schemeClr val="tx1"/>
-                </a:solidFill>
-                <a:prstDash val="solid"/>
-                <a:round/>
-                <a:headEnd type="none" w="med" len="med"/>
-                <a:tailEnd type="none" w="med" len="med"/>
-              </a14:hiddenLine>
-            </a:ext>
-            <a:ext uri="{AF507438-7753-43E0-B8FC-AC1667EBCBE1}">
-              <a14:hiddenEffects xmlns:a14="http://schemas.microsoft.com/office/drawing/2010/main">
-                <a:effectLst>
-                  <a:outerShdw blurRad="63500" dist="35921" dir="2700000" algn="ctr" rotWithShape="0">
-                    <a:schemeClr val="bg2"/>
-                  </a:outerShdw>
-                </a:effectLst>
-              </a14:hiddenEffects>
-            </a:ext>
-          </a:extLst>
-        </p:spPr>
-      </p:cxnSp>
-      <p:cxnSp>
-        <p:nvCxnSpPr>
-          <p:cNvPr id="3096" name="cdtMasterTags"/>
-          <p:cNvCxnSpPr/>
-          <p:nvPr userDrawn="1">
-            <p:custDataLst>
-              <p:tags r:id="rId35"/>
             </p:custDataLst>
           </p:nvPr>
         </p:nvCxnSpPr>
@@ -6310,7 +6310,7 @@
       </p:sp>
     </p:spTree>
     <p:custDataLst>
-      <p:tags r:id="rId10"/>
+      <p:tags r:id="rId9"/>
     </p:custDataLst>
   </p:cSld>
   <p:clrMap bg1="lt1" tx1="dk1" bg2="lt2" tx2="dk2" accent1="accent1" accent2="accent2" accent3="accent3" accent4="accent4" accent5="accent5" accent6="accent6" hlink="hlink" folHlink="folHlink"/>
@@ -14055,7 +14055,7 @@
         </p:nvSpPr>
         <p:spPr bwMode="auto">
           <a:xfrm>
-            <a:off x="661172" y="3599851"/>
+            <a:off x="689132" y="3680368"/>
             <a:ext cx="1334294" cy="841132"/>
           </a:xfrm>
           <a:prstGeom prst="leftArrow">
@@ -14641,7 +14641,7 @@
         </p:nvSpPr>
         <p:spPr>
           <a:xfrm>
-            <a:off x="8445640" y="6445452"/>
+            <a:off x="8445640" y="6353215"/>
             <a:ext cx="1494485" cy="417743"/>
           </a:xfrm>
           <a:prstGeom prst="rect">
@@ -14822,7 +14822,7 @@
         </p:blipFill>
         <p:spPr>
           <a:xfrm>
-            <a:off x="141589" y="4498339"/>
+            <a:off x="155275" y="5547824"/>
             <a:ext cx="875280" cy="199091"/>
           </a:xfrm>
           <a:prstGeom prst="rect">
@@ -14852,7 +14852,7 @@
         </p:blipFill>
         <p:spPr>
           <a:xfrm>
-            <a:off x="155275" y="4776707"/>
+            <a:off x="237257" y="4131228"/>
             <a:ext cx="517845" cy="534939"/>
           </a:xfrm>
           <a:prstGeom prst="rect">
@@ -15606,41 +15606,6 @@
       </p:sp>
       <p:pic>
         <p:nvPicPr>
-          <p:cNvPr id="175" name="Grafik 125">
-            <a:extLst>
-              <a:ext uri="{FF2B5EF4-FFF2-40B4-BE49-F238E27FC236}">
-                <a16:creationId xmlns:a16="http://schemas.microsoft.com/office/drawing/2014/main" id="{075D483A-2C8D-43C5-8BF2-DFA2F67311F4}"/>
-              </a:ext>
-            </a:extLst>
-          </p:cNvPr>
-          <p:cNvPicPr>
-            <a:picLocks noChangeAspect="1"/>
-          </p:cNvPicPr>
-          <p:nvPr/>
-        </p:nvPicPr>
-        <p:blipFill>
-          <a:blip r:embed="rId6"/>
-          <a:srcRect t="12705" b="16105"/>
-          <a:stretch>
-            <a:fillRect/>
-          </a:stretch>
-        </p:blipFill>
-        <p:spPr>
-          <a:xfrm>
-            <a:off x="5103540" y="5546924"/>
-            <a:ext cx="1015176" cy="412979"/>
-          </a:xfrm>
-          <a:prstGeom prst="rect">
-            <a:avLst/>
-          </a:prstGeom>
-          <a:noFill/>
-          <a:ln cap="flat">
-            <a:noFill/>
-          </a:ln>
-        </p:spPr>
-      </p:pic>
-      <p:pic>
-        <p:nvPicPr>
           <p:cNvPr id="177" name="Grafik 122">
             <a:extLst>
               <a:ext uri="{FF2B5EF4-FFF2-40B4-BE49-F238E27FC236}">
@@ -15654,7 +15619,7 @@
           <p:nvPr/>
         </p:nvPicPr>
         <p:blipFill>
-          <a:blip r:embed="rId7"/>
+          <a:blip r:embed="rId6"/>
           <a:stretch>
             <a:fillRect/>
           </a:stretch>
@@ -15751,41 +15716,6 @@
       </p:sp>
       <p:pic>
         <p:nvPicPr>
-          <p:cNvPr id="179" name="Grafik 121">
-            <a:extLst>
-              <a:ext uri="{FF2B5EF4-FFF2-40B4-BE49-F238E27FC236}">
-                <a16:creationId xmlns:a16="http://schemas.microsoft.com/office/drawing/2014/main" id="{00024B3A-AF62-431C-91F8-EDAAC19C07E3}"/>
-              </a:ext>
-            </a:extLst>
-          </p:cNvPr>
-          <p:cNvPicPr>
-            <a:picLocks noChangeAspect="1"/>
-          </p:cNvPicPr>
-          <p:nvPr/>
-        </p:nvPicPr>
-        <p:blipFill>
-          <a:blip r:embed="rId6"/>
-          <a:srcRect t="12705" b="16105"/>
-          <a:stretch>
-            <a:fillRect/>
-          </a:stretch>
-        </p:blipFill>
-        <p:spPr>
-          <a:xfrm>
-            <a:off x="8648605" y="6100812"/>
-            <a:ext cx="850282" cy="345899"/>
-          </a:xfrm>
-          <a:prstGeom prst="rect">
-            <a:avLst/>
-          </a:prstGeom>
-          <a:noFill/>
-          <a:ln cap="flat">
-            <a:noFill/>
-          </a:ln>
-        </p:spPr>
-      </p:pic>
-      <p:pic>
-        <p:nvPicPr>
           <p:cNvPr id="256" name="Picture 4">
             <a:extLst>
               <a:ext uri="{FF2B5EF4-FFF2-40B4-BE49-F238E27FC236}">
@@ -15820,41 +15750,6 @@
       </p:pic>
       <p:pic>
         <p:nvPicPr>
-          <p:cNvPr id="257" name="Grafik 120">
-            <a:extLst>
-              <a:ext uri="{FF2B5EF4-FFF2-40B4-BE49-F238E27FC236}">
-                <a16:creationId xmlns:a16="http://schemas.microsoft.com/office/drawing/2014/main" id="{E21D194A-E7FF-4CCF-8D56-C79D5FDE1944}"/>
-              </a:ext>
-            </a:extLst>
-          </p:cNvPr>
-          <p:cNvPicPr>
-            <a:picLocks noChangeAspect="1"/>
-          </p:cNvPicPr>
-          <p:nvPr/>
-        </p:nvPicPr>
-        <p:blipFill>
-          <a:blip r:embed="rId6"/>
-          <a:srcRect t="12705" b="16105"/>
-          <a:stretch>
-            <a:fillRect/>
-          </a:stretch>
-        </p:blipFill>
-        <p:spPr>
-          <a:xfrm>
-            <a:off x="1497741" y="2248692"/>
-            <a:ext cx="1015176" cy="412979"/>
-          </a:xfrm>
-          <a:prstGeom prst="rect">
-            <a:avLst/>
-          </a:prstGeom>
-          <a:noFill/>
-          <a:ln cap="flat">
-            <a:noFill/>
-          </a:ln>
-        </p:spPr>
-      </p:pic>
-      <p:pic>
-        <p:nvPicPr>
           <p:cNvPr id="259" name="Grafik 8">
             <a:extLst>
               <a:ext uri="{FF2B5EF4-FFF2-40B4-BE49-F238E27FC236}">
@@ -15868,14 +15763,14 @@
           <p:nvPr/>
         </p:nvPicPr>
         <p:blipFill>
-          <a:blip r:embed="rId7"/>
+          <a:blip r:embed="rId6"/>
           <a:stretch>
             <a:fillRect/>
           </a:stretch>
         </p:blipFill>
         <p:spPr>
           <a:xfrm>
-            <a:off x="1530961" y="2011872"/>
+            <a:off x="1519447" y="2173157"/>
             <a:ext cx="920471" cy="207102"/>
           </a:xfrm>
           <a:prstGeom prst="rect">
@@ -15936,7 +15831,7 @@
           <p:nvPr/>
         </p:nvPicPr>
         <p:blipFill>
-          <a:blip r:embed="rId6"/>
+          <a:blip r:embed="rId7"/>
           <a:srcRect t="12705" b="16105"/>
           <a:stretch>
             <a:fillRect/>
@@ -15971,7 +15866,7 @@
           <p:nvPr/>
         </p:nvPicPr>
         <p:blipFill>
-          <a:blip r:embed="rId7"/>
+          <a:blip r:embed="rId6"/>
           <a:stretch>
             <a:fillRect/>
           </a:stretch>
@@ -20524,7 +20419,7 @@
         </p:blipFill>
         <p:spPr>
           <a:xfrm>
-            <a:off x="1196334" y="4123593"/>
+            <a:off x="1142953" y="4338595"/>
             <a:ext cx="756387" cy="788323"/>
           </a:xfrm>
           <a:prstGeom prst="rect">
@@ -20654,7 +20549,7 @@
         </p:blipFill>
         <p:spPr>
           <a:xfrm>
-            <a:off x="1189729" y="3310360"/>
+            <a:off x="1214958" y="3472020"/>
             <a:ext cx="1074156" cy="356620"/>
           </a:xfrm>
           <a:prstGeom prst="rect">
@@ -20780,6 +20675,130 @@
           <a:xfrm>
             <a:off x="3289261" y="2362777"/>
             <a:ext cx="904875" cy="285750"/>
+          </a:xfrm>
+          <a:prstGeom prst="rect">
+            <a:avLst/>
+          </a:prstGeom>
+        </p:spPr>
+      </p:pic>
+      <p:pic>
+        <p:nvPicPr>
+          <p:cNvPr id="10" name="Grafik 8">
+            <a:extLst>
+              <a:ext uri="{FF2B5EF4-FFF2-40B4-BE49-F238E27FC236}">
+                <a16:creationId xmlns:a16="http://schemas.microsoft.com/office/drawing/2014/main" id="{30DF5547-1ECA-7647-88F6-BBDD7F20FEC6}"/>
+              </a:ext>
+            </a:extLst>
+          </p:cNvPr>
+          <p:cNvPicPr>
+            <a:picLocks noChangeAspect="1"/>
+          </p:cNvPicPr>
+          <p:nvPr/>
+        </p:nvPicPr>
+        <p:blipFill>
+          <a:blip r:embed="rId6"/>
+          <a:stretch>
+            <a:fillRect/>
+          </a:stretch>
+        </p:blipFill>
+        <p:spPr>
+          <a:xfrm>
+            <a:off x="5114511" y="5741565"/>
+            <a:ext cx="920471" cy="207102"/>
+          </a:xfrm>
+          <a:prstGeom prst="rect">
+            <a:avLst/>
+          </a:prstGeom>
+          <a:noFill/>
+          <a:ln cap="flat">
+            <a:noFill/>
+          </a:ln>
+        </p:spPr>
+      </p:pic>
+      <p:pic>
+        <p:nvPicPr>
+          <p:cNvPr id="22" name="Grafik 21">
+            <a:extLst>
+              <a:ext uri="{FF2B5EF4-FFF2-40B4-BE49-F238E27FC236}">
+                <a16:creationId xmlns:a16="http://schemas.microsoft.com/office/drawing/2014/main" id="{D88BC24B-99F4-1CDF-2223-A675C1921A54}"/>
+              </a:ext>
+            </a:extLst>
+          </p:cNvPr>
+          <p:cNvPicPr>
+            <a:picLocks noChangeAspect="1"/>
+          </p:cNvPicPr>
+          <p:nvPr/>
+        </p:nvPicPr>
+        <p:blipFill>
+          <a:blip r:embed="rId15"/>
+          <a:stretch>
+            <a:fillRect/>
+          </a:stretch>
+        </p:blipFill>
+        <p:spPr>
+          <a:xfrm>
+            <a:off x="164128" y="4801409"/>
+            <a:ext cx="994087" cy="430771"/>
+          </a:xfrm>
+          <a:prstGeom prst="rect">
+            <a:avLst/>
+          </a:prstGeom>
+        </p:spPr>
+      </p:pic>
+      <p:pic>
+        <p:nvPicPr>
+          <p:cNvPr id="23" name="Grafik 22">
+            <a:extLst>
+              <a:ext uri="{FF2B5EF4-FFF2-40B4-BE49-F238E27FC236}">
+                <a16:creationId xmlns:a16="http://schemas.microsoft.com/office/drawing/2014/main" id="{5F24A0CC-BB5A-E4BA-3681-A87710B83604}"/>
+              </a:ext>
+            </a:extLst>
+          </p:cNvPr>
+          <p:cNvPicPr>
+            <a:picLocks noChangeAspect="1"/>
+          </p:cNvPicPr>
+          <p:nvPr/>
+        </p:nvPicPr>
+        <p:blipFill>
+          <a:blip r:embed="rId16"/>
+          <a:stretch>
+            <a:fillRect/>
+          </a:stretch>
+        </p:blipFill>
+        <p:spPr>
+          <a:xfrm>
+            <a:off x="9898995" y="3620153"/>
+            <a:ext cx="1207910" cy="209371"/>
+          </a:xfrm>
+          <a:prstGeom prst="rect">
+            <a:avLst/>
+          </a:prstGeom>
+        </p:spPr>
+      </p:pic>
+      <p:pic>
+        <p:nvPicPr>
+          <p:cNvPr id="24" name="Grafik 23">
+            <a:extLst>
+              <a:ext uri="{FF2B5EF4-FFF2-40B4-BE49-F238E27FC236}">
+                <a16:creationId xmlns:a16="http://schemas.microsoft.com/office/drawing/2014/main" id="{52015EE7-A2AE-2691-1257-FE2ED2123376}"/>
+              </a:ext>
+            </a:extLst>
+          </p:cNvPr>
+          <p:cNvPicPr>
+            <a:picLocks noChangeAspect="1"/>
+          </p:cNvPicPr>
+          <p:nvPr/>
+        </p:nvPicPr>
+        <p:blipFill>
+          <a:blip r:embed="rId16"/>
+          <a:stretch>
+            <a:fillRect/>
+          </a:stretch>
+        </p:blipFill>
+        <p:spPr>
+          <a:xfrm>
+            <a:off x="1176901" y="3301722"/>
+            <a:ext cx="1207910" cy="209371"/>
           </a:xfrm>
           <a:prstGeom prst="rect">
             <a:avLst/>
@@ -30137,35 +30156,30 @@
 </file>
 
 <file path=customXml/item1.xml><?xml version="1.0" encoding="utf-8"?>
-<p4ppTags>
-  <Name>Text + Index</Name>
-  <PpLayout>32</PpLayout>
-  <Index>8</Index>
-</p4ppTags>
+<p4ppTags/>
 </file>
 
 <file path=customXml/item10.xml><?xml version="1.0" encoding="utf-8"?>
 <p4ppTags>
-  <Name>Two columns + Navigation</Name>
-  <PpLayout>32</PpLayout>
-  <Index>19</Index>
+  <Name>Two columns</Name>
+  <PpLayout>29</PpLayout>
+  <Index>12</Index>
 </p4ppTags>
 </file>
 
 <file path=customXml/item11.xml><?xml version="1.0" encoding="utf-8"?>
-<?mso-contentType ?>
-<FormTemplates xmlns="http://schemas.microsoft.com/sharepoint/v3/contenttype/forms">
-  <Display>DocumentLibraryForm</Display>
-  <Edit>DocumentLibraryForm</Edit>
-  <New>DocumentLibraryForm</New>
-</FormTemplates>
+<p4ppTags>
+  <Name>Two rows</Name>
+  <PpLayout>32</PpLayout>
+  <Index>13</Index>
+</p4ppTags>
 </file>
 
 <file path=customXml/item12.xml><?xml version="1.0" encoding="utf-8"?>
 <p4ppTags>
-  <Name>One object (large) + Navigation</Name>
-  <PpLayout>32</PpLayout>
-  <Index>17</Index>
+  <Name>One object (small)</Name>
+  <PpLayout>16</PpLayout>
+  <Index>11</Index>
 </p4ppTags>
 </file>
 
@@ -30179,50 +30193,13 @@
 
 <file path=customXml/item14.xml><?xml version="1.0" encoding="utf-8"?>
 <p4ppTags>
-  <Name>Two rows</Name>
-  <PpLayout>32</PpLayout>
-  <Index>13</Index>
-</p4ppTags>
-</file>
-
-<file path=customXml/item15.xml><?xml version="1.0" encoding="utf-8"?>
-<p4ppTags>
-  <Name>Three columns + Navigation</Name>
-  <PpLayout>32</PpLayout>
-  <Index>20</Index>
-</p4ppTags>
-</file>
-
-<file path=customXml/item16.xml><?xml version="1.0" encoding="utf-8"?>
-<p4ppTags>
-  <Name>Four objects</Name>
-  <PpLayout>24</PpLayout>
-  <Index>15</Index>
-</p4ppTags>
-</file>
-
-<file path=customXml/item17.xml><?xml version="1.0" encoding="utf-8"?>
-<p:properties xmlns:p="http://schemas.microsoft.com/office/2006/metadata/properties" xmlns:xsi="http://www.w3.org/2001/XMLSchema-instance">
-  <documentManagement>
-    <PublishingExpirationDate xmlns="http://schemas.microsoft.com/sharepoint/v3" xsi:nil="true"/>
-    <PublishingStartDate xmlns="http://schemas.microsoft.com/sharepoint/v3" xsi:nil="true"/>
-  </documentManagement>
-</p:properties>
-</file>
-
-<file path=customXml/item18.xml><?xml version="1.0" encoding="utf-8"?>
-<p4ppTags>
   <Name>Free Content</Name>
   <PpLayout>11</PpLayout>
   <Index>9</Index>
 </p4ppTags>
 </file>
 
-<file path=customXml/item2.xml><?xml version="1.0" encoding="utf-8"?>
-<p4ppTags/>
-</file>
-
-<file path=customXml/item3.xml><?xml version="1.0" encoding="utf-8"?>
+<file path=customXml/item15.xml><?xml version="1.0" encoding="utf-8"?>
 <p4ppTags>
   <Name>One object (small) + Navigation</Name>
   <PpLayout>32</PpLayout>
@@ -30230,31 +30207,7 @@
 </p4ppTags>
 </file>
 
-<file path=customXml/item4.xml><?xml version="1.0" encoding="utf-8"?>
-<p4ppTags>
-  <Name>Two rows + Navigation</Name>
-  <PpLayout>32</PpLayout>
-  <Index>21</Index>
-</p4ppTags>
-</file>
-
-<file path=customXml/item5.xml><?xml version="1.0" encoding="utf-8"?>
-<p4ppTags>
-  <Name>Free Content + Navigation</Name>
-  <PpLayout>32</PpLayout>
-  <Index>16</Index>
-</p4ppTags>
-</file>
-
-<file path=customXml/item6.xml><?xml version="1.0" encoding="utf-8"?>
-<p4ppTags>
-  <Name>Three columns</Name>
-  <PpLayout>32</PpLayout>
-  <Index>14</Index>
-</p4ppTags>
-</file>
-
-<file path=customXml/item7.xml><?xml version="1.0" encoding="utf-8"?>
+<file path=customXml/item16.xml><?xml version="1.0" encoding="utf-8"?>
 <ct:contentTypeSchema xmlns:ct="http://schemas.microsoft.com/office/2006/metadata/contentType" xmlns:ma="http://schemas.microsoft.com/office/2006/metadata/properties/metaAttributes" ct:_="" ma:_="" ma:contentTypeName="Document" ma:contentTypeID="0x01010026F530587E03684C96E4C14F39C83C8E" ma:contentTypeVersion="1" ma:contentTypeDescription="Create a new document." ma:contentTypeScope="" ma:versionID="a7726241122b1ad33829eba8e69a544b">
   <xsd:schema xmlns:xsd="http://www.w3.org/2001/XMLSchema" xmlns:p="http://schemas.microsoft.com/office/2006/metadata/properties" xmlns:ns1="http://schemas.microsoft.com/sharepoint/v3" targetNamespace="http://schemas.microsoft.com/office/2006/metadata/properties" ma:root="true" ma:fieldsID="ddb0c952b897a810c8a4e377cff6bff8" ns1:_="">
     <xsd:import namespace="http://schemas.microsoft.com/sharepoint/v3"/>
@@ -30320,44 +30273,108 @@
 </ct:contentTypeSchema>
 </file>
 
+<file path=customXml/item17.xml><?xml version="1.0" encoding="utf-8"?>
+<p4ppTags>
+  <Name>One object (large) + Navigation</Name>
+  <PpLayout>32</PpLayout>
+  <Index>17</Index>
+</p4ppTags>
+</file>
+
+<file path=customXml/item18.xml><?xml version="1.0" encoding="utf-8"?>
+<p:properties xmlns:p="http://schemas.microsoft.com/office/2006/metadata/properties" xmlns:xsi="http://www.w3.org/2001/XMLSchema-instance">
+  <documentManagement>
+    <PublishingExpirationDate xmlns="http://schemas.microsoft.com/sharepoint/v3" xsi:nil="true"/>
+    <PublishingStartDate xmlns="http://schemas.microsoft.com/sharepoint/v3" xsi:nil="true"/>
+  </documentManagement>
+</p:properties>
+</file>
+
+<file path=customXml/item2.xml><?xml version="1.0" encoding="utf-8"?>
+<p4ppTags>
+  <Name>Four objects</Name>
+  <PpLayout>24</PpLayout>
+  <Index>15</Index>
+</p4ppTags>
+</file>
+
+<file path=customXml/item3.xml><?xml version="1.0" encoding="utf-8"?>
+<p4ppTags>
+  <Name>Text + Index</Name>
+  <PpLayout>32</PpLayout>
+  <Index>8</Index>
+</p4ppTags>
+</file>
+
+<file path=customXml/item4.xml><?xml version="1.0" encoding="utf-8"?>
+<p4ppTags>
+  <Name>Three columns</Name>
+  <PpLayout>32</PpLayout>
+  <Index>14</Index>
+</p4ppTags>
+</file>
+
+<file path=customXml/item5.xml><?xml version="1.0" encoding="utf-8"?>
+<?mso-contentType ?>
+<FormTemplates xmlns="http://schemas.microsoft.com/sharepoint/v3/contenttype/forms">
+  <Display>DocumentLibraryForm</Display>
+  <Edit>DocumentLibraryForm</Edit>
+  <New>DocumentLibraryForm</New>
+</FormTemplates>
+</file>
+
+<file path=customXml/item6.xml><?xml version="1.0" encoding="utf-8"?>
+<p4ppTags>
+  <Name>Free Content + Navigation</Name>
+  <PpLayout>32</PpLayout>
+  <Index>16</Index>
+</p4ppTags>
+</file>
+
+<file path=customXml/item7.xml><?xml version="1.0" encoding="utf-8"?>
+<p4ppTags>
+  <Name>Three columns + Navigation</Name>
+  <PpLayout>32</PpLayout>
+  <Index>20</Index>
+</p4ppTags>
+</file>
+
 <file path=customXml/item8.xml><?xml version="1.0" encoding="utf-8"?>
 <p4ppTags>
-  <Name>One object (small)</Name>
-  <PpLayout>16</PpLayout>
-  <Index>11</Index>
+  <Name>Two columns + Navigation</Name>
+  <PpLayout>32</PpLayout>
+  <Index>19</Index>
 </p4ppTags>
 </file>
 
 <file path=customXml/item9.xml><?xml version="1.0" encoding="utf-8"?>
 <p4ppTags>
-  <Name>Two columns</Name>
-  <PpLayout>29</PpLayout>
-  <Index>12</Index>
+  <Name>Two rows + Navigation</Name>
+  <PpLayout>32</PpLayout>
+  <Index>21</Index>
 </p4ppTags>
 </file>
 
 <file path=customXml/itemProps1.xml><?xml version="1.0" encoding="utf-8"?>
-<ds:datastoreItem xmlns:ds="http://schemas.openxmlformats.org/officeDocument/2006/customXml" ds:itemID="{7E35FEDB-1F0E-4D67-A313-4AC59C26FF29}">
+<ds:datastoreItem xmlns:ds="http://schemas.openxmlformats.org/officeDocument/2006/customXml" ds:itemID="{572FBA73-6DBF-45DA-8282-9342320CFAB0}">
   <ds:schemaRefs/>
 </ds:datastoreItem>
 </file>
 
 <file path=customXml/itemProps10.xml><?xml version="1.0" encoding="utf-8"?>
-<ds:datastoreItem xmlns:ds="http://schemas.openxmlformats.org/officeDocument/2006/customXml" ds:itemID="{D7BABA95-BFFE-422B-8591-3271669EEA88}">
+<ds:datastoreItem xmlns:ds="http://schemas.openxmlformats.org/officeDocument/2006/customXml" ds:itemID="{1666F4C2-68F5-4840-A44A-1A646C0925A1}">
   <ds:schemaRefs/>
 </ds:datastoreItem>
 </file>
 
 <file path=customXml/itemProps11.xml><?xml version="1.0" encoding="utf-8"?>
-<ds:datastoreItem xmlns:ds="http://schemas.openxmlformats.org/officeDocument/2006/customXml" ds:itemID="{C770A9D8-EB8A-4EA7-9CCD-8AD3EAF96C52}">
-  <ds:schemaRefs>
-    <ds:schemaRef ds:uri="http://schemas.microsoft.com/sharepoint/v3/contenttype/forms"/>
-  </ds:schemaRefs>
+<ds:datastoreItem xmlns:ds="http://schemas.openxmlformats.org/officeDocument/2006/customXml" ds:itemID="{38AB8DE4-FD9B-4166-BEC3-3F1753596133}">
+  <ds:schemaRefs/>
 </ds:datastoreItem>
 </file>
 
 <file path=customXml/itemProps12.xml><?xml version="1.0" encoding="utf-8"?>
-<ds:datastoreItem xmlns:ds="http://schemas.openxmlformats.org/officeDocument/2006/customXml" ds:itemID="{B27F640E-84DF-4F97-BC70-D045F1E6594F}">
+<ds:datastoreItem xmlns:ds="http://schemas.openxmlformats.org/officeDocument/2006/customXml" ds:itemID="{1618AA06-B22E-4D19-9680-0D7830426729}">
   <ds:schemaRefs/>
 </ds:datastoreItem>
 </file>
@@ -30369,75 +30386,18 @@
 </file>
 
 <file path=customXml/itemProps14.xml><?xml version="1.0" encoding="utf-8"?>
-<ds:datastoreItem xmlns:ds="http://schemas.openxmlformats.org/officeDocument/2006/customXml" ds:itemID="{38AB8DE4-FD9B-4166-BEC3-3F1753596133}">
+<ds:datastoreItem xmlns:ds="http://schemas.openxmlformats.org/officeDocument/2006/customXml" ds:itemID="{D8097D0C-BE3E-4AEC-9593-65CFCCB19297}">
   <ds:schemaRefs/>
 </ds:datastoreItem>
 </file>
 
 <file path=customXml/itemProps15.xml><?xml version="1.0" encoding="utf-8"?>
-<ds:datastoreItem xmlns:ds="http://schemas.openxmlformats.org/officeDocument/2006/customXml" ds:itemID="{85D77EE6-52B7-48BE-9EDB-748F1EBB53DE}">
+<ds:datastoreItem xmlns:ds="http://schemas.openxmlformats.org/officeDocument/2006/customXml" ds:itemID="{D9FE249F-833E-4CF0-BECB-552D01D7DC9E}">
   <ds:schemaRefs/>
 </ds:datastoreItem>
 </file>
 
 <file path=customXml/itemProps16.xml><?xml version="1.0" encoding="utf-8"?>
-<ds:datastoreItem xmlns:ds="http://schemas.openxmlformats.org/officeDocument/2006/customXml" ds:itemID="{1581BFFB-B4CE-47A8-BE77-DC1339B1E5A7}">
-  <ds:schemaRefs/>
-</ds:datastoreItem>
-</file>
-
-<file path=customXml/itemProps17.xml><?xml version="1.0" encoding="utf-8"?>
-<ds:datastoreItem xmlns:ds="http://schemas.openxmlformats.org/officeDocument/2006/customXml" ds:itemID="{C3CCD83D-9C91-4A4B-87D6-2A0CC03F9D68}">
-  <ds:schemaRefs>
-    <ds:schemaRef ds:uri="http://purl.org/dc/elements/1.1/"/>
-    <ds:schemaRef ds:uri="http://schemas.microsoft.com/office/2006/metadata/properties"/>
-    <ds:schemaRef ds:uri="http://schemas.microsoft.com/office/2006/documentManagement/types"/>
-    <ds:schemaRef ds:uri="http://schemas.microsoft.com/sharepoint/v3"/>
-    <ds:schemaRef ds:uri="http://purl.org/dc/terms/"/>
-    <ds:schemaRef ds:uri="http://schemas.openxmlformats.org/package/2006/metadata/core-properties"/>
-    <ds:schemaRef ds:uri="http://purl.org/dc/dcmitype/"/>
-    <ds:schemaRef ds:uri="http://www.w3.org/XML/1998/namespace"/>
-  </ds:schemaRefs>
-</ds:datastoreItem>
-</file>
-
-<file path=customXml/itemProps18.xml><?xml version="1.0" encoding="utf-8"?>
-<ds:datastoreItem xmlns:ds="http://schemas.openxmlformats.org/officeDocument/2006/customXml" ds:itemID="{D8097D0C-BE3E-4AEC-9593-65CFCCB19297}">
-  <ds:schemaRefs/>
-</ds:datastoreItem>
-</file>
-
-<file path=customXml/itemProps2.xml><?xml version="1.0" encoding="utf-8"?>
-<ds:datastoreItem xmlns:ds="http://schemas.openxmlformats.org/officeDocument/2006/customXml" ds:itemID="{572FBA73-6DBF-45DA-8282-9342320CFAB0}">
-  <ds:schemaRefs/>
-</ds:datastoreItem>
-</file>
-
-<file path=customXml/itemProps3.xml><?xml version="1.0" encoding="utf-8"?>
-<ds:datastoreItem xmlns:ds="http://schemas.openxmlformats.org/officeDocument/2006/customXml" ds:itemID="{D9FE249F-833E-4CF0-BECB-552D01D7DC9E}">
-  <ds:schemaRefs/>
-</ds:datastoreItem>
-</file>
-
-<file path=customXml/itemProps4.xml><?xml version="1.0" encoding="utf-8"?>
-<ds:datastoreItem xmlns:ds="http://schemas.openxmlformats.org/officeDocument/2006/customXml" ds:itemID="{6C79E4F8-DCFB-483C-880A-AEEC6AAFC838}">
-  <ds:schemaRefs/>
-</ds:datastoreItem>
-</file>
-
-<file path=customXml/itemProps5.xml><?xml version="1.0" encoding="utf-8"?>
-<ds:datastoreItem xmlns:ds="http://schemas.openxmlformats.org/officeDocument/2006/customXml" ds:itemID="{7CC5F709-E74B-4E5F-A728-923D5062EBEF}">
-  <ds:schemaRefs/>
-</ds:datastoreItem>
-</file>
-
-<file path=customXml/itemProps6.xml><?xml version="1.0" encoding="utf-8"?>
-<ds:datastoreItem xmlns:ds="http://schemas.openxmlformats.org/officeDocument/2006/customXml" ds:itemID="{15CF3461-70D1-4B54-AFAB-DAFDA0A238CD}">
-  <ds:schemaRefs/>
-</ds:datastoreItem>
-</file>
-
-<file path=customXml/itemProps7.xml><?xml version="1.0" encoding="utf-8"?>
 <ds:datastoreItem xmlns:ds="http://schemas.openxmlformats.org/officeDocument/2006/customXml" ds:itemID="{DDD5559B-0584-4B05-A285-1FEC88814B30}">
   <ds:schemaRefs>
     <ds:schemaRef ds:uri="http://schemas.microsoft.com/office/2006/metadata/contentType"/>
@@ -30454,14 +30414,73 @@
 </ds:datastoreItem>
 </file>
 
+<file path=customXml/itemProps17.xml><?xml version="1.0" encoding="utf-8"?>
+<ds:datastoreItem xmlns:ds="http://schemas.openxmlformats.org/officeDocument/2006/customXml" ds:itemID="{B27F640E-84DF-4F97-BC70-D045F1E6594F}">
+  <ds:schemaRefs/>
+</ds:datastoreItem>
+</file>
+
+<file path=customXml/itemProps18.xml><?xml version="1.0" encoding="utf-8"?>
+<ds:datastoreItem xmlns:ds="http://schemas.openxmlformats.org/officeDocument/2006/customXml" ds:itemID="{C3CCD83D-9C91-4A4B-87D6-2A0CC03F9D68}">
+  <ds:schemaRefs>
+    <ds:schemaRef ds:uri="http://purl.org/dc/elements/1.1/"/>
+    <ds:schemaRef ds:uri="http://schemas.microsoft.com/office/2006/metadata/properties"/>
+    <ds:schemaRef ds:uri="http://schemas.microsoft.com/office/2006/documentManagement/types"/>
+    <ds:schemaRef ds:uri="http://schemas.microsoft.com/sharepoint/v3"/>
+    <ds:schemaRef ds:uri="http://purl.org/dc/terms/"/>
+    <ds:schemaRef ds:uri="http://schemas.openxmlformats.org/package/2006/metadata/core-properties"/>
+    <ds:schemaRef ds:uri="http://purl.org/dc/dcmitype/"/>
+    <ds:schemaRef ds:uri="http://www.w3.org/XML/1998/namespace"/>
+  </ds:schemaRefs>
+</ds:datastoreItem>
+</file>
+
+<file path=customXml/itemProps2.xml><?xml version="1.0" encoding="utf-8"?>
+<ds:datastoreItem xmlns:ds="http://schemas.openxmlformats.org/officeDocument/2006/customXml" ds:itemID="{1581BFFB-B4CE-47A8-BE77-DC1339B1E5A7}">
+  <ds:schemaRefs/>
+</ds:datastoreItem>
+</file>
+
+<file path=customXml/itemProps3.xml><?xml version="1.0" encoding="utf-8"?>
+<ds:datastoreItem xmlns:ds="http://schemas.openxmlformats.org/officeDocument/2006/customXml" ds:itemID="{7E35FEDB-1F0E-4D67-A313-4AC59C26FF29}">
+  <ds:schemaRefs/>
+</ds:datastoreItem>
+</file>
+
+<file path=customXml/itemProps4.xml><?xml version="1.0" encoding="utf-8"?>
+<ds:datastoreItem xmlns:ds="http://schemas.openxmlformats.org/officeDocument/2006/customXml" ds:itemID="{15CF3461-70D1-4B54-AFAB-DAFDA0A238CD}">
+  <ds:schemaRefs/>
+</ds:datastoreItem>
+</file>
+
+<file path=customXml/itemProps5.xml><?xml version="1.0" encoding="utf-8"?>
+<ds:datastoreItem xmlns:ds="http://schemas.openxmlformats.org/officeDocument/2006/customXml" ds:itemID="{C770A9D8-EB8A-4EA7-9CCD-8AD3EAF96C52}">
+  <ds:schemaRefs>
+    <ds:schemaRef ds:uri="http://schemas.microsoft.com/sharepoint/v3/contenttype/forms"/>
+  </ds:schemaRefs>
+</ds:datastoreItem>
+</file>
+
+<file path=customXml/itemProps6.xml><?xml version="1.0" encoding="utf-8"?>
+<ds:datastoreItem xmlns:ds="http://schemas.openxmlformats.org/officeDocument/2006/customXml" ds:itemID="{7CC5F709-E74B-4E5F-A728-923D5062EBEF}">
+  <ds:schemaRefs/>
+</ds:datastoreItem>
+</file>
+
+<file path=customXml/itemProps7.xml><?xml version="1.0" encoding="utf-8"?>
+<ds:datastoreItem xmlns:ds="http://schemas.openxmlformats.org/officeDocument/2006/customXml" ds:itemID="{85D77EE6-52B7-48BE-9EDB-748F1EBB53DE}">
+  <ds:schemaRefs/>
+</ds:datastoreItem>
+</file>
+
 <file path=customXml/itemProps8.xml><?xml version="1.0" encoding="utf-8"?>
-<ds:datastoreItem xmlns:ds="http://schemas.openxmlformats.org/officeDocument/2006/customXml" ds:itemID="{1618AA06-B22E-4D19-9680-0D7830426729}">
+<ds:datastoreItem xmlns:ds="http://schemas.openxmlformats.org/officeDocument/2006/customXml" ds:itemID="{D7BABA95-BFFE-422B-8591-3271669EEA88}">
   <ds:schemaRefs/>
 </ds:datastoreItem>
 </file>
 
 <file path=customXml/itemProps9.xml><?xml version="1.0" encoding="utf-8"?>
-<ds:datastoreItem xmlns:ds="http://schemas.openxmlformats.org/officeDocument/2006/customXml" ds:itemID="{1666F4C2-68F5-4840-A44A-1A646C0925A1}">
+<ds:datastoreItem xmlns:ds="http://schemas.openxmlformats.org/officeDocument/2006/customXml" ds:itemID="{6C79E4F8-DCFB-483C-880A-AEEC6AAFC838}">
   <ds:schemaRefs/>
 </ds:datastoreItem>
 </file>
--- a/Templates/Toolchain-big-picture-abstract-and-instance-example-7.pptx
+++ b/Templates/Toolchain-big-picture-abstract-and-instance-example-7.pptx
@@ -5,21 +5,20 @@
     <p:sldMasterId id="2147483669" r:id="rId19"/>
   </p:sldMasterIdLst>
   <p:notesMasterIdLst>
-    <p:notesMasterId r:id="rId23"/>
+    <p:notesMasterId r:id="rId22"/>
   </p:notesMasterIdLst>
   <p:handoutMasterIdLst>
-    <p:handoutMasterId r:id="rId24"/>
+    <p:handoutMasterId r:id="rId23"/>
   </p:handoutMasterIdLst>
   <p:sldIdLst>
     <p:sldId id="1149" r:id="rId20"/>
     <p:sldId id="2846" r:id="rId21"/>
-    <p:sldId id="2848" r:id="rId22"/>
   </p:sldIdLst>
   <p:sldSz cx="12198350" cy="6858000"/>
   <p:notesSz cx="7102475" cy="10234613"/>
   <p:custDataLst>
-    <p:custData r:id="rId1"/>
-    <p:tags r:id="rId25"/>
+    <p:custData r:id="rId18"/>
+    <p:tags r:id="rId24"/>
   </p:custDataLst>
   <p:defaultTextStyle>
     <a:defPPr>
@@ -20392,7 +20391,7 @@
           <a:p>
             <a:r>
               <a:rPr lang="en-US" kern="0" dirty="0"/>
-              <a:t>Example Automation Implementation Using Open Source Tools</a:t>
+              <a:t>Example Automation Implementation Using Open-Source Tools</a:t>
             </a:r>
           </a:p>
         </p:txBody>
@@ -20809,7406 +20808,6 @@
     <p:extLst>
       <p:ext uri="{BB962C8B-B14F-4D97-AF65-F5344CB8AC3E}">
         <p14:creationId xmlns:p14="http://schemas.microsoft.com/office/powerpoint/2010/main" val="2228784343"/>
-      </p:ext>
-    </p:extLst>
-  </p:cSld>
-  <p:clrMapOvr>
-    <a:masterClrMapping/>
-  </p:clrMapOvr>
-</p:sld>
-</file>
-
-<file path=ppt/slides/slide3.xml><?xml version="1.0" encoding="utf-8"?>
-<p:sld xmlns:a="http://schemas.openxmlformats.org/drawingml/2006/main" xmlns:r="http://schemas.openxmlformats.org/officeDocument/2006/relationships" xmlns:p="http://schemas.openxmlformats.org/presentationml/2006/main">
-  <p:cSld>
-    <p:spTree>
-      <p:nvGrpSpPr>
-        <p:cNvPr id="1" name=""/>
-        <p:cNvGrpSpPr/>
-        <p:nvPr/>
-      </p:nvGrpSpPr>
-      <p:grpSpPr>
-        <a:xfrm>
-          <a:off x="0" y="0"/>
-          <a:ext cx="0" cy="0"/>
-          <a:chOff x="0" y="0"/>
-          <a:chExt cx="0" cy="0"/>
-        </a:xfrm>
-      </p:grpSpPr>
-      <p:sp>
-        <p:nvSpPr>
-          <p:cNvPr id="82" name="Rechteck 81">
-            <a:extLst>
-              <a:ext uri="{FF2B5EF4-FFF2-40B4-BE49-F238E27FC236}">
-                <a16:creationId xmlns:a16="http://schemas.microsoft.com/office/drawing/2014/main" id="{0D3AB5FE-0A13-4591-A56D-7A8A54FFE904}"/>
-              </a:ext>
-            </a:extLst>
-          </p:cNvPr>
-          <p:cNvSpPr/>
-          <p:nvPr/>
-        </p:nvSpPr>
-        <p:spPr bwMode="auto">
-          <a:xfrm>
-            <a:off x="1023521" y="2665353"/>
-            <a:ext cx="10077253" cy="2745625"/>
-          </a:xfrm>
-          <a:prstGeom prst="rect">
-            <a:avLst/>
-          </a:prstGeom>
-          <a:solidFill>
-            <a:schemeClr val="accent5">
-              <a:lumMod val="20000"/>
-              <a:lumOff val="80000"/>
-            </a:schemeClr>
-          </a:solidFill>
-          <a:ln>
-            <a:noFill/>
-          </a:ln>
-          <a:effectLst/>
-        </p:spPr>
-        <p:txBody>
-          <a:bodyPr wrap="square" lIns="108000" tIns="54000" rIns="108000" bIns="54000" numCol="1" spcCol="72000" rtlCol="0" anchor="ctr">
-            <a:noAutofit/>
-          </a:bodyPr>
-          <a:lstStyle/>
-          <a:p>
-            <a:pPr marL="0" marR="0" lvl="0" indent="0" algn="ctr" defTabSz="914400" rtl="0" eaLnBrk="1" fontAlgn="base" latinLnBrk="0" hangingPunct="1">
-              <a:lnSpc>
-                <a:spcPct val="110000"/>
-              </a:lnSpc>
-              <a:spcBef>
-                <a:spcPct val="0"/>
-              </a:spcBef>
-              <a:spcAft>
-                <a:spcPct val="0"/>
-              </a:spcAft>
-              <a:buClrTx/>
-              <a:buSzTx/>
-              <a:buFont typeface="Wingdings" charset="0"/>
-              <a:buNone/>
-              <a:tabLst/>
-              <a:defRPr/>
-            </a:pPr>
-            <a:endParaRPr kumimoji="0" lang="de-DE" sz="1800" b="1" i="0" u="none" strike="noStrike" kern="1200" cap="none" spc="0" normalizeH="0" baseline="0" noProof="0" dirty="0" err="1">
-              <a:ln>
-                <a:noFill/>
-              </a:ln>
-              <a:solidFill>
-                <a:srgbClr val="000000"/>
-              </a:solidFill>
-              <a:effectLst/>
-              <a:uLnTx/>
-              <a:uFillTx/>
-              <a:latin typeface="Arial" pitchFamily="34" charset="0"/>
-              <a:ea typeface="ＭＳ Ｐゴシック" charset="-128"/>
-              <a:cs typeface="+mn-cs"/>
-            </a:endParaRPr>
-          </a:p>
-        </p:txBody>
-      </p:sp>
-      <p:sp>
-        <p:nvSpPr>
-          <p:cNvPr id="3" name="Textplatzhalter 2">
-            <a:extLst>
-              <a:ext uri="{FF2B5EF4-FFF2-40B4-BE49-F238E27FC236}">
-                <a16:creationId xmlns:a16="http://schemas.microsoft.com/office/drawing/2014/main" id="{AEB5FD36-8B96-4A81-8600-6997C9D1E860}"/>
-              </a:ext>
-            </a:extLst>
-          </p:cNvPr>
-          <p:cNvSpPr>
-            <a:spLocks noGrp="1"/>
-          </p:cNvSpPr>
-          <p:nvPr>
-            <p:ph type="body" sz="quarter" idx="11"/>
-          </p:nvPr>
-        </p:nvSpPr>
-        <p:spPr>
-          <a:xfrm>
-            <a:off x="5128717" y="3587118"/>
-            <a:ext cx="2635683" cy="215444"/>
-          </a:xfrm>
-        </p:spPr>
-        <p:txBody>
-          <a:bodyPr/>
-          <a:lstStyle/>
-          <a:p>
-            <a:r>
-              <a:rPr lang="de-DE" dirty="0"/>
-              <a:t>CI / CD Infrastructure</a:t>
-            </a:r>
-          </a:p>
-        </p:txBody>
-      </p:sp>
-      <p:sp>
-        <p:nvSpPr>
-          <p:cNvPr id="83" name="Rounded Rectangle 11">
-            <a:extLst>
-              <a:ext uri="{FF2B5EF4-FFF2-40B4-BE49-F238E27FC236}">
-                <a16:creationId xmlns:a16="http://schemas.microsoft.com/office/drawing/2014/main" id="{29581060-1D9F-4A33-A9B4-7AFC8ED780C7}"/>
-              </a:ext>
-            </a:extLst>
-          </p:cNvPr>
-          <p:cNvSpPr/>
-          <p:nvPr/>
-        </p:nvSpPr>
-        <p:spPr bwMode="auto">
-          <a:xfrm>
-            <a:off x="2375483" y="4155287"/>
-            <a:ext cx="2424545" cy="613347"/>
-          </a:xfrm>
-          <a:prstGeom prst="roundRect">
-            <a:avLst/>
-          </a:prstGeom>
-          <a:solidFill>
-            <a:schemeClr val="accent2"/>
-          </a:solidFill>
-          <a:ln>
-            <a:noFill/>
-          </a:ln>
-          <a:effectLst/>
-          <a:extLst>
-            <a:ext uri="{91240B29-F687-4F45-9708-019B960494DF}">
-              <a14:hiddenLine xmlns:a14="http://schemas.microsoft.com/office/drawing/2010/main" w="9525">
-                <a:solidFill>
-                  <a:schemeClr val="tx1"/>
-                </a:solidFill>
-                <a:miter lim="800000"/>
-                <a:headEnd/>
-                <a:tailEnd/>
-              </a14:hiddenLine>
-            </a:ext>
-            <a:ext uri="{AF507438-7753-43E0-B8FC-AC1667EBCBE1}">
-              <a14:hiddenEffects xmlns:a14="http://schemas.microsoft.com/office/drawing/2010/main">
-                <a:effectLst>
-                  <a:outerShdw blurRad="63500" dist="38099" dir="2700000" algn="ctr" rotWithShape="0">
-                    <a:schemeClr val="bg2">
-                      <a:alpha val="74998"/>
-                    </a:schemeClr>
-                  </a:outerShdw>
-                </a:effectLst>
-              </a14:hiddenEffects>
-            </a:ext>
-          </a:extLst>
-        </p:spPr>
-        <p:txBody>
-          <a:bodyPr wrap="square" lIns="108000" tIns="54000" rIns="108000" bIns="54000" numCol="1" spcCol="72000" rtlCol="0" anchor="ctr">
-            <a:noAutofit/>
-          </a:bodyPr>
-          <a:lstStyle/>
-          <a:p>
-            <a:pPr marL="0" marR="0" lvl="0" indent="0" algn="ctr" defTabSz="914400" rtl="0" eaLnBrk="1" fontAlgn="base" latinLnBrk="0" hangingPunct="1">
-              <a:lnSpc>
-                <a:spcPct val="110000"/>
-              </a:lnSpc>
-              <a:spcBef>
-                <a:spcPct val="0"/>
-              </a:spcBef>
-              <a:spcAft>
-                <a:spcPct val="0"/>
-              </a:spcAft>
-              <a:buClrTx/>
-              <a:buSzTx/>
-              <a:buFont typeface="Wingdings" charset="0"/>
-              <a:buNone/>
-              <a:tabLst/>
-              <a:defRPr/>
-            </a:pPr>
-            <a:r>
-              <a:rPr kumimoji="0" lang="en-US" sz="1600" b="1" i="0" u="none" strike="noStrike" kern="1200" cap="none" spc="0" normalizeH="0" baseline="0" noProof="0" dirty="0">
-                <a:ln>
-                  <a:noFill/>
-                </a:ln>
-                <a:solidFill>
-                  <a:srgbClr val="000000"/>
-                </a:solidFill>
-                <a:effectLst/>
-                <a:uLnTx/>
-                <a:uFillTx/>
-                <a:latin typeface="Arial" pitchFamily="34" charset="0"/>
-                <a:ea typeface="ＭＳ Ｐゴシック" charset="-128"/>
-                <a:cs typeface="+mn-cs"/>
-              </a:rPr>
-              <a:t>Build Tools</a:t>
-            </a:r>
-          </a:p>
-        </p:txBody>
-      </p:sp>
-      <p:sp>
-        <p:nvSpPr>
-          <p:cNvPr id="84" name="Rounded Rectangle 14">
-            <a:extLst>
-              <a:ext uri="{FF2B5EF4-FFF2-40B4-BE49-F238E27FC236}">
-                <a16:creationId xmlns:a16="http://schemas.microsoft.com/office/drawing/2014/main" id="{CD8D2A2C-A586-47CF-8835-9D473C0DFE08}"/>
-              </a:ext>
-            </a:extLst>
-          </p:cNvPr>
-          <p:cNvSpPr/>
-          <p:nvPr/>
-        </p:nvSpPr>
-        <p:spPr bwMode="auto">
-          <a:xfrm>
-            <a:off x="7484691" y="3423435"/>
-            <a:ext cx="2424545" cy="613347"/>
-          </a:xfrm>
-          <a:prstGeom prst="roundRect">
-            <a:avLst/>
-          </a:prstGeom>
-          <a:solidFill>
-            <a:schemeClr val="accent2"/>
-          </a:solidFill>
-          <a:ln>
-            <a:noFill/>
-          </a:ln>
-          <a:effectLst/>
-          <a:extLst>
-            <a:ext uri="{91240B29-F687-4F45-9708-019B960494DF}">
-              <a14:hiddenLine xmlns:a14="http://schemas.microsoft.com/office/drawing/2010/main" w="9525">
-                <a:solidFill>
-                  <a:schemeClr val="tx1"/>
-                </a:solidFill>
-                <a:miter lim="800000"/>
-                <a:headEnd/>
-                <a:tailEnd/>
-              </a14:hiddenLine>
-            </a:ext>
-            <a:ext uri="{AF507438-7753-43E0-B8FC-AC1667EBCBE1}">
-              <a14:hiddenEffects xmlns:a14="http://schemas.microsoft.com/office/drawing/2010/main">
-                <a:effectLst>
-                  <a:outerShdw blurRad="63500" dist="38099" dir="2700000" algn="ctr" rotWithShape="0">
-                    <a:schemeClr val="bg2">
-                      <a:alpha val="74998"/>
-                    </a:schemeClr>
-                  </a:outerShdw>
-                </a:effectLst>
-              </a14:hiddenEffects>
-            </a:ext>
-          </a:extLst>
-        </p:spPr>
-        <p:txBody>
-          <a:bodyPr wrap="square" lIns="108000" tIns="54000" rIns="108000" bIns="54000" numCol="1" spcCol="72000" rtlCol="0" anchor="ctr">
-            <a:noAutofit/>
-          </a:bodyPr>
-          <a:lstStyle/>
-          <a:p>
-            <a:pPr lvl="0" algn="ctr">
-              <a:lnSpc>
-                <a:spcPct val="110000"/>
-              </a:lnSpc>
-              <a:spcBef>
-                <a:spcPct val="0"/>
-              </a:spcBef>
-              <a:defRPr/>
-            </a:pPr>
-            <a:r>
-              <a:rPr lang="en-US" sz="1600" b="1" dirty="0">
-                <a:solidFill>
-                  <a:srgbClr val="000000"/>
-                </a:solidFill>
-              </a:rPr>
-              <a:t>Continuous </a:t>
-            </a:r>
-            <a:r>
-              <a:rPr kumimoji="0" lang="en-US" sz="1600" b="1" i="0" u="none" strike="noStrike" kern="1200" cap="none" spc="0" normalizeH="0" baseline="0" noProof="0" dirty="0">
-                <a:ln>
-                  <a:noFill/>
-                </a:ln>
-                <a:solidFill>
-                  <a:srgbClr val="000000"/>
-                </a:solidFill>
-                <a:effectLst/>
-                <a:uLnTx/>
-                <a:uFillTx/>
-                <a:latin typeface="Arial" pitchFamily="34" charset="0"/>
-                <a:ea typeface="ＭＳ Ｐゴシック" charset="-128"/>
-                <a:cs typeface="+mn-cs"/>
-              </a:rPr>
-              <a:t>Integration</a:t>
-            </a:r>
-          </a:p>
-        </p:txBody>
-      </p:sp>
-      <p:sp>
-        <p:nvSpPr>
-          <p:cNvPr id="85" name="Rounded Rectangle 15">
-            <a:extLst>
-              <a:ext uri="{FF2B5EF4-FFF2-40B4-BE49-F238E27FC236}">
-                <a16:creationId xmlns:a16="http://schemas.microsoft.com/office/drawing/2014/main" id="{C936770C-0C31-4AED-99CB-27D019785DF6}"/>
-              </a:ext>
-            </a:extLst>
-          </p:cNvPr>
-          <p:cNvSpPr/>
-          <p:nvPr/>
-        </p:nvSpPr>
-        <p:spPr bwMode="auto">
-          <a:xfrm>
-            <a:off x="2376970" y="3411938"/>
-            <a:ext cx="2424545" cy="613347"/>
-          </a:xfrm>
-          <a:prstGeom prst="roundRect">
-            <a:avLst/>
-          </a:prstGeom>
-          <a:solidFill>
-            <a:schemeClr val="accent2"/>
-          </a:solidFill>
-          <a:ln>
-            <a:noFill/>
-          </a:ln>
-          <a:effectLst/>
-          <a:extLst>
-            <a:ext uri="{91240B29-F687-4F45-9708-019B960494DF}">
-              <a14:hiddenLine xmlns:a14="http://schemas.microsoft.com/office/drawing/2010/main" w="9525">
-                <a:solidFill>
-                  <a:schemeClr val="tx1"/>
-                </a:solidFill>
-                <a:miter lim="800000"/>
-                <a:headEnd/>
-                <a:tailEnd/>
-              </a14:hiddenLine>
-            </a:ext>
-            <a:ext uri="{AF507438-7753-43E0-B8FC-AC1667EBCBE1}">
-              <a14:hiddenEffects xmlns:a14="http://schemas.microsoft.com/office/drawing/2010/main">
-                <a:effectLst>
-                  <a:outerShdw blurRad="63500" dist="38099" dir="2700000" algn="ctr" rotWithShape="0">
-                    <a:schemeClr val="bg2">
-                      <a:alpha val="74998"/>
-                    </a:schemeClr>
-                  </a:outerShdw>
-                </a:effectLst>
-              </a14:hiddenEffects>
-            </a:ext>
-          </a:extLst>
-        </p:spPr>
-        <p:txBody>
-          <a:bodyPr wrap="square" lIns="108000" tIns="54000" rIns="108000" bIns="54000" numCol="1" spcCol="72000" rtlCol="0" anchor="ctr">
-            <a:noAutofit/>
-          </a:bodyPr>
-          <a:lstStyle/>
-          <a:p>
-            <a:pPr marL="0" marR="0" lvl="0" indent="0" algn="ctr" defTabSz="914400" rtl="0" eaLnBrk="1" fontAlgn="base" latinLnBrk="0" hangingPunct="1">
-              <a:lnSpc>
-                <a:spcPct val="110000"/>
-              </a:lnSpc>
-              <a:spcBef>
-                <a:spcPct val="0"/>
-              </a:spcBef>
-              <a:spcAft>
-                <a:spcPct val="0"/>
-              </a:spcAft>
-              <a:buClrTx/>
-              <a:buSzTx/>
-              <a:buFont typeface="Wingdings" charset="0"/>
-              <a:buNone/>
-              <a:tabLst/>
-              <a:defRPr/>
-            </a:pPr>
-            <a:r>
-              <a:rPr kumimoji="0" lang="en-US" sz="1600" b="1" i="0" u="none" strike="noStrike" kern="1200" cap="none" spc="0" normalizeH="0" baseline="0" noProof="0" dirty="0">
-                <a:ln>
-                  <a:noFill/>
-                </a:ln>
-                <a:solidFill>
-                  <a:srgbClr val="000000"/>
-                </a:solidFill>
-                <a:effectLst/>
-                <a:uLnTx/>
-                <a:uFillTx/>
-                <a:latin typeface="Arial" pitchFamily="34" charset="0"/>
-                <a:ea typeface="ＭＳ Ｐゴシック" charset="-128"/>
-                <a:cs typeface="+mn-cs"/>
-              </a:rPr>
-              <a:t>Artifact Repository</a:t>
-            </a:r>
-          </a:p>
-        </p:txBody>
-      </p:sp>
-      <p:sp>
-        <p:nvSpPr>
-          <p:cNvPr id="86" name="Rounded Rectangle 16">
-            <a:extLst>
-              <a:ext uri="{FF2B5EF4-FFF2-40B4-BE49-F238E27FC236}">
-                <a16:creationId xmlns:a16="http://schemas.microsoft.com/office/drawing/2014/main" id="{5E68C9E0-B431-4442-9167-20ED7D9F9B97}"/>
-              </a:ext>
-            </a:extLst>
-          </p:cNvPr>
-          <p:cNvSpPr/>
-          <p:nvPr/>
-        </p:nvSpPr>
-        <p:spPr bwMode="auto">
-          <a:xfrm>
-            <a:off x="7484691" y="4156256"/>
-            <a:ext cx="2424545" cy="613347"/>
-          </a:xfrm>
-          <a:prstGeom prst="roundRect">
-            <a:avLst/>
-          </a:prstGeom>
-          <a:solidFill>
-            <a:schemeClr val="accent2"/>
-          </a:solidFill>
-          <a:ln>
-            <a:noFill/>
-          </a:ln>
-          <a:effectLst/>
-          <a:extLst>
-            <a:ext uri="{91240B29-F687-4F45-9708-019B960494DF}">
-              <a14:hiddenLine xmlns:a14="http://schemas.microsoft.com/office/drawing/2010/main" w="9525">
-                <a:solidFill>
-                  <a:schemeClr val="tx1"/>
-                </a:solidFill>
-                <a:miter lim="800000"/>
-                <a:headEnd/>
-                <a:tailEnd/>
-              </a14:hiddenLine>
-            </a:ext>
-            <a:ext uri="{AF507438-7753-43E0-B8FC-AC1667EBCBE1}">
-              <a14:hiddenEffects xmlns:a14="http://schemas.microsoft.com/office/drawing/2010/main">
-                <a:effectLst>
-                  <a:outerShdw blurRad="63500" dist="38099" dir="2700000" algn="ctr" rotWithShape="0">
-                    <a:schemeClr val="bg2">
-                      <a:alpha val="74998"/>
-                    </a:schemeClr>
-                  </a:outerShdw>
-                </a:effectLst>
-              </a14:hiddenEffects>
-            </a:ext>
-          </a:extLst>
-        </p:spPr>
-        <p:txBody>
-          <a:bodyPr wrap="square" lIns="108000" tIns="54000" rIns="108000" bIns="54000" numCol="1" spcCol="72000" rtlCol="0" anchor="ctr">
-            <a:noAutofit/>
-          </a:bodyPr>
-          <a:lstStyle/>
-          <a:p>
-            <a:pPr marL="0" marR="0" lvl="0" indent="0" algn="ctr" defTabSz="914400" rtl="0" eaLnBrk="1" fontAlgn="base" latinLnBrk="0" hangingPunct="1">
-              <a:lnSpc>
-                <a:spcPct val="110000"/>
-              </a:lnSpc>
-              <a:spcBef>
-                <a:spcPct val="0"/>
-              </a:spcBef>
-              <a:spcAft>
-                <a:spcPct val="0"/>
-              </a:spcAft>
-              <a:buClrTx/>
-              <a:buSzTx/>
-              <a:buFont typeface="Wingdings" charset="0"/>
-              <a:buNone/>
-              <a:tabLst/>
-              <a:defRPr/>
-            </a:pPr>
-            <a:r>
-              <a:rPr kumimoji="0" lang="en-US" sz="1600" b="1" i="0" u="none" strike="noStrike" kern="1200" cap="none" spc="0" normalizeH="0" baseline="0" noProof="0">
-                <a:ln>
-                  <a:noFill/>
-                </a:ln>
-                <a:solidFill>
-                  <a:srgbClr val="000000"/>
-                </a:solidFill>
-                <a:effectLst/>
-                <a:uLnTx/>
-                <a:uFillTx/>
-                <a:latin typeface="Arial" pitchFamily="34" charset="0"/>
-                <a:ea typeface="ＭＳ Ｐゴシック" charset="-128"/>
-                <a:cs typeface="+mn-cs"/>
-              </a:rPr>
-              <a:t>Source Code Repo</a:t>
-            </a:r>
-          </a:p>
-        </p:txBody>
-      </p:sp>
-      <p:sp>
-        <p:nvSpPr>
-          <p:cNvPr id="88" name="Pfeil: Fünfeck 87">
-            <a:extLst>
-              <a:ext uri="{FF2B5EF4-FFF2-40B4-BE49-F238E27FC236}">
-                <a16:creationId xmlns:a16="http://schemas.microsoft.com/office/drawing/2014/main" id="{383684AF-5C43-4417-955E-4D0D7506FBC6}"/>
-              </a:ext>
-            </a:extLst>
-          </p:cNvPr>
-          <p:cNvSpPr/>
-          <p:nvPr/>
-        </p:nvSpPr>
-        <p:spPr bwMode="auto">
-          <a:xfrm>
-            <a:off x="11114079" y="3188706"/>
-            <a:ext cx="1034172" cy="1781791"/>
-          </a:xfrm>
-          <a:prstGeom prst="homePlate">
-            <a:avLst>
-              <a:gd name="adj" fmla="val 16460"/>
-            </a:avLst>
-          </a:prstGeom>
-          <a:noFill/>
-          <a:ln w="9525">
-            <a:solidFill>
-              <a:schemeClr val="tx1"/>
-            </a:solidFill>
-            <a:miter lim="800000"/>
-            <a:headEnd/>
-            <a:tailEnd/>
-          </a:ln>
-          <a:effectLst/>
-        </p:spPr>
-        <p:txBody>
-          <a:bodyPr wrap="square" lIns="108000" tIns="54000" rIns="108000" bIns="54000" numCol="1" spcCol="72000" rtlCol="0" anchor="ctr">
-            <a:noAutofit/>
-          </a:bodyPr>
-          <a:lstStyle/>
-          <a:p>
-            <a:pPr marL="0" marR="0" lvl="0" indent="0" algn="ctr" defTabSz="914400" rtl="0" eaLnBrk="1" fontAlgn="base" latinLnBrk="0" hangingPunct="1">
-              <a:lnSpc>
-                <a:spcPct val="110000"/>
-              </a:lnSpc>
-              <a:spcBef>
-                <a:spcPct val="0"/>
-              </a:spcBef>
-              <a:spcAft>
-                <a:spcPct val="0"/>
-              </a:spcAft>
-              <a:buClrTx/>
-              <a:buSzTx/>
-              <a:buFont typeface="Wingdings" charset="0"/>
-              <a:buNone/>
-              <a:tabLst/>
-              <a:defRPr/>
-            </a:pPr>
-            <a:r>
-              <a:rPr lang="en-US" sz="1000" b="1" dirty="0">
-                <a:solidFill>
-                  <a:srgbClr val="000000"/>
-                </a:solidFill>
-              </a:rPr>
-              <a:t>O</a:t>
-            </a:r>
-            <a:r>
-              <a:rPr kumimoji="0" lang="en-US" sz="1000" b="1" i="0" u="none" strike="noStrike" kern="1200" cap="none" spc="0" normalizeH="0" baseline="0" dirty="0">
-                <a:ln>
-                  <a:noFill/>
-                </a:ln>
-                <a:solidFill>
-                  <a:srgbClr val="000000"/>
-                </a:solidFill>
-                <a:effectLst/>
-                <a:uLnTx/>
-                <a:uFillTx/>
-                <a:latin typeface="Arial" pitchFamily="34" charset="0"/>
-                <a:ea typeface="ＭＳ Ｐゴシック" charset="-128"/>
-                <a:cs typeface="+mn-cs"/>
-              </a:rPr>
-              <a:t>utbound software </a:t>
-            </a:r>
-          </a:p>
-          <a:p>
-            <a:pPr marL="0" marR="0" lvl="0" indent="0" algn="ctr" defTabSz="914400" rtl="0" eaLnBrk="1" fontAlgn="base" latinLnBrk="0" hangingPunct="1">
-              <a:lnSpc>
-                <a:spcPct val="110000"/>
-              </a:lnSpc>
-              <a:spcBef>
-                <a:spcPct val="0"/>
-              </a:spcBef>
-              <a:spcAft>
-                <a:spcPct val="0"/>
-              </a:spcAft>
-              <a:buClrTx/>
-              <a:buSzTx/>
-              <a:buFont typeface="Wingdings" charset="0"/>
-              <a:buNone/>
-              <a:tabLst/>
-              <a:defRPr/>
-            </a:pPr>
-            <a:r>
-              <a:rPr kumimoji="0" lang="de-DE" sz="1000" b="1" i="0" u="none" strike="noStrike" kern="1200" cap="none" spc="0" normalizeH="0" baseline="0" noProof="0" dirty="0">
-                <a:ln>
-                  <a:noFill/>
-                </a:ln>
-                <a:solidFill>
-                  <a:srgbClr val="000000"/>
-                </a:solidFill>
-                <a:effectLst/>
-                <a:uLnTx/>
-                <a:uFillTx/>
-                <a:latin typeface="Arial" pitchFamily="34" charset="0"/>
-                <a:ea typeface="ＭＳ Ｐゴシック" charset="-128"/>
-                <a:cs typeface="+mn-cs"/>
-              </a:rPr>
-              <a:t>&amp;</a:t>
-            </a:r>
-          </a:p>
-          <a:p>
-            <a:pPr marL="0" marR="0" lvl="0" indent="0" algn="ctr" defTabSz="914400" rtl="0" eaLnBrk="1" fontAlgn="base" latinLnBrk="0" hangingPunct="1">
-              <a:lnSpc>
-                <a:spcPct val="110000"/>
-              </a:lnSpc>
-              <a:spcBef>
-                <a:spcPct val="0"/>
-              </a:spcBef>
-              <a:spcAft>
-                <a:spcPct val="0"/>
-              </a:spcAft>
-              <a:buClrTx/>
-              <a:buSzTx/>
-              <a:buFont typeface="Wingdings" charset="0"/>
-              <a:buNone/>
-              <a:tabLst/>
-              <a:defRPr/>
-            </a:pPr>
-            <a:r>
-              <a:rPr kumimoji="0" lang="en-US" sz="1000" b="1" i="0" u="none" strike="noStrike" kern="1200" cap="none" spc="0" normalizeH="0" baseline="0" dirty="0">
-                <a:ln>
-                  <a:noFill/>
-                </a:ln>
-                <a:solidFill>
-                  <a:srgbClr val="000000"/>
-                </a:solidFill>
-                <a:effectLst/>
-                <a:uLnTx/>
-                <a:uFillTx/>
-                <a:latin typeface="Arial" pitchFamily="34" charset="0"/>
-                <a:ea typeface="ＭＳ Ｐゴシック" charset="-128"/>
-                <a:cs typeface="+mn-cs"/>
-              </a:rPr>
-              <a:t> Compliance artifacts</a:t>
-            </a:r>
-          </a:p>
-        </p:txBody>
-      </p:sp>
-      <p:sp>
-        <p:nvSpPr>
-          <p:cNvPr id="87" name="Pfeil: Fünfeck 86">
-            <a:extLst>
-              <a:ext uri="{FF2B5EF4-FFF2-40B4-BE49-F238E27FC236}">
-                <a16:creationId xmlns:a16="http://schemas.microsoft.com/office/drawing/2014/main" id="{DE0F92AA-AB35-4181-9EC5-787168EC4238}"/>
-              </a:ext>
-            </a:extLst>
-          </p:cNvPr>
-          <p:cNvSpPr/>
-          <p:nvPr/>
-        </p:nvSpPr>
-        <p:spPr bwMode="auto">
-          <a:xfrm>
-            <a:off x="120121" y="2224693"/>
-            <a:ext cx="982320" cy="1781791"/>
-          </a:xfrm>
-          <a:prstGeom prst="homePlate">
-            <a:avLst>
-              <a:gd name="adj" fmla="val 16460"/>
-            </a:avLst>
-          </a:prstGeom>
-          <a:noFill/>
-          <a:ln>
-            <a:solidFill>
-              <a:schemeClr val="dk1">
-                <a:shade val="95000"/>
-                <a:satMod val="105000"/>
-              </a:schemeClr>
-            </a:solidFill>
-          </a:ln>
-          <a:effectLst/>
-        </p:spPr>
-        <p:txBody>
-          <a:bodyPr wrap="square" lIns="108000" tIns="54000" rIns="108000" bIns="54000" numCol="1" spcCol="72000" rtlCol="0" anchor="ctr">
-            <a:noAutofit/>
-          </a:bodyPr>
-          <a:lstStyle/>
-          <a:p>
-            <a:pPr marL="0" marR="0" lvl="0" indent="0" algn="ctr" defTabSz="914400" rtl="0" eaLnBrk="1" fontAlgn="base" latinLnBrk="0" hangingPunct="1">
-              <a:lnSpc>
-                <a:spcPct val="110000"/>
-              </a:lnSpc>
-              <a:spcBef>
-                <a:spcPct val="0"/>
-              </a:spcBef>
-              <a:spcAft>
-                <a:spcPct val="0"/>
-              </a:spcAft>
-              <a:buClrTx/>
-              <a:buSzTx/>
-              <a:buFont typeface="Wingdings" charset="0"/>
-              <a:buNone/>
-              <a:tabLst/>
-              <a:defRPr/>
-            </a:pPr>
-            <a:r>
-              <a:rPr kumimoji="0" lang="de-DE" sz="1000" b="1" i="0" u="none" strike="noStrike" kern="1200" cap="none" spc="0" normalizeH="0" baseline="0" noProof="0">
-                <a:ln>
-                  <a:noFill/>
-                </a:ln>
-                <a:solidFill>
-                  <a:srgbClr val="000000"/>
-                </a:solidFill>
-                <a:effectLst/>
-                <a:uLnTx/>
-                <a:uFillTx/>
-                <a:latin typeface="Arial" pitchFamily="34" charset="0"/>
-                <a:ea typeface="ＭＳ Ｐゴシック" charset="-128"/>
-                <a:cs typeface="+mn-cs"/>
-              </a:rPr>
-              <a:t>Inbound </a:t>
-            </a:r>
-            <a:r>
-              <a:rPr kumimoji="0" lang="en-US" sz="1000" b="1" i="0" u="none" strike="noStrike" kern="1200" cap="none" spc="0" normalizeH="0" baseline="0">
-                <a:ln>
-                  <a:noFill/>
-                </a:ln>
-                <a:solidFill>
-                  <a:srgbClr val="000000"/>
-                </a:solidFill>
-                <a:effectLst/>
-                <a:uLnTx/>
-                <a:uFillTx/>
-                <a:latin typeface="Arial" pitchFamily="34" charset="0"/>
-                <a:ea typeface="ＭＳ Ｐゴシック" charset="-128"/>
-                <a:cs typeface="+mn-cs"/>
-              </a:rPr>
-              <a:t>software</a:t>
-            </a:r>
-          </a:p>
-        </p:txBody>
-      </p:sp>
-      <p:sp>
-        <p:nvSpPr>
-          <p:cNvPr id="102" name="Pfeil: Fünfeck 101">
-            <a:extLst>
-              <a:ext uri="{FF2B5EF4-FFF2-40B4-BE49-F238E27FC236}">
-                <a16:creationId xmlns:a16="http://schemas.microsoft.com/office/drawing/2014/main" id="{48762F8B-11D1-4D42-A87D-8EBE31656989}"/>
-              </a:ext>
-            </a:extLst>
-          </p:cNvPr>
-          <p:cNvSpPr/>
-          <p:nvPr/>
-        </p:nvSpPr>
-        <p:spPr bwMode="auto">
-          <a:xfrm>
-            <a:off x="112593" y="4041085"/>
-            <a:ext cx="996998" cy="1781791"/>
-          </a:xfrm>
-          <a:prstGeom prst="homePlate">
-            <a:avLst>
-              <a:gd name="adj" fmla="val 16460"/>
-            </a:avLst>
-          </a:prstGeom>
-          <a:noFill/>
-          <a:ln>
-            <a:solidFill>
-              <a:schemeClr val="dk1">
-                <a:shade val="95000"/>
-                <a:satMod val="105000"/>
-              </a:schemeClr>
-            </a:solidFill>
-          </a:ln>
-          <a:effectLst/>
-        </p:spPr>
-        <p:txBody>
-          <a:bodyPr wrap="square" lIns="108000" tIns="54000" rIns="108000" bIns="54000" numCol="1" spcCol="72000" rtlCol="0" anchor="ctr">
-            <a:noAutofit/>
-          </a:bodyPr>
-          <a:lstStyle/>
-          <a:p>
-            <a:pPr marL="0" marR="0" lvl="0" indent="0" algn="ctr" defTabSz="914400" rtl="0" eaLnBrk="1" fontAlgn="base" latinLnBrk="0" hangingPunct="1">
-              <a:lnSpc>
-                <a:spcPct val="110000"/>
-              </a:lnSpc>
-              <a:spcBef>
-                <a:spcPct val="0"/>
-              </a:spcBef>
-              <a:spcAft>
-                <a:spcPct val="0"/>
-              </a:spcAft>
-              <a:buClrTx/>
-              <a:buSzTx/>
-              <a:buFont typeface="Wingdings" charset="0"/>
-              <a:buNone/>
-              <a:tabLst/>
-              <a:defRPr/>
-            </a:pPr>
-            <a:endParaRPr kumimoji="0" lang="de-DE" sz="1000" b="1" i="0" u="none" strike="noStrike" kern="1200" cap="none" spc="0" normalizeH="0" baseline="0" noProof="0" dirty="0">
-              <a:ln>
-                <a:noFill/>
-              </a:ln>
-              <a:solidFill>
-                <a:srgbClr val="000000"/>
-              </a:solidFill>
-              <a:effectLst/>
-              <a:uLnTx/>
-              <a:uFillTx/>
-              <a:latin typeface="Arial" pitchFamily="34" charset="0"/>
-              <a:ea typeface="ＭＳ Ｐゴシック" charset="-128"/>
-              <a:cs typeface="+mn-cs"/>
-            </a:endParaRPr>
-          </a:p>
-        </p:txBody>
-      </p:sp>
-      <p:sp>
-        <p:nvSpPr>
-          <p:cNvPr id="104" name="Pfeil: nach links 103">
-            <a:extLst>
-              <a:ext uri="{FF2B5EF4-FFF2-40B4-BE49-F238E27FC236}">
-                <a16:creationId xmlns:a16="http://schemas.microsoft.com/office/drawing/2014/main" id="{B8688F29-6C70-4B11-86B1-94D245810BEC}"/>
-              </a:ext>
-            </a:extLst>
-          </p:cNvPr>
-          <p:cNvSpPr/>
-          <p:nvPr/>
-        </p:nvSpPr>
-        <p:spPr bwMode="auto">
-          <a:xfrm>
-            <a:off x="661172" y="3599851"/>
-            <a:ext cx="1334294" cy="841132"/>
-          </a:xfrm>
-          <a:prstGeom prst="leftArrow">
-            <a:avLst/>
-          </a:prstGeom>
-          <a:solidFill>
-            <a:schemeClr val="bg1"/>
-          </a:solidFill>
-          <a:ln w="9525">
-            <a:solidFill>
-              <a:schemeClr val="tx1"/>
-            </a:solidFill>
-            <a:miter lim="800000"/>
-            <a:headEnd/>
-            <a:tailEnd/>
-          </a:ln>
-          <a:effectLst/>
-        </p:spPr>
-        <p:txBody>
-          <a:bodyPr wrap="square" lIns="108000" tIns="54000" rIns="108000" bIns="54000" numCol="1" spcCol="72000" rtlCol="0" anchor="ctr">
-            <a:noAutofit/>
-          </a:bodyPr>
-          <a:lstStyle/>
-          <a:p>
-            <a:pPr marL="0" marR="0" lvl="0" indent="0" algn="ctr" defTabSz="914400" rtl="0" eaLnBrk="1" fontAlgn="base" latinLnBrk="0" hangingPunct="1">
-              <a:lnSpc>
-                <a:spcPct val="110000"/>
-              </a:lnSpc>
-              <a:spcBef>
-                <a:spcPct val="0"/>
-              </a:spcBef>
-              <a:spcAft>
-                <a:spcPct val="0"/>
-              </a:spcAft>
-              <a:buClrTx/>
-              <a:buSzTx/>
-              <a:buFont typeface="Wingdings" charset="0"/>
-              <a:buNone/>
-              <a:tabLst/>
-              <a:defRPr/>
-            </a:pPr>
-            <a:r>
-              <a:rPr lang="en-US" sz="1050" b="1" dirty="0">
-                <a:solidFill>
-                  <a:srgbClr val="000000"/>
-                </a:solidFill>
-              </a:rPr>
-              <a:t>C</a:t>
-            </a:r>
-            <a:r>
-              <a:rPr kumimoji="0" lang="en-US" sz="1050" b="1" i="0" u="none" strike="noStrike" kern="1200" cap="none" spc="0" normalizeH="0" baseline="0" dirty="0">
-                <a:ln>
-                  <a:noFill/>
-                </a:ln>
-                <a:solidFill>
-                  <a:srgbClr val="000000"/>
-                </a:solidFill>
-                <a:effectLst/>
-                <a:uLnTx/>
-                <a:uFillTx/>
-                <a:latin typeface="Arial" pitchFamily="34" charset="0"/>
-                <a:ea typeface="ＭＳ Ｐゴシック" charset="-128"/>
-                <a:cs typeface="+mn-cs"/>
-              </a:rPr>
-              <a:t>ontributions</a:t>
-            </a:r>
-          </a:p>
-        </p:txBody>
-      </p:sp>
-      <p:sp>
-        <p:nvSpPr>
-          <p:cNvPr id="11" name="Rechteck 10">
-            <a:extLst>
-              <a:ext uri="{FF2B5EF4-FFF2-40B4-BE49-F238E27FC236}">
-                <a16:creationId xmlns:a16="http://schemas.microsoft.com/office/drawing/2014/main" id="{E49753DC-32C0-455B-9434-2E6C2F28F623}"/>
-              </a:ext>
-            </a:extLst>
-          </p:cNvPr>
-          <p:cNvSpPr/>
-          <p:nvPr/>
-        </p:nvSpPr>
-        <p:spPr>
-          <a:xfrm>
-            <a:off x="1253925" y="1607665"/>
-            <a:ext cx="1475083" cy="248466"/>
-          </a:xfrm>
-          <a:prstGeom prst="rect">
-            <a:avLst/>
-          </a:prstGeom>
-        </p:spPr>
-        <p:txBody>
-          <a:bodyPr wrap="none">
-            <a:spAutoFit/>
-          </a:bodyPr>
-          <a:lstStyle/>
-          <a:p>
-            <a:pPr marL="0" marR="0" lvl="0" indent="0" algn="ctr" defTabSz="914400" rtl="0" eaLnBrk="1" fontAlgn="base" latinLnBrk="0" hangingPunct="1">
-              <a:lnSpc>
-                <a:spcPct val="110000"/>
-              </a:lnSpc>
-              <a:spcBef>
-                <a:spcPct val="0"/>
-              </a:spcBef>
-              <a:spcAft>
-                <a:spcPct val="0"/>
-              </a:spcAft>
-              <a:buClrTx/>
-              <a:buSzTx/>
-              <a:buFont typeface="Wingdings" charset="0"/>
-              <a:buNone/>
-              <a:tabLst/>
-              <a:defRPr/>
-            </a:pPr>
-            <a:r>
-              <a:rPr kumimoji="0" lang="en-US" sz="1000" b="1" i="0" u="none" strike="noStrike" kern="1200" cap="none" spc="0" normalizeH="0" baseline="0" dirty="0">
-                <a:ln>
-                  <a:noFill/>
-                </a:ln>
-                <a:solidFill>
-                  <a:srgbClr val="000000"/>
-                </a:solidFill>
-                <a:effectLst/>
-                <a:uLnTx/>
-                <a:uFillTx/>
-                <a:latin typeface="Arial" pitchFamily="34" charset="0"/>
-                <a:ea typeface="ＭＳ Ｐゴシック" charset="-128"/>
-                <a:cs typeface="+mn-cs"/>
-              </a:rPr>
-              <a:t>Dependency resolver</a:t>
-            </a:r>
-          </a:p>
-        </p:txBody>
-      </p:sp>
-      <p:sp>
-        <p:nvSpPr>
-          <p:cNvPr id="12" name="Rechteck 11">
-            <a:extLst>
-              <a:ext uri="{FF2B5EF4-FFF2-40B4-BE49-F238E27FC236}">
-                <a16:creationId xmlns:a16="http://schemas.microsoft.com/office/drawing/2014/main" id="{08C0CD5C-7705-48D8-8B72-45FBFEBC7CCE}"/>
-              </a:ext>
-            </a:extLst>
-          </p:cNvPr>
-          <p:cNvSpPr/>
-          <p:nvPr/>
-        </p:nvSpPr>
-        <p:spPr>
-          <a:xfrm>
-            <a:off x="4995613" y="1601736"/>
-            <a:ext cx="1133644" cy="248466"/>
-          </a:xfrm>
-          <a:prstGeom prst="rect">
-            <a:avLst/>
-          </a:prstGeom>
-        </p:spPr>
-        <p:txBody>
-          <a:bodyPr wrap="none">
-            <a:spAutoFit/>
-          </a:bodyPr>
-          <a:lstStyle/>
-          <a:p>
-            <a:pPr marL="0" marR="0" lvl="0" indent="0" algn="ctr" defTabSz="914400" rtl="0" eaLnBrk="1" fontAlgn="base" latinLnBrk="0" hangingPunct="1">
-              <a:lnSpc>
-                <a:spcPct val="110000"/>
-              </a:lnSpc>
-              <a:spcBef>
-                <a:spcPct val="0"/>
-              </a:spcBef>
-              <a:spcAft>
-                <a:spcPct val="0"/>
-              </a:spcAft>
-              <a:buClrTx/>
-              <a:buSzTx/>
-              <a:buFont typeface="Wingdings" charset="0"/>
-              <a:buNone/>
-              <a:tabLst/>
-              <a:defRPr/>
-            </a:pPr>
-            <a:r>
-              <a:rPr kumimoji="0" lang="en-US" sz="1000" b="1" i="0" u="none" strike="noStrike" kern="1200" cap="none" spc="0" normalizeH="0" baseline="0" dirty="0">
-                <a:ln>
-                  <a:noFill/>
-                </a:ln>
-                <a:solidFill>
-                  <a:srgbClr val="000000"/>
-                </a:solidFill>
-                <a:effectLst/>
-                <a:uLnTx/>
-                <a:uFillTx/>
-                <a:latin typeface="Arial" pitchFamily="34" charset="0"/>
-                <a:ea typeface="ＭＳ Ｐゴシック" charset="-128"/>
-                <a:cs typeface="+mn-cs"/>
-              </a:rPr>
-              <a:t>Binary analyzer</a:t>
-            </a:r>
-          </a:p>
-        </p:txBody>
-      </p:sp>
-      <p:sp>
-        <p:nvSpPr>
-          <p:cNvPr id="13" name="Rechteck 12">
-            <a:extLst>
-              <a:ext uri="{FF2B5EF4-FFF2-40B4-BE49-F238E27FC236}">
-                <a16:creationId xmlns:a16="http://schemas.microsoft.com/office/drawing/2014/main" id="{974D53D9-9E5A-4A3A-8B6F-7F41D059EE3B}"/>
-              </a:ext>
-            </a:extLst>
-          </p:cNvPr>
-          <p:cNvSpPr/>
-          <p:nvPr/>
-        </p:nvSpPr>
-        <p:spPr>
-          <a:xfrm>
-            <a:off x="2938289" y="1604863"/>
-            <a:ext cx="1811713" cy="248466"/>
-          </a:xfrm>
-          <a:prstGeom prst="rect">
-            <a:avLst/>
-          </a:prstGeom>
-        </p:spPr>
-        <p:txBody>
-          <a:bodyPr wrap="none">
-            <a:spAutoFit/>
-          </a:bodyPr>
-          <a:lstStyle/>
-          <a:p>
-            <a:pPr marL="0" marR="0" lvl="0" indent="0" algn="ctr" defTabSz="914400" rtl="0" eaLnBrk="1" fontAlgn="base" latinLnBrk="0" hangingPunct="1">
-              <a:lnSpc>
-                <a:spcPct val="110000"/>
-              </a:lnSpc>
-              <a:spcBef>
-                <a:spcPct val="0"/>
-              </a:spcBef>
-              <a:spcAft>
-                <a:spcPct val="0"/>
-              </a:spcAft>
-              <a:buClrTx/>
-              <a:buSzTx/>
-              <a:buFontTx/>
-              <a:buNone/>
-              <a:tabLst/>
-              <a:defRPr/>
-            </a:pPr>
-            <a:r>
-              <a:rPr kumimoji="0" lang="de-DE" sz="1000" b="1" i="0" u="none" strike="noStrike" kern="1200" cap="none" spc="0" normalizeH="0" baseline="0" noProof="0" dirty="0">
-                <a:ln>
-                  <a:noFill/>
-                </a:ln>
-                <a:solidFill>
-                  <a:srgbClr val="000000"/>
-                </a:solidFill>
-                <a:effectLst/>
-                <a:uLnTx/>
-                <a:uFillTx/>
-                <a:latin typeface="Arial" pitchFamily="34" charset="0"/>
-                <a:ea typeface="ＭＳ Ｐゴシック" charset="-128"/>
-                <a:cs typeface="+mn-cs"/>
-              </a:rPr>
-              <a:t>Container </a:t>
-            </a:r>
-            <a:r>
-              <a:rPr kumimoji="0" lang="de-DE" sz="1000" b="1" i="0" u="none" strike="noStrike" kern="1200" cap="none" spc="0" normalizeH="0" baseline="0" noProof="0" dirty="0" err="1">
-                <a:ln>
-                  <a:noFill/>
-                </a:ln>
-                <a:solidFill>
-                  <a:srgbClr val="000000"/>
-                </a:solidFill>
-                <a:effectLst/>
-                <a:uLnTx/>
-                <a:uFillTx/>
-                <a:latin typeface="Arial" pitchFamily="34" charset="0"/>
-                <a:ea typeface="ＭＳ Ｐゴシック" charset="-128"/>
-                <a:cs typeface="+mn-cs"/>
-              </a:rPr>
-              <a:t>content</a:t>
-            </a:r>
-            <a:r>
-              <a:rPr kumimoji="0" lang="de-DE" sz="1000" b="1" i="0" u="none" strike="noStrike" kern="1200" cap="none" spc="0" normalizeH="0" baseline="0" noProof="0" dirty="0">
-                <a:ln>
-                  <a:noFill/>
-                </a:ln>
-                <a:solidFill>
-                  <a:srgbClr val="000000"/>
-                </a:solidFill>
-                <a:effectLst/>
-                <a:uLnTx/>
-                <a:uFillTx/>
-                <a:latin typeface="Arial" pitchFamily="34" charset="0"/>
-                <a:ea typeface="ＭＳ Ｐゴシック" charset="-128"/>
-                <a:cs typeface="+mn-cs"/>
-              </a:rPr>
-              <a:t> </a:t>
-            </a:r>
-            <a:r>
-              <a:rPr kumimoji="0" lang="de-DE" sz="1000" b="1" i="0" u="none" strike="noStrike" kern="1200" cap="none" spc="0" normalizeH="0" baseline="0" noProof="0" dirty="0" err="1">
-                <a:ln>
-                  <a:noFill/>
-                </a:ln>
-                <a:solidFill>
-                  <a:srgbClr val="000000"/>
-                </a:solidFill>
-                <a:effectLst/>
-                <a:uLnTx/>
-                <a:uFillTx/>
-                <a:latin typeface="Arial" pitchFamily="34" charset="0"/>
-                <a:ea typeface="ＭＳ Ｐゴシック" charset="-128"/>
-                <a:cs typeface="+mn-cs"/>
-              </a:rPr>
-              <a:t>resolver</a:t>
-            </a:r>
-            <a:endParaRPr kumimoji="0" lang="de-DE" sz="1000" b="1" i="0" u="none" strike="noStrike" kern="1200" cap="none" spc="0" normalizeH="0" baseline="0" noProof="0" dirty="0">
-              <a:ln>
-                <a:noFill/>
-              </a:ln>
-              <a:solidFill>
-                <a:srgbClr val="000000"/>
-              </a:solidFill>
-              <a:effectLst/>
-              <a:uLnTx/>
-              <a:uFillTx/>
-              <a:latin typeface="Arial" pitchFamily="34" charset="0"/>
-              <a:ea typeface="ＭＳ Ｐゴシック" charset="-128"/>
-              <a:cs typeface="+mn-cs"/>
-            </a:endParaRPr>
-          </a:p>
-        </p:txBody>
-      </p:sp>
-      <p:sp>
-        <p:nvSpPr>
-          <p:cNvPr id="15" name="Rechteck 14">
-            <a:extLst>
-              <a:ext uri="{FF2B5EF4-FFF2-40B4-BE49-F238E27FC236}">
-                <a16:creationId xmlns:a16="http://schemas.microsoft.com/office/drawing/2014/main" id="{A7A0D634-FB33-4256-8C17-A9F68700BECC}"/>
-              </a:ext>
-            </a:extLst>
-          </p:cNvPr>
-          <p:cNvSpPr/>
-          <p:nvPr/>
-        </p:nvSpPr>
-        <p:spPr>
-          <a:xfrm>
-            <a:off x="6428979" y="1604863"/>
-            <a:ext cx="1915909" cy="248466"/>
-          </a:xfrm>
-          <a:prstGeom prst="rect">
-            <a:avLst/>
-          </a:prstGeom>
-        </p:spPr>
-        <p:txBody>
-          <a:bodyPr wrap="none">
-            <a:spAutoFit/>
-          </a:bodyPr>
-          <a:lstStyle/>
-          <a:p>
-            <a:pPr marL="0" marR="0" lvl="0" indent="0" algn="ctr" defTabSz="914400" rtl="0" eaLnBrk="1" fontAlgn="base" latinLnBrk="0" hangingPunct="1">
-              <a:lnSpc>
-                <a:spcPct val="110000"/>
-              </a:lnSpc>
-              <a:spcBef>
-                <a:spcPct val="0"/>
-              </a:spcBef>
-              <a:spcAft>
-                <a:spcPct val="0"/>
-              </a:spcAft>
-              <a:buClrTx/>
-              <a:buSzTx/>
-              <a:buFontTx/>
-              <a:buNone/>
-              <a:tabLst/>
-              <a:defRPr/>
-            </a:pPr>
-            <a:r>
-              <a:rPr kumimoji="0" lang="de-DE" sz="1000" b="1" i="0" u="none" strike="noStrike" kern="1200" cap="none" spc="0" normalizeH="0" baseline="0" noProof="0">
-                <a:ln>
-                  <a:noFill/>
-                </a:ln>
-                <a:solidFill>
-                  <a:srgbClr val="000000"/>
-                </a:solidFill>
-                <a:effectLst/>
-                <a:uLnTx/>
-                <a:uFillTx/>
-                <a:latin typeface="Arial" pitchFamily="34" charset="0"/>
-                <a:ea typeface="ＭＳ Ｐゴシック" charset="-128"/>
-                <a:cs typeface="+mn-cs"/>
-              </a:rPr>
-              <a:t>Source package downloader</a:t>
-            </a:r>
-            <a:endParaRPr kumimoji="0" lang="de-DE" sz="1000" b="1" i="0" u="none" strike="noStrike" kern="1200" cap="none" spc="0" normalizeH="0" baseline="0" noProof="0" dirty="0">
-              <a:ln>
-                <a:noFill/>
-              </a:ln>
-              <a:solidFill>
-                <a:srgbClr val="000000"/>
-              </a:solidFill>
-              <a:effectLst/>
-              <a:uLnTx/>
-              <a:uFillTx/>
-              <a:latin typeface="Arial" pitchFamily="34" charset="0"/>
-              <a:ea typeface="ＭＳ Ｐゴシック" charset="-128"/>
-              <a:cs typeface="+mn-cs"/>
-            </a:endParaRPr>
-          </a:p>
-        </p:txBody>
-      </p:sp>
-      <p:sp>
-        <p:nvSpPr>
-          <p:cNvPr id="17" name="Rechteck 16">
-            <a:extLst>
-              <a:ext uri="{FF2B5EF4-FFF2-40B4-BE49-F238E27FC236}">
-                <a16:creationId xmlns:a16="http://schemas.microsoft.com/office/drawing/2014/main" id="{F271B4F2-C528-4F0C-8225-1ECF88AE3266}"/>
-              </a:ext>
-            </a:extLst>
-          </p:cNvPr>
-          <p:cNvSpPr/>
-          <p:nvPr/>
-        </p:nvSpPr>
-        <p:spPr>
-          <a:xfrm>
-            <a:off x="8284536" y="1605687"/>
-            <a:ext cx="1725922" cy="400110"/>
-          </a:xfrm>
-          <a:prstGeom prst="rect">
-            <a:avLst/>
-          </a:prstGeom>
-        </p:spPr>
-        <p:txBody>
-          <a:bodyPr wrap="square">
-            <a:spAutoFit/>
-          </a:bodyPr>
-          <a:lstStyle/>
-          <a:p>
-            <a:pPr marL="0" marR="0" lvl="0" indent="0" algn="ctr" defTabSz="914400" rtl="0" eaLnBrk="1" fontAlgn="base" latinLnBrk="0" hangingPunct="1">
-              <a:lnSpc>
-                <a:spcPct val="100000"/>
-              </a:lnSpc>
-              <a:spcBef>
-                <a:spcPct val="50000"/>
-              </a:spcBef>
-              <a:spcAft>
-                <a:spcPct val="0"/>
-              </a:spcAft>
-              <a:buClrTx/>
-              <a:buSzTx/>
-              <a:buFontTx/>
-              <a:buNone/>
-              <a:tabLst/>
-              <a:defRPr/>
-            </a:pPr>
-            <a:r>
-              <a:rPr kumimoji="0" lang="en-US" sz="1000" b="1" i="0" u="none" strike="noStrike" kern="1200" cap="none" spc="0" normalizeH="0" baseline="0" dirty="0">
-                <a:ln>
-                  <a:noFill/>
-                </a:ln>
-                <a:solidFill>
-                  <a:srgbClr val="000000"/>
-                </a:solidFill>
-                <a:effectLst/>
-                <a:uLnTx/>
-                <a:uFillTx/>
-                <a:latin typeface="Arial" pitchFamily="34" charset="0"/>
-                <a:ea typeface="ＭＳ Ｐゴシック" charset="-128"/>
-                <a:cs typeface="+mn-cs"/>
-              </a:rPr>
-              <a:t>Component </a:t>
-            </a:r>
-            <a:r>
-              <a:rPr lang="en-US" sz="1000" b="1" dirty="0">
-                <a:solidFill>
-                  <a:srgbClr val="000000"/>
-                </a:solidFill>
-              </a:rPr>
-              <a:t>&amp; application m</a:t>
-            </a:r>
-            <a:r>
-              <a:rPr kumimoji="0" lang="en-US" sz="1000" b="1" i="0" u="none" strike="noStrike" kern="1200" cap="none" spc="0" normalizeH="0" baseline="0" dirty="0">
-                <a:ln>
-                  <a:noFill/>
-                </a:ln>
-                <a:solidFill>
-                  <a:srgbClr val="000000"/>
-                </a:solidFill>
-                <a:effectLst/>
-                <a:uLnTx/>
-                <a:uFillTx/>
-                <a:latin typeface="Arial" pitchFamily="34" charset="0"/>
-                <a:ea typeface="ＭＳ Ｐゴシック" charset="-128"/>
-                <a:cs typeface="+mn-cs"/>
-              </a:rPr>
-              <a:t>etadata repository </a:t>
-            </a:r>
-            <a:endParaRPr kumimoji="0" lang="en-US" sz="1800" b="0" i="0" u="none" strike="noStrike" kern="1200" cap="none" spc="0" normalizeH="0" baseline="0" dirty="0">
-              <a:ln>
-                <a:noFill/>
-              </a:ln>
-              <a:solidFill>
-                <a:srgbClr val="ADBECB"/>
-              </a:solidFill>
-              <a:effectLst/>
-              <a:uLnTx/>
-              <a:uFillTx/>
-              <a:latin typeface="Arial" pitchFamily="34" charset="0"/>
-              <a:ea typeface="ＭＳ Ｐゴシック" charset="-128"/>
-              <a:cs typeface="+mn-cs"/>
-            </a:endParaRPr>
-          </a:p>
-        </p:txBody>
-      </p:sp>
-      <p:sp>
-        <p:nvSpPr>
-          <p:cNvPr id="5" name="Rechteck 4">
-            <a:extLst>
-              <a:ext uri="{FF2B5EF4-FFF2-40B4-BE49-F238E27FC236}">
-                <a16:creationId xmlns:a16="http://schemas.microsoft.com/office/drawing/2014/main" id="{F21E62E2-1E04-486C-A87C-6C0E13A971ED}"/>
-              </a:ext>
-            </a:extLst>
-          </p:cNvPr>
-          <p:cNvSpPr/>
-          <p:nvPr/>
-        </p:nvSpPr>
-        <p:spPr>
-          <a:xfrm>
-            <a:off x="1011863" y="6313621"/>
-            <a:ext cx="1967205" cy="248466"/>
-          </a:xfrm>
-          <a:prstGeom prst="rect">
-            <a:avLst/>
-          </a:prstGeom>
-        </p:spPr>
-        <p:txBody>
-          <a:bodyPr wrap="none">
-            <a:spAutoFit/>
-          </a:bodyPr>
-          <a:lstStyle/>
-          <a:p>
-            <a:pPr marL="0" marR="0" lvl="0" indent="0" algn="ctr" defTabSz="914400" rtl="0" eaLnBrk="1" fontAlgn="base" latinLnBrk="0" hangingPunct="1">
-              <a:lnSpc>
-                <a:spcPct val="110000"/>
-              </a:lnSpc>
-              <a:spcBef>
-                <a:spcPct val="0"/>
-              </a:spcBef>
-              <a:spcAft>
-                <a:spcPct val="0"/>
-              </a:spcAft>
-              <a:buClrTx/>
-              <a:buSzTx/>
-              <a:buFontTx/>
-              <a:buNone/>
-              <a:tabLst/>
-              <a:defRPr/>
-            </a:pPr>
-            <a:r>
-              <a:rPr kumimoji="0" lang="de-DE" sz="1000" b="1" i="0" u="none" strike="noStrike" kern="1200" cap="none" spc="0" normalizeH="0" baseline="0" noProof="0" dirty="0">
-                <a:ln>
-                  <a:noFill/>
-                </a:ln>
-                <a:solidFill>
-                  <a:srgbClr val="000000"/>
-                </a:solidFill>
-                <a:effectLst/>
-                <a:uLnTx/>
-                <a:uFillTx/>
-                <a:latin typeface="Arial" pitchFamily="34" charset="0"/>
-                <a:ea typeface="ＭＳ Ｐゴシック" charset="-128"/>
-                <a:cs typeface="+mn-cs"/>
-              </a:rPr>
-              <a:t>License &amp; Copyright Scanner</a:t>
-            </a:r>
-          </a:p>
-        </p:txBody>
-      </p:sp>
-      <p:sp>
-        <p:nvSpPr>
-          <p:cNvPr id="14" name="Rechteck 13">
-            <a:extLst>
-              <a:ext uri="{FF2B5EF4-FFF2-40B4-BE49-F238E27FC236}">
-                <a16:creationId xmlns:a16="http://schemas.microsoft.com/office/drawing/2014/main" id="{6E358C0F-01FB-41CE-9DA3-B1B4952F55B4}"/>
-              </a:ext>
-            </a:extLst>
-          </p:cNvPr>
-          <p:cNvSpPr/>
-          <p:nvPr/>
-        </p:nvSpPr>
-        <p:spPr>
-          <a:xfrm>
-            <a:off x="8445640" y="6445452"/>
-            <a:ext cx="1494485" cy="417743"/>
-          </a:xfrm>
-          <a:prstGeom prst="rect">
-            <a:avLst/>
-          </a:prstGeom>
-        </p:spPr>
-        <p:txBody>
-          <a:bodyPr wrap="square">
-            <a:spAutoFit/>
-          </a:bodyPr>
-          <a:lstStyle/>
-          <a:p>
-            <a:pPr marL="0" marR="0" lvl="0" indent="0" algn="ctr" defTabSz="914400" rtl="0" eaLnBrk="1" fontAlgn="base" latinLnBrk="0" hangingPunct="1">
-              <a:lnSpc>
-                <a:spcPct val="110000"/>
-              </a:lnSpc>
-              <a:spcBef>
-                <a:spcPct val="0"/>
-              </a:spcBef>
-              <a:spcAft>
-                <a:spcPct val="0"/>
-              </a:spcAft>
-              <a:buClrTx/>
-              <a:buSzTx/>
-              <a:buFontTx/>
-              <a:buNone/>
-              <a:tabLst/>
-              <a:defRPr/>
-            </a:pPr>
-            <a:r>
-              <a:rPr kumimoji="0" lang="de-DE" sz="1000" b="1" i="0" u="none" strike="noStrike" kern="1200" cap="none" spc="0" normalizeH="0" baseline="0" noProof="0" dirty="0">
-                <a:ln>
-                  <a:noFill/>
-                </a:ln>
-                <a:solidFill>
-                  <a:srgbClr val="000000"/>
-                </a:solidFill>
-                <a:effectLst/>
-                <a:uLnTx/>
-                <a:uFillTx/>
-                <a:latin typeface="Arial" pitchFamily="34" charset="0"/>
-                <a:ea typeface="ＭＳ Ｐゴシック" charset="-128"/>
-                <a:cs typeface="+mn-cs"/>
-              </a:rPr>
-              <a:t>FOSS Compliance Bundle </a:t>
-            </a:r>
-            <a:r>
-              <a:rPr kumimoji="0" lang="en-US" sz="1000" b="1" i="0" u="none" strike="noStrike" kern="1200" cap="none" spc="0" normalizeH="0" baseline="0" dirty="0">
-                <a:ln>
-                  <a:noFill/>
-                </a:ln>
-                <a:solidFill>
-                  <a:srgbClr val="000000"/>
-                </a:solidFill>
-                <a:effectLst/>
-                <a:uLnTx/>
-                <a:uFillTx/>
-                <a:latin typeface="Arial" pitchFamily="34" charset="0"/>
-                <a:ea typeface="ＭＳ Ｐゴシック" charset="-128"/>
-                <a:cs typeface="+mn-cs"/>
-              </a:rPr>
-              <a:t>generator</a:t>
-            </a:r>
-          </a:p>
-        </p:txBody>
-      </p:sp>
-      <p:sp>
-        <p:nvSpPr>
-          <p:cNvPr id="18" name="Rechteck 17">
-            <a:extLst>
-              <a:ext uri="{FF2B5EF4-FFF2-40B4-BE49-F238E27FC236}">
-                <a16:creationId xmlns:a16="http://schemas.microsoft.com/office/drawing/2014/main" id="{FC5C1701-719C-40CF-BD11-C8696788F8AB}"/>
-              </a:ext>
-            </a:extLst>
-          </p:cNvPr>
-          <p:cNvSpPr/>
-          <p:nvPr/>
-        </p:nvSpPr>
-        <p:spPr>
-          <a:xfrm>
-            <a:off x="10043992" y="1529564"/>
-            <a:ext cx="1764674" cy="417743"/>
-          </a:xfrm>
-          <a:prstGeom prst="rect">
-            <a:avLst/>
-          </a:prstGeom>
-        </p:spPr>
-        <p:txBody>
-          <a:bodyPr wrap="square">
-            <a:spAutoFit/>
-          </a:bodyPr>
-          <a:lstStyle/>
-          <a:p>
-            <a:pPr lvl="0" algn="ctr">
-              <a:lnSpc>
-                <a:spcPct val="110000"/>
-              </a:lnSpc>
-              <a:spcBef>
-                <a:spcPct val="0"/>
-              </a:spcBef>
-            </a:pPr>
-            <a:r>
-              <a:rPr lang="en-US" sz="1000" b="1" dirty="0">
-                <a:solidFill>
-                  <a:srgbClr val="000000"/>
-                </a:solidFill>
-              </a:rPr>
-              <a:t>License metadata repository</a:t>
-            </a:r>
-          </a:p>
-        </p:txBody>
-      </p:sp>
-      <p:sp>
-        <p:nvSpPr>
-          <p:cNvPr id="16" name="Rechteck 15">
-            <a:extLst>
-              <a:ext uri="{FF2B5EF4-FFF2-40B4-BE49-F238E27FC236}">
-                <a16:creationId xmlns:a16="http://schemas.microsoft.com/office/drawing/2014/main" id="{F70E22E9-09F1-4D18-913D-6EDCC7C33DE3}"/>
-              </a:ext>
-            </a:extLst>
-          </p:cNvPr>
-          <p:cNvSpPr/>
-          <p:nvPr/>
-        </p:nvSpPr>
-        <p:spPr>
-          <a:xfrm>
-            <a:off x="39212" y="5962219"/>
-            <a:ext cx="1084988" cy="587020"/>
-          </a:xfrm>
-          <a:prstGeom prst="rect">
-            <a:avLst/>
-          </a:prstGeom>
-        </p:spPr>
-        <p:txBody>
-          <a:bodyPr wrap="square">
-            <a:spAutoFit/>
-          </a:bodyPr>
-          <a:lstStyle/>
-          <a:p>
-            <a:pPr lvl="0" algn="ctr">
-              <a:lnSpc>
-                <a:spcPct val="110000"/>
-              </a:lnSpc>
-              <a:spcBef>
-                <a:spcPct val="0"/>
-              </a:spcBef>
-              <a:defRPr/>
-            </a:pPr>
-            <a:r>
-              <a:rPr lang="en-US" sz="1000" b="1" dirty="0">
-                <a:solidFill>
-                  <a:srgbClr val="000000"/>
-                </a:solidFill>
-              </a:rPr>
-              <a:t>Public compliance artifact repos</a:t>
-            </a:r>
-          </a:p>
-        </p:txBody>
-      </p:sp>
-      <p:pic>
-        <p:nvPicPr>
-          <p:cNvPr id="19" name="Grafik 18">
-            <a:extLst>
-              <a:ext uri="{FF2B5EF4-FFF2-40B4-BE49-F238E27FC236}">
-                <a16:creationId xmlns:a16="http://schemas.microsoft.com/office/drawing/2014/main" id="{6C60109C-DF05-4C2E-8429-F10CB3F20F33}"/>
-              </a:ext>
-            </a:extLst>
-          </p:cNvPr>
-          <p:cNvPicPr>
-            <a:picLocks noChangeAspect="1"/>
-          </p:cNvPicPr>
-          <p:nvPr/>
-        </p:nvPicPr>
-        <p:blipFill rotWithShape="1">
-          <a:blip r:embed="rId2"/>
-          <a:srcRect t="8644"/>
-          <a:stretch/>
-        </p:blipFill>
-        <p:spPr>
-          <a:xfrm>
-            <a:off x="141589" y="4498339"/>
-            <a:ext cx="875280" cy="199091"/>
-          </a:xfrm>
-          <a:prstGeom prst="rect">
-            <a:avLst/>
-          </a:prstGeom>
-        </p:spPr>
-      </p:pic>
-      <p:pic>
-        <p:nvPicPr>
-          <p:cNvPr id="25" name="Grafik 24">
-            <a:extLst>
-              <a:ext uri="{FF2B5EF4-FFF2-40B4-BE49-F238E27FC236}">
-                <a16:creationId xmlns:a16="http://schemas.microsoft.com/office/drawing/2014/main" id="{959D8F5D-29C8-4D66-A49C-C4BFA830582D}"/>
-              </a:ext>
-            </a:extLst>
-          </p:cNvPr>
-          <p:cNvPicPr>
-            <a:picLocks noChangeAspect="1"/>
-          </p:cNvPicPr>
-          <p:nvPr/>
-        </p:nvPicPr>
-        <p:blipFill>
-          <a:blip r:embed="rId3"/>
-          <a:stretch>
-            <a:fillRect/>
-          </a:stretch>
-        </p:blipFill>
-        <p:spPr>
-          <a:xfrm>
-            <a:off x="155275" y="4776707"/>
-            <a:ext cx="517845" cy="534939"/>
-          </a:xfrm>
-          <a:prstGeom prst="rect">
-            <a:avLst/>
-          </a:prstGeom>
-        </p:spPr>
-      </p:pic>
-      <p:sp>
-        <p:nvSpPr>
-          <p:cNvPr id="130" name="Rounded Rectangle 14">
-            <a:extLst>
-              <a:ext uri="{FF2B5EF4-FFF2-40B4-BE49-F238E27FC236}">
-                <a16:creationId xmlns:a16="http://schemas.microsoft.com/office/drawing/2014/main" id="{17F93F70-6EAE-4C48-9D36-6DCCA5002754}"/>
-              </a:ext>
-            </a:extLst>
-          </p:cNvPr>
-          <p:cNvSpPr/>
-          <p:nvPr/>
-        </p:nvSpPr>
-        <p:spPr bwMode="auto">
-          <a:xfrm>
-            <a:off x="4927892" y="4169491"/>
-            <a:ext cx="2424545" cy="613347"/>
-          </a:xfrm>
-          <a:prstGeom prst="roundRect">
-            <a:avLst/>
-          </a:prstGeom>
-          <a:solidFill>
-            <a:schemeClr val="accent2"/>
-          </a:solidFill>
-          <a:ln>
-            <a:noFill/>
-          </a:ln>
-          <a:effectLst/>
-          <a:extLst>
-            <a:ext uri="{91240B29-F687-4F45-9708-019B960494DF}">
-              <a14:hiddenLine xmlns:a14="http://schemas.microsoft.com/office/drawing/2010/main" w="9525">
-                <a:solidFill>
-                  <a:schemeClr val="tx1"/>
-                </a:solidFill>
-                <a:miter lim="800000"/>
-                <a:headEnd/>
-                <a:tailEnd/>
-              </a14:hiddenLine>
-            </a:ext>
-            <a:ext uri="{AF507438-7753-43E0-B8FC-AC1667EBCBE1}">
-              <a14:hiddenEffects xmlns:a14="http://schemas.microsoft.com/office/drawing/2010/main">
-                <a:effectLst>
-                  <a:outerShdw blurRad="63500" dist="38099" dir="2700000" algn="ctr" rotWithShape="0">
-                    <a:schemeClr val="bg2">
-                      <a:alpha val="74998"/>
-                    </a:schemeClr>
-                  </a:outerShdw>
-                </a:effectLst>
-              </a14:hiddenEffects>
-            </a:ext>
-          </a:extLst>
-        </p:spPr>
-        <p:txBody>
-          <a:bodyPr wrap="square" lIns="108000" tIns="54000" rIns="108000" bIns="54000" numCol="1" spcCol="72000" rtlCol="0" anchor="ctr">
-            <a:noAutofit/>
-          </a:bodyPr>
-          <a:lstStyle/>
-          <a:p>
-            <a:pPr marL="0" marR="0" lvl="0" indent="0" algn="ctr" defTabSz="914400" rtl="0" eaLnBrk="1" fontAlgn="base" latinLnBrk="0" hangingPunct="1">
-              <a:lnSpc>
-                <a:spcPct val="110000"/>
-              </a:lnSpc>
-              <a:spcBef>
-                <a:spcPct val="0"/>
-              </a:spcBef>
-              <a:spcAft>
-                <a:spcPct val="0"/>
-              </a:spcAft>
-              <a:buClrTx/>
-              <a:buSzTx/>
-              <a:buFont typeface="Wingdings" charset="0"/>
-              <a:buNone/>
-              <a:tabLst/>
-              <a:defRPr/>
-            </a:pPr>
-            <a:r>
-              <a:rPr kumimoji="0" lang="en-US" sz="1600" b="1" i="0" u="none" strike="noStrike" kern="1200" cap="none" spc="0" normalizeH="0" baseline="0" noProof="0" dirty="0">
-                <a:ln>
-                  <a:noFill/>
-                </a:ln>
-                <a:solidFill>
-                  <a:srgbClr val="000000"/>
-                </a:solidFill>
-                <a:effectLst/>
-                <a:uLnTx/>
-                <a:uFillTx/>
-                <a:latin typeface="Arial" pitchFamily="34" charset="0"/>
-                <a:ea typeface="ＭＳ Ｐゴシック" charset="-128"/>
-                <a:cs typeface="+mn-cs"/>
-              </a:rPr>
-              <a:t>Issue Tracker</a:t>
-            </a:r>
-          </a:p>
-        </p:txBody>
-      </p:sp>
-      <p:grpSp>
-        <p:nvGrpSpPr>
-          <p:cNvPr id="142" name="Gruppieren 32">
-            <a:extLst>
-              <a:ext uri="{FF2B5EF4-FFF2-40B4-BE49-F238E27FC236}">
-                <a16:creationId xmlns:a16="http://schemas.microsoft.com/office/drawing/2014/main" id="{85BDD45E-9D84-4FCB-AD0C-4AB3051FC05D}"/>
-              </a:ext>
-            </a:extLst>
-          </p:cNvPr>
-          <p:cNvGrpSpPr/>
-          <p:nvPr/>
-        </p:nvGrpSpPr>
-        <p:grpSpPr>
-          <a:xfrm>
-            <a:off x="10059579" y="4871100"/>
-            <a:ext cx="1729569" cy="1447577"/>
-            <a:chOff x="10059579" y="4871100"/>
-            <a:chExt cx="1729569" cy="1447577"/>
-          </a:xfrm>
-        </p:grpSpPr>
-        <p:sp>
-          <p:nvSpPr>
-            <p:cNvPr id="143" name="Rechteck 33">
-              <a:extLst>
-                <a:ext uri="{FF2B5EF4-FFF2-40B4-BE49-F238E27FC236}">
-                  <a16:creationId xmlns:a16="http://schemas.microsoft.com/office/drawing/2014/main" id="{88C466CA-B3E9-496B-8611-438F974873F0}"/>
-                </a:ext>
-              </a:extLst>
-            </p:cNvPr>
-            <p:cNvSpPr/>
-            <p:nvPr/>
-          </p:nvSpPr>
-          <p:spPr>
-            <a:xfrm>
-              <a:off x="10059588" y="5162501"/>
-              <a:ext cx="319591" cy="986985"/>
-            </a:xfrm>
-            <a:prstGeom prst="rect">
-              <a:avLst/>
-            </a:prstGeom>
-            <a:solidFill>
-              <a:srgbClr val="FF6600"/>
-            </a:solidFill>
-            <a:ln cap="flat">
-              <a:noFill/>
-              <a:prstDash val="solid"/>
-            </a:ln>
-          </p:spPr>
-          <p:txBody>
-            <a:bodyPr vert="horz" wrap="square" lIns="107688" tIns="53849" rIns="107688" bIns="53849" anchor="ctr" anchorCtr="1" compatLnSpc="1">
-              <a:noAutofit/>
-            </a:bodyPr>
-            <a:lstStyle/>
-            <a:p>
-              <a:pPr marL="0" marR="0" lvl="0" indent="0" algn="ctr" defTabSz="911839" rtl="0" fontAlgn="auto" hangingPunct="1">
-                <a:lnSpc>
-                  <a:spcPct val="110000"/>
-                </a:lnSpc>
-                <a:spcBef>
-                  <a:spcPts val="0"/>
-                </a:spcBef>
-                <a:spcAft>
-                  <a:spcPts val="0"/>
-                </a:spcAft>
-                <a:buNone/>
-                <a:tabLst/>
-                <a:defRPr sz="1800" b="0" i="0" u="none" strike="noStrike" kern="0" cap="none" spc="0" baseline="0">
-                  <a:solidFill>
-                    <a:srgbClr val="000000"/>
-                  </a:solidFill>
-                  <a:uFillTx/>
-                </a:defRPr>
-              </a:pPr>
-              <a:endParaRPr lang="de-DE" sz="1795" b="1" i="0" u="none" strike="noStrike" kern="1200" cap="none" spc="0" baseline="0" dirty="0">
-                <a:solidFill>
-                  <a:srgbClr val="000000"/>
-                </a:solidFill>
-                <a:uFillTx/>
-                <a:latin typeface="Arial" pitchFamily="34"/>
-                <a:ea typeface="ＭＳ Ｐゴシック"/>
-              </a:endParaRPr>
-            </a:p>
-          </p:txBody>
-        </p:sp>
-        <p:sp>
-          <p:nvSpPr>
-            <p:cNvPr id="144" name="Rechteck 34">
-              <a:extLst>
-                <a:ext uri="{FF2B5EF4-FFF2-40B4-BE49-F238E27FC236}">
-                  <a16:creationId xmlns:a16="http://schemas.microsoft.com/office/drawing/2014/main" id="{0329F267-E05F-4A87-ACE5-F998E24CC184}"/>
-                </a:ext>
-              </a:extLst>
-            </p:cNvPr>
-            <p:cNvSpPr/>
-            <p:nvPr/>
-          </p:nvSpPr>
-          <p:spPr>
-            <a:xfrm>
-              <a:off x="11469556" y="5162501"/>
-              <a:ext cx="319591" cy="986985"/>
-            </a:xfrm>
-            <a:prstGeom prst="rect">
-              <a:avLst/>
-            </a:prstGeom>
-            <a:solidFill>
-              <a:srgbClr val="FF6600"/>
-            </a:solidFill>
-            <a:ln cap="flat">
-              <a:noFill/>
-              <a:prstDash val="solid"/>
-            </a:ln>
-          </p:spPr>
-          <p:txBody>
-            <a:bodyPr vert="horz" wrap="square" lIns="107688" tIns="53849" rIns="107688" bIns="53849" anchor="ctr" anchorCtr="1" compatLnSpc="1">
-              <a:noAutofit/>
-            </a:bodyPr>
-            <a:lstStyle/>
-            <a:p>
-              <a:pPr marL="0" marR="0" lvl="0" indent="0" algn="ctr" defTabSz="911839" rtl="0" fontAlgn="auto" hangingPunct="1">
-                <a:lnSpc>
-                  <a:spcPct val="110000"/>
-                </a:lnSpc>
-                <a:spcBef>
-                  <a:spcPts val="0"/>
-                </a:spcBef>
-                <a:spcAft>
-                  <a:spcPts val="0"/>
-                </a:spcAft>
-                <a:buNone/>
-                <a:tabLst/>
-                <a:defRPr sz="1800" b="0" i="0" u="none" strike="noStrike" kern="0" cap="none" spc="0" baseline="0">
-                  <a:solidFill>
-                    <a:srgbClr val="000000"/>
-                  </a:solidFill>
-                  <a:uFillTx/>
-                </a:defRPr>
-              </a:pPr>
-              <a:endParaRPr lang="de-DE" sz="1795" b="1" i="0" u="none" strike="noStrike" kern="1200" cap="none" spc="0" baseline="0" dirty="0">
-                <a:solidFill>
-                  <a:srgbClr val="000000"/>
-                </a:solidFill>
-                <a:uFillTx/>
-                <a:latin typeface="Arial" pitchFamily="34"/>
-                <a:ea typeface="ＭＳ Ｐゴシック"/>
-              </a:endParaRPr>
-            </a:p>
-          </p:txBody>
-        </p:sp>
-        <p:sp>
-          <p:nvSpPr>
-            <p:cNvPr id="145" name="Rechteck 35">
-              <a:extLst>
-                <a:ext uri="{FF2B5EF4-FFF2-40B4-BE49-F238E27FC236}">
-                  <a16:creationId xmlns:a16="http://schemas.microsoft.com/office/drawing/2014/main" id="{621307BE-D3AE-4ED3-807A-552CBB093114}"/>
-                </a:ext>
-              </a:extLst>
-            </p:cNvPr>
-            <p:cNvSpPr/>
-            <p:nvPr/>
-          </p:nvSpPr>
-          <p:spPr>
-            <a:xfrm rot="5400013">
-              <a:off x="10764568" y="4457503"/>
-              <a:ext cx="319591" cy="1729569"/>
-            </a:xfrm>
-            <a:prstGeom prst="rect">
-              <a:avLst/>
-            </a:prstGeom>
-            <a:solidFill>
-              <a:srgbClr val="FF6600"/>
-            </a:solidFill>
-            <a:ln cap="flat">
-              <a:noFill/>
-              <a:prstDash val="solid"/>
-            </a:ln>
-          </p:spPr>
-          <p:txBody>
-            <a:bodyPr vert="horz" wrap="square" lIns="107688" tIns="53849" rIns="107688" bIns="53849" anchor="ctr" anchorCtr="1" compatLnSpc="1">
-              <a:noAutofit/>
-            </a:bodyPr>
-            <a:lstStyle/>
-            <a:p>
-              <a:pPr marL="0" marR="0" lvl="0" indent="0" algn="ctr" defTabSz="911839" rtl="0" fontAlgn="auto" hangingPunct="1">
-                <a:lnSpc>
-                  <a:spcPct val="110000"/>
-                </a:lnSpc>
-                <a:spcBef>
-                  <a:spcPts val="0"/>
-                </a:spcBef>
-                <a:spcAft>
-                  <a:spcPts val="0"/>
-                </a:spcAft>
-                <a:buNone/>
-                <a:tabLst/>
-                <a:defRPr sz="1800" b="0" i="0" u="none" strike="noStrike" kern="0" cap="none" spc="0" baseline="0">
-                  <a:solidFill>
-                    <a:srgbClr val="000000"/>
-                  </a:solidFill>
-                  <a:uFillTx/>
-                </a:defRPr>
-              </a:pPr>
-              <a:endParaRPr lang="de-DE" sz="1795" b="1" i="0" u="none" strike="noStrike" kern="1200" cap="none" spc="0" baseline="0" dirty="0">
-                <a:solidFill>
-                  <a:srgbClr val="000000"/>
-                </a:solidFill>
-                <a:uFillTx/>
-                <a:latin typeface="Arial" pitchFamily="34"/>
-                <a:ea typeface="ＭＳ Ｐゴシック"/>
-              </a:endParaRPr>
-            </a:p>
-          </p:txBody>
-        </p:sp>
-        <p:sp>
-          <p:nvSpPr>
-            <p:cNvPr id="146" name="Rechteck 36">
-              <a:extLst>
-                <a:ext uri="{FF2B5EF4-FFF2-40B4-BE49-F238E27FC236}">
-                  <a16:creationId xmlns:a16="http://schemas.microsoft.com/office/drawing/2014/main" id="{DB45719E-651A-41D8-A751-8E7A9DB058D5}"/>
-                </a:ext>
-              </a:extLst>
-            </p:cNvPr>
-            <p:cNvSpPr/>
-            <p:nvPr/>
-          </p:nvSpPr>
-          <p:spPr>
-            <a:xfrm>
-              <a:off x="10764572" y="4871100"/>
-              <a:ext cx="319591" cy="319591"/>
-            </a:xfrm>
-            <a:prstGeom prst="rect">
-              <a:avLst/>
-            </a:prstGeom>
-            <a:solidFill>
-              <a:srgbClr val="FF6600"/>
-            </a:solidFill>
-            <a:ln cap="flat">
-              <a:noFill/>
-              <a:prstDash val="solid"/>
-            </a:ln>
-          </p:spPr>
-          <p:txBody>
-            <a:bodyPr vert="horz" wrap="square" lIns="107688" tIns="53849" rIns="107688" bIns="53849" anchor="ctr" anchorCtr="1" compatLnSpc="1">
-              <a:noAutofit/>
-            </a:bodyPr>
-            <a:lstStyle/>
-            <a:p>
-              <a:pPr marL="0" marR="0" lvl="0" indent="0" algn="ctr" defTabSz="911839" rtl="0" fontAlgn="auto" hangingPunct="1">
-                <a:lnSpc>
-                  <a:spcPct val="110000"/>
-                </a:lnSpc>
-                <a:spcBef>
-                  <a:spcPts val="0"/>
-                </a:spcBef>
-                <a:spcAft>
-                  <a:spcPts val="0"/>
-                </a:spcAft>
-                <a:buNone/>
-                <a:tabLst/>
-                <a:defRPr sz="1800" b="0" i="0" u="none" strike="noStrike" kern="0" cap="none" spc="0" baseline="0">
-                  <a:solidFill>
-                    <a:srgbClr val="000000"/>
-                  </a:solidFill>
-                  <a:uFillTx/>
-                </a:defRPr>
-              </a:pPr>
-              <a:endParaRPr lang="de-DE" sz="1795" b="1" i="0" u="none" strike="noStrike" kern="1200" cap="none" spc="0" baseline="0" dirty="0">
-                <a:solidFill>
-                  <a:srgbClr val="000000"/>
-                </a:solidFill>
-                <a:uFillTx/>
-                <a:latin typeface="Arial" pitchFamily="34"/>
-                <a:ea typeface="ＭＳ Ｐゴシック"/>
-              </a:endParaRPr>
-            </a:p>
-          </p:txBody>
-        </p:sp>
-        <p:sp>
-          <p:nvSpPr>
-            <p:cNvPr id="147" name="Rechteck 37">
-              <a:extLst>
-                <a:ext uri="{FF2B5EF4-FFF2-40B4-BE49-F238E27FC236}">
-                  <a16:creationId xmlns:a16="http://schemas.microsoft.com/office/drawing/2014/main" id="{D0994218-C54C-4712-928F-3F995B50A282}"/>
-                </a:ext>
-              </a:extLst>
-            </p:cNvPr>
-            <p:cNvSpPr/>
-            <p:nvPr/>
-          </p:nvSpPr>
-          <p:spPr>
-            <a:xfrm>
-              <a:off x="10416780" y="5547893"/>
-              <a:ext cx="1015176" cy="770784"/>
-            </a:xfrm>
-            <a:prstGeom prst="rect">
-              <a:avLst/>
-            </a:prstGeom>
-            <a:noFill/>
-            <a:ln w="9528" cap="flat">
-              <a:solidFill>
-                <a:srgbClr val="000000"/>
-              </a:solidFill>
-              <a:prstDash val="solid"/>
-              <a:miter/>
-            </a:ln>
-          </p:spPr>
-          <p:txBody>
-            <a:bodyPr vert="horz" wrap="square" lIns="107688" tIns="53849" rIns="107688" bIns="53849" anchor="ctr" anchorCtr="1" compatLnSpc="1">
-              <a:noAutofit/>
-            </a:bodyPr>
-            <a:lstStyle/>
-            <a:p>
-              <a:pPr marL="0" marR="0" lvl="0" indent="0" algn="ctr" defTabSz="911839" rtl="0" fontAlgn="auto" hangingPunct="1">
-                <a:lnSpc>
-                  <a:spcPct val="110000"/>
-                </a:lnSpc>
-                <a:spcBef>
-                  <a:spcPts val="0"/>
-                </a:spcBef>
-                <a:spcAft>
-                  <a:spcPts val="0"/>
-                </a:spcAft>
-                <a:buNone/>
-                <a:tabLst/>
-                <a:defRPr sz="1800" b="0" i="0" u="none" strike="noStrike" kern="0" cap="none" spc="0" baseline="0">
-                  <a:solidFill>
-                    <a:srgbClr val="000000"/>
-                  </a:solidFill>
-                  <a:uFillTx/>
-                </a:defRPr>
-              </a:pPr>
-              <a:r>
-                <a:rPr lang="de-DE" sz="998" b="1" i="0" u="none" strike="noStrike" kern="1200" cap="none" spc="0" baseline="0" dirty="0">
-                  <a:solidFill>
-                    <a:srgbClr val="000000"/>
-                  </a:solidFill>
-                  <a:uFillTx/>
-                  <a:latin typeface="Arial" pitchFamily="34"/>
-                  <a:ea typeface="ＭＳ Ｐゴシック"/>
-                </a:rPr>
-                <a:t>Compliance </a:t>
-              </a:r>
-              <a:r>
-                <a:rPr lang="en-US" sz="998" b="1" i="0" u="none" strike="noStrike" kern="1200" cap="none" spc="0" baseline="0" dirty="0">
-                  <a:solidFill>
-                    <a:srgbClr val="000000"/>
-                  </a:solidFill>
-                  <a:uFillTx/>
-                  <a:latin typeface="Arial" pitchFamily="34"/>
-                  <a:ea typeface="ＭＳ Ｐゴシック"/>
-                </a:rPr>
-                <a:t>artifact</a:t>
-              </a:r>
-              <a:r>
-                <a:rPr lang="de-DE" sz="998" b="1" i="0" u="none" strike="noStrike" kern="1200" cap="none" spc="0" baseline="0" dirty="0">
-                  <a:solidFill>
-                    <a:srgbClr val="000000"/>
-                  </a:solidFill>
-                  <a:uFillTx/>
-                  <a:latin typeface="Arial" pitchFamily="34"/>
-                  <a:ea typeface="ＭＳ Ｐゴシック"/>
-                </a:rPr>
-                <a:t> </a:t>
-              </a:r>
-              <a:r>
-                <a:rPr lang="de-DE" sz="998" b="1" i="0" u="none" strike="noStrike" kern="1200" cap="none" spc="0" baseline="0" dirty="0" err="1">
-                  <a:solidFill>
-                    <a:srgbClr val="000000"/>
-                  </a:solidFill>
-                  <a:uFillTx/>
-                  <a:latin typeface="Arial" pitchFamily="34"/>
-                  <a:ea typeface="ＭＳ Ｐゴシック"/>
-                </a:rPr>
-                <a:t>consistency</a:t>
-              </a:r>
-              <a:r>
-                <a:rPr lang="de-DE" sz="998" b="1" i="0" u="none" strike="noStrike" kern="1200" cap="none" spc="0" baseline="0" dirty="0">
-                  <a:solidFill>
-                    <a:srgbClr val="000000"/>
-                  </a:solidFill>
-                  <a:uFillTx/>
-                  <a:latin typeface="Arial" pitchFamily="34"/>
-                  <a:ea typeface="ＭＳ Ｐゴシック"/>
-                </a:rPr>
-                <a:t> </a:t>
-              </a:r>
-            </a:p>
-          </p:txBody>
-        </p:sp>
-      </p:grpSp>
-      <p:sp>
-        <p:nvSpPr>
-          <p:cNvPr id="170" name="Textfeld 117">
-            <a:extLst>
-              <a:ext uri="{FF2B5EF4-FFF2-40B4-BE49-F238E27FC236}">
-                <a16:creationId xmlns:a16="http://schemas.microsoft.com/office/drawing/2014/main" id="{CF6BC8DF-140B-47DC-B62B-017E78372063}"/>
-              </a:ext>
-            </a:extLst>
-          </p:cNvPr>
-          <p:cNvSpPr txBox="1"/>
-          <p:nvPr/>
-        </p:nvSpPr>
-        <p:spPr>
-          <a:xfrm>
-            <a:off x="10175808" y="5205606"/>
-            <a:ext cx="1589949" cy="233748"/>
-          </a:xfrm>
-          <a:prstGeom prst="rect">
-            <a:avLst/>
-          </a:prstGeom>
-          <a:noFill/>
-          <a:ln cap="flat">
-            <a:noFill/>
-          </a:ln>
-        </p:spPr>
-        <p:txBody>
-          <a:bodyPr vert="horz" wrap="none" lIns="0" tIns="0" rIns="0" bIns="0" anchor="t" anchorCtr="0" compatLnSpc="1">
-            <a:noAutofit/>
-          </a:bodyPr>
-          <a:lstStyle/>
-          <a:p>
-            <a:pPr marL="0" marR="0" lvl="0" indent="0" algn="l" defTabSz="911839" rtl="0" fontAlgn="auto" hangingPunct="1">
-              <a:lnSpc>
-                <a:spcPct val="110000"/>
-              </a:lnSpc>
-              <a:spcBef>
-                <a:spcPts val="0"/>
-              </a:spcBef>
-              <a:spcAft>
-                <a:spcPts val="0"/>
-              </a:spcAft>
-              <a:buNone/>
-              <a:tabLst/>
-              <a:defRPr sz="1800" b="0" i="0" u="none" strike="noStrike" kern="0" cap="none" spc="0" baseline="0">
-                <a:solidFill>
-                  <a:srgbClr val="000000"/>
-                </a:solidFill>
-                <a:uFillTx/>
-              </a:defRPr>
-            </a:pPr>
-            <a:r>
-              <a:rPr lang="de-DE" sz="998" b="0" i="0" u="none" strike="noStrike" kern="1200" cap="none" spc="0" baseline="0" dirty="0">
-                <a:solidFill>
-                  <a:srgbClr val="000000"/>
-                </a:solidFill>
-                <a:uFillTx/>
-                <a:latin typeface="Arial" pitchFamily="34"/>
-                <a:ea typeface="ＭＳ Ｐゴシック"/>
-              </a:rPr>
-              <a:t>Integration </a:t>
-            </a:r>
-            <a:r>
-              <a:rPr lang="de-DE" sz="998" b="0" i="0" u="none" strike="noStrike" kern="1200" cap="none" spc="0" baseline="0" dirty="0" err="1">
-                <a:solidFill>
-                  <a:srgbClr val="000000"/>
-                </a:solidFill>
-                <a:uFillTx/>
-                <a:latin typeface="Arial" pitchFamily="34"/>
-                <a:ea typeface="ＭＳ Ｐゴシック"/>
-              </a:rPr>
-              <a:t>layer</a:t>
-            </a:r>
-            <a:r>
-              <a:rPr lang="de-DE" sz="998" b="0" i="0" u="none" strike="noStrike" kern="1200" cap="none" spc="0" baseline="0" dirty="0">
-                <a:solidFill>
-                  <a:srgbClr val="000000"/>
-                </a:solidFill>
-                <a:uFillTx/>
-                <a:latin typeface="Arial" pitchFamily="34"/>
-                <a:ea typeface="ＭＳ Ｐゴシック"/>
-              </a:rPr>
-              <a:t> (API/Data)</a:t>
-            </a:r>
-          </a:p>
-        </p:txBody>
-      </p:sp>
-      <p:pic>
-        <p:nvPicPr>
-          <p:cNvPr id="171" name="Picture 5">
-            <a:extLst>
-              <a:ext uri="{FF2B5EF4-FFF2-40B4-BE49-F238E27FC236}">
-                <a16:creationId xmlns:a16="http://schemas.microsoft.com/office/drawing/2014/main" id="{A6B21E20-615B-415F-9C8D-78A2FEF6FA47}"/>
-              </a:ext>
-            </a:extLst>
-          </p:cNvPr>
-          <p:cNvPicPr>
-            <a:picLocks noChangeAspect="1"/>
-          </p:cNvPicPr>
-          <p:nvPr/>
-        </p:nvPicPr>
-        <p:blipFill>
-          <a:blip r:embed="rId4"/>
-          <a:stretch>
-            <a:fillRect/>
-          </a:stretch>
-        </p:blipFill>
-        <p:spPr>
-          <a:xfrm>
-            <a:off x="1506587" y="5866424"/>
-            <a:ext cx="758083" cy="464890"/>
-          </a:xfrm>
-          <a:prstGeom prst="rect">
-            <a:avLst/>
-          </a:prstGeom>
-          <a:noFill/>
-          <a:ln cap="flat">
-            <a:noFill/>
-          </a:ln>
-        </p:spPr>
-      </p:pic>
-      <p:pic>
-        <p:nvPicPr>
-          <p:cNvPr id="172" name="Picture 4">
-            <a:extLst>
-              <a:ext uri="{FF2B5EF4-FFF2-40B4-BE49-F238E27FC236}">
-                <a16:creationId xmlns:a16="http://schemas.microsoft.com/office/drawing/2014/main" id="{09E44070-0AA2-4B8B-B7DE-91676F96168A}"/>
-              </a:ext>
-            </a:extLst>
-          </p:cNvPr>
-          <p:cNvPicPr>
-            <a:picLocks noChangeAspect="1"/>
-          </p:cNvPicPr>
-          <p:nvPr/>
-        </p:nvPicPr>
-        <p:blipFill>
-          <a:blip r:embed="rId5"/>
-          <a:stretch>
-            <a:fillRect/>
-          </a:stretch>
-        </p:blipFill>
-        <p:spPr>
-          <a:xfrm>
-            <a:off x="8623752" y="5499046"/>
-            <a:ext cx="850282" cy="363345"/>
-          </a:xfrm>
-          <a:prstGeom prst="rect">
-            <a:avLst/>
-          </a:prstGeom>
-          <a:noFill/>
-          <a:ln cap="flat">
-            <a:noFill/>
-          </a:ln>
-        </p:spPr>
-      </p:pic>
-      <p:pic>
-        <p:nvPicPr>
-          <p:cNvPr id="173" name="Picture 4">
-            <a:extLst>
-              <a:ext uri="{FF2B5EF4-FFF2-40B4-BE49-F238E27FC236}">
-                <a16:creationId xmlns:a16="http://schemas.microsoft.com/office/drawing/2014/main" id="{6696C54C-AF59-477A-8D3E-035E70C4EF9C}"/>
-              </a:ext>
-            </a:extLst>
-          </p:cNvPr>
-          <p:cNvPicPr>
-            <a:picLocks noChangeAspect="1"/>
-          </p:cNvPicPr>
-          <p:nvPr/>
-        </p:nvPicPr>
-        <p:blipFill>
-          <a:blip r:embed="rId5"/>
-          <a:stretch>
-            <a:fillRect/>
-          </a:stretch>
-        </p:blipFill>
-        <p:spPr>
-          <a:xfrm>
-            <a:off x="6808716" y="5535056"/>
-            <a:ext cx="1037185" cy="443218"/>
-          </a:xfrm>
-          <a:prstGeom prst="rect">
-            <a:avLst/>
-          </a:prstGeom>
-          <a:noFill/>
-          <a:ln cap="flat">
-            <a:noFill/>
-          </a:ln>
-        </p:spPr>
-      </p:pic>
-      <p:sp>
-        <p:nvSpPr>
-          <p:cNvPr id="174" name="Rechteck 9">
-            <a:extLst>
-              <a:ext uri="{FF2B5EF4-FFF2-40B4-BE49-F238E27FC236}">
-                <a16:creationId xmlns:a16="http://schemas.microsoft.com/office/drawing/2014/main" id="{6084846F-489F-4631-A1DB-8C8670444377}"/>
-              </a:ext>
-            </a:extLst>
-          </p:cNvPr>
-          <p:cNvSpPr/>
-          <p:nvPr/>
-        </p:nvSpPr>
-        <p:spPr>
-          <a:xfrm>
-            <a:off x="1696534" y="5636586"/>
-            <a:ext cx="978819" cy="255556"/>
-          </a:xfrm>
-          <a:prstGeom prst="rect">
-            <a:avLst/>
-          </a:prstGeom>
-          <a:noFill/>
-          <a:ln cap="flat">
-            <a:noFill/>
-            <a:prstDash val="solid"/>
-          </a:ln>
-        </p:spPr>
-        <p:txBody>
-          <a:bodyPr vert="horz" wrap="square" lIns="91440" tIns="45720" rIns="91440" bIns="45720" anchor="t" anchorCtr="1" compatLnSpc="1">
-            <a:spAutoFit/>
-          </a:bodyPr>
-          <a:lstStyle/>
-          <a:p>
-            <a:pPr marL="0" marR="0" lvl="0" indent="0" algn="ctr" defTabSz="911839" rtl="0" fontAlgn="auto" hangingPunct="1">
-              <a:lnSpc>
-                <a:spcPct val="110000"/>
-              </a:lnSpc>
-              <a:spcBef>
-                <a:spcPts val="0"/>
-              </a:spcBef>
-              <a:spcAft>
-                <a:spcPts val="0"/>
-              </a:spcAft>
-              <a:buNone/>
-              <a:tabLst/>
-              <a:defRPr sz="1800" b="0" i="0" u="none" strike="noStrike" kern="0" cap="none" spc="0" baseline="0">
-                <a:solidFill>
-                  <a:srgbClr val="000000"/>
-                </a:solidFill>
-                <a:uFillTx/>
-              </a:defRPr>
-            </a:pPr>
-            <a:r>
-              <a:rPr lang="de-DE" sz="1047" b="1" i="0" u="none" strike="noStrike" kern="1200" cap="none" spc="0" baseline="0" dirty="0" err="1">
-                <a:solidFill>
-                  <a:srgbClr val="000000"/>
-                </a:solidFill>
-                <a:uFillTx/>
-                <a:latin typeface="Arial" pitchFamily="34"/>
-                <a:ea typeface="ＭＳ Ｐゴシック"/>
-              </a:rPr>
-              <a:t>ScanCode</a:t>
-            </a:r>
-            <a:endParaRPr lang="de-DE" sz="1047" b="1" i="0" u="none" strike="noStrike" kern="1200" cap="none" spc="0" baseline="0" dirty="0">
-              <a:solidFill>
-                <a:srgbClr val="000000"/>
-              </a:solidFill>
-              <a:uFillTx/>
-              <a:latin typeface="Arial" pitchFamily="34"/>
-              <a:ea typeface="ＭＳ Ｐゴシック"/>
-            </a:endParaRPr>
-          </a:p>
-        </p:txBody>
-      </p:sp>
-      <p:pic>
-        <p:nvPicPr>
-          <p:cNvPr id="175" name="Grafik 125">
-            <a:extLst>
-              <a:ext uri="{FF2B5EF4-FFF2-40B4-BE49-F238E27FC236}">
-                <a16:creationId xmlns:a16="http://schemas.microsoft.com/office/drawing/2014/main" id="{075D483A-2C8D-43C5-8BF2-DFA2F67311F4}"/>
-              </a:ext>
-            </a:extLst>
-          </p:cNvPr>
-          <p:cNvPicPr>
-            <a:picLocks noChangeAspect="1"/>
-          </p:cNvPicPr>
-          <p:nvPr/>
-        </p:nvPicPr>
-        <p:blipFill>
-          <a:blip r:embed="rId6"/>
-          <a:srcRect t="12705" b="16105"/>
-          <a:stretch>
-            <a:fillRect/>
-          </a:stretch>
-        </p:blipFill>
-        <p:spPr>
-          <a:xfrm>
-            <a:off x="5103540" y="5546924"/>
-            <a:ext cx="1015176" cy="412979"/>
-          </a:xfrm>
-          <a:prstGeom prst="rect">
-            <a:avLst/>
-          </a:prstGeom>
-          <a:noFill/>
-          <a:ln cap="flat">
-            <a:noFill/>
-          </a:ln>
-        </p:spPr>
-      </p:pic>
-      <p:pic>
-        <p:nvPicPr>
-          <p:cNvPr id="177" name="Grafik 122">
-            <a:extLst>
-              <a:ext uri="{FF2B5EF4-FFF2-40B4-BE49-F238E27FC236}">
-                <a16:creationId xmlns:a16="http://schemas.microsoft.com/office/drawing/2014/main" id="{ECFA7F2B-FB8E-4394-803E-C239361B0BE9}"/>
-              </a:ext>
-            </a:extLst>
-          </p:cNvPr>
-          <p:cNvPicPr>
-            <a:picLocks noChangeAspect="1"/>
-          </p:cNvPicPr>
-          <p:nvPr/>
-        </p:nvPicPr>
-        <p:blipFill>
-          <a:blip r:embed="rId7"/>
-          <a:stretch>
-            <a:fillRect/>
-          </a:stretch>
-        </p:blipFill>
-        <p:spPr>
-          <a:xfrm>
-            <a:off x="8681816" y="5859246"/>
-            <a:ext cx="920471" cy="207102"/>
-          </a:xfrm>
-          <a:prstGeom prst="rect">
-            <a:avLst/>
-          </a:prstGeom>
-          <a:noFill/>
-          <a:ln cap="flat">
-            <a:noFill/>
-          </a:ln>
-        </p:spPr>
-      </p:pic>
-      <p:sp>
-        <p:nvSpPr>
-          <p:cNvPr id="178" name="Rechteck 124">
-            <a:extLst>
-              <a:ext uri="{FF2B5EF4-FFF2-40B4-BE49-F238E27FC236}">
-                <a16:creationId xmlns:a16="http://schemas.microsoft.com/office/drawing/2014/main" id="{F52F74D5-8254-4AC0-8052-BE136790D1BE}"/>
-              </a:ext>
-            </a:extLst>
-          </p:cNvPr>
-          <p:cNvSpPr/>
-          <p:nvPr/>
-        </p:nvSpPr>
-        <p:spPr>
-          <a:xfrm>
-            <a:off x="1291389" y="5446733"/>
-            <a:ext cx="1408532" cy="255556"/>
-          </a:xfrm>
-          <a:prstGeom prst="rect">
-            <a:avLst/>
-          </a:prstGeom>
-          <a:noFill/>
-          <a:ln cap="flat">
-            <a:noFill/>
-            <a:prstDash val="solid"/>
-          </a:ln>
-        </p:spPr>
-        <p:txBody>
-          <a:bodyPr vert="horz" wrap="square" lIns="91440" tIns="45720" rIns="91440" bIns="45720" anchor="t" anchorCtr="1" compatLnSpc="1">
-            <a:spAutoFit/>
-          </a:bodyPr>
-          <a:lstStyle/>
-          <a:p>
-            <a:pPr marL="0" marR="0" lvl="0" indent="0" algn="ctr" defTabSz="911839" rtl="0" fontAlgn="auto" hangingPunct="1">
-              <a:lnSpc>
-                <a:spcPct val="110000"/>
-              </a:lnSpc>
-              <a:spcBef>
-                <a:spcPts val="0"/>
-              </a:spcBef>
-              <a:spcAft>
-                <a:spcPts val="0"/>
-              </a:spcAft>
-              <a:buNone/>
-              <a:tabLst/>
-              <a:defRPr sz="1800" b="0" i="0" u="none" strike="noStrike" kern="0" cap="none" spc="0" baseline="0">
-                <a:solidFill>
-                  <a:srgbClr val="000000"/>
-                </a:solidFill>
-                <a:uFillTx/>
-              </a:defRPr>
-            </a:pPr>
-            <a:r>
-              <a:rPr lang="de-DE" sz="1000" b="1" i="0" u="none" strike="noStrike" kern="1200" cap="none" spc="0" baseline="0" dirty="0">
-                <a:solidFill>
-                  <a:srgbClr val="000000"/>
-                </a:solidFill>
-                <a:uFillTx/>
-                <a:latin typeface="Arial" pitchFamily="34"/>
-                <a:ea typeface="ＭＳ Ｐゴシック"/>
-              </a:rPr>
-              <a:t>License </a:t>
-            </a:r>
-            <a:r>
-              <a:rPr lang="en-US" sz="1000" b="1" i="0" u="none" strike="noStrike" kern="1200" cap="none" spc="0" baseline="0" dirty="0">
-                <a:solidFill>
-                  <a:srgbClr val="000000"/>
-                </a:solidFill>
-                <a:uFillTx/>
-                <a:latin typeface="Arial" pitchFamily="34"/>
-                <a:ea typeface="ＭＳ Ｐゴシック"/>
-              </a:rPr>
-              <a:t>Classifier</a:t>
-            </a:r>
-          </a:p>
-        </p:txBody>
-      </p:sp>
-      <p:pic>
-        <p:nvPicPr>
-          <p:cNvPr id="179" name="Grafik 121">
-            <a:extLst>
-              <a:ext uri="{FF2B5EF4-FFF2-40B4-BE49-F238E27FC236}">
-                <a16:creationId xmlns:a16="http://schemas.microsoft.com/office/drawing/2014/main" id="{00024B3A-AF62-431C-91F8-EDAAC19C07E3}"/>
-              </a:ext>
-            </a:extLst>
-          </p:cNvPr>
-          <p:cNvPicPr>
-            <a:picLocks noChangeAspect="1"/>
-          </p:cNvPicPr>
-          <p:nvPr/>
-        </p:nvPicPr>
-        <p:blipFill>
-          <a:blip r:embed="rId6"/>
-          <a:srcRect t="12705" b="16105"/>
-          <a:stretch>
-            <a:fillRect/>
-          </a:stretch>
-        </p:blipFill>
-        <p:spPr>
-          <a:xfrm>
-            <a:off x="8648605" y="6100812"/>
-            <a:ext cx="850282" cy="345899"/>
-          </a:xfrm>
-          <a:prstGeom prst="rect">
-            <a:avLst/>
-          </a:prstGeom>
-          <a:noFill/>
-          <a:ln cap="flat">
-            <a:noFill/>
-          </a:ln>
-        </p:spPr>
-      </p:pic>
-      <p:pic>
-        <p:nvPicPr>
-          <p:cNvPr id="257" name="Grafik 120">
-            <a:extLst>
-              <a:ext uri="{FF2B5EF4-FFF2-40B4-BE49-F238E27FC236}">
-                <a16:creationId xmlns:a16="http://schemas.microsoft.com/office/drawing/2014/main" id="{E21D194A-E7FF-4CCF-8D56-C79D5FDE1944}"/>
-              </a:ext>
-            </a:extLst>
-          </p:cNvPr>
-          <p:cNvPicPr>
-            <a:picLocks noChangeAspect="1"/>
-          </p:cNvPicPr>
-          <p:nvPr/>
-        </p:nvPicPr>
-        <p:blipFill>
-          <a:blip r:embed="rId6"/>
-          <a:srcRect t="12705" b="16105"/>
-          <a:stretch>
-            <a:fillRect/>
-          </a:stretch>
-        </p:blipFill>
-        <p:spPr>
-          <a:xfrm>
-            <a:off x="1497741" y="2248692"/>
-            <a:ext cx="1015176" cy="412979"/>
-          </a:xfrm>
-          <a:prstGeom prst="rect">
-            <a:avLst/>
-          </a:prstGeom>
-          <a:noFill/>
-          <a:ln cap="flat">
-            <a:noFill/>
-          </a:ln>
-        </p:spPr>
-      </p:pic>
-      <p:pic>
-        <p:nvPicPr>
-          <p:cNvPr id="258" name="Grafik 6">
-            <a:extLst>
-              <a:ext uri="{FF2B5EF4-FFF2-40B4-BE49-F238E27FC236}">
-                <a16:creationId xmlns:a16="http://schemas.microsoft.com/office/drawing/2014/main" id="{CED92DEF-60A8-444E-BD00-A721C92FF75F}"/>
-              </a:ext>
-            </a:extLst>
-          </p:cNvPr>
-          <p:cNvPicPr>
-            <a:picLocks noChangeAspect="1"/>
-          </p:cNvPicPr>
-          <p:nvPr/>
-        </p:nvPicPr>
-        <p:blipFill>
-          <a:blip r:embed="rId8"/>
-          <a:stretch>
-            <a:fillRect/>
-          </a:stretch>
-        </p:blipFill>
-        <p:spPr>
-          <a:xfrm>
-            <a:off x="3307975" y="1997954"/>
-            <a:ext cx="756955" cy="336425"/>
-          </a:xfrm>
-          <a:prstGeom prst="rect">
-            <a:avLst/>
-          </a:prstGeom>
-          <a:noFill/>
-          <a:ln cap="flat">
-            <a:noFill/>
-          </a:ln>
-        </p:spPr>
-      </p:pic>
-      <p:pic>
-        <p:nvPicPr>
-          <p:cNvPr id="259" name="Grafik 8">
-            <a:extLst>
-              <a:ext uri="{FF2B5EF4-FFF2-40B4-BE49-F238E27FC236}">
-                <a16:creationId xmlns:a16="http://schemas.microsoft.com/office/drawing/2014/main" id="{A797711B-671B-4576-87E0-A2F037441898}"/>
-              </a:ext>
-            </a:extLst>
-          </p:cNvPr>
-          <p:cNvPicPr>
-            <a:picLocks noChangeAspect="1"/>
-          </p:cNvPicPr>
-          <p:nvPr/>
-        </p:nvPicPr>
-        <p:blipFill>
-          <a:blip r:embed="rId7"/>
-          <a:stretch>
-            <a:fillRect/>
-          </a:stretch>
-        </p:blipFill>
-        <p:spPr>
-          <a:xfrm>
-            <a:off x="1530961" y="2011872"/>
-            <a:ext cx="920471" cy="207102"/>
-          </a:xfrm>
-          <a:prstGeom prst="rect">
-            <a:avLst/>
-          </a:prstGeom>
-          <a:noFill/>
-          <a:ln cap="flat">
-            <a:noFill/>
-          </a:ln>
-        </p:spPr>
-      </p:pic>
-      <p:pic>
-        <p:nvPicPr>
-          <p:cNvPr id="260" name="Picture 4">
-            <a:extLst>
-              <a:ext uri="{FF2B5EF4-FFF2-40B4-BE49-F238E27FC236}">
-                <a16:creationId xmlns:a16="http://schemas.microsoft.com/office/drawing/2014/main" id="{67B09DB4-188B-4BC6-99F8-9DC290A3DDAD}"/>
-              </a:ext>
-            </a:extLst>
-          </p:cNvPr>
-          <p:cNvPicPr>
-            <a:picLocks noChangeAspect="1"/>
-          </p:cNvPicPr>
-          <p:nvPr/>
-        </p:nvPicPr>
-        <p:blipFill>
-          <a:blip r:embed="rId5"/>
-          <a:stretch>
-            <a:fillRect/>
-          </a:stretch>
-        </p:blipFill>
-        <p:spPr>
-          <a:xfrm>
-            <a:off x="10375523" y="1888190"/>
-            <a:ext cx="1037185" cy="443218"/>
-          </a:xfrm>
-          <a:prstGeom prst="rect">
-            <a:avLst/>
-          </a:prstGeom>
-          <a:noFill/>
-          <a:ln cap="flat">
-            <a:noFill/>
-          </a:ln>
-        </p:spPr>
-      </p:pic>
-      <p:pic>
-        <p:nvPicPr>
-          <p:cNvPr id="261" name="Grafik 127">
-            <a:extLst>
-              <a:ext uri="{FF2B5EF4-FFF2-40B4-BE49-F238E27FC236}">
-                <a16:creationId xmlns:a16="http://schemas.microsoft.com/office/drawing/2014/main" id="{BD982371-DF30-4CB4-BE3E-CF5F240A9965}"/>
-              </a:ext>
-            </a:extLst>
-          </p:cNvPr>
-          <p:cNvPicPr>
-            <a:picLocks noChangeAspect="1"/>
-          </p:cNvPicPr>
-          <p:nvPr/>
-        </p:nvPicPr>
-        <p:blipFill>
-          <a:blip r:embed="rId6"/>
-          <a:srcRect t="12705" b="16105"/>
-          <a:stretch>
-            <a:fillRect/>
-          </a:stretch>
-        </p:blipFill>
-        <p:spPr>
-          <a:xfrm>
-            <a:off x="6827614" y="2259710"/>
-            <a:ext cx="1015176" cy="412979"/>
-          </a:xfrm>
-          <a:prstGeom prst="rect">
-            <a:avLst/>
-          </a:prstGeom>
-          <a:noFill/>
-          <a:ln cap="flat">
-            <a:noFill/>
-          </a:ln>
-        </p:spPr>
-      </p:pic>
-      <p:pic>
-        <p:nvPicPr>
-          <p:cNvPr id="262" name="Grafik 128">
-            <a:extLst>
-              <a:ext uri="{FF2B5EF4-FFF2-40B4-BE49-F238E27FC236}">
-                <a16:creationId xmlns:a16="http://schemas.microsoft.com/office/drawing/2014/main" id="{E6BE1895-A325-40EE-A383-5DACFACC3F27}"/>
-              </a:ext>
-            </a:extLst>
-          </p:cNvPr>
-          <p:cNvPicPr>
-            <a:picLocks noChangeAspect="1"/>
-          </p:cNvPicPr>
-          <p:nvPr/>
-        </p:nvPicPr>
-        <p:blipFill>
-          <a:blip r:embed="rId7"/>
-          <a:stretch>
-            <a:fillRect/>
-          </a:stretch>
-        </p:blipFill>
-        <p:spPr>
-          <a:xfrm>
-            <a:off x="6860834" y="2022890"/>
-            <a:ext cx="920471" cy="207102"/>
-          </a:xfrm>
-          <a:prstGeom prst="rect">
-            <a:avLst/>
-          </a:prstGeom>
-          <a:noFill/>
-          <a:ln cap="flat">
-            <a:noFill/>
-          </a:ln>
-        </p:spPr>
-      </p:pic>
-      <p:pic>
-        <p:nvPicPr>
-          <p:cNvPr id="263" name="Picture 5">
-            <a:extLst>
-              <a:ext uri="{FF2B5EF4-FFF2-40B4-BE49-F238E27FC236}">
-                <a16:creationId xmlns:a16="http://schemas.microsoft.com/office/drawing/2014/main" id="{3B5CC6B9-FF79-489E-9A8E-BB9B189CC112}"/>
-              </a:ext>
-            </a:extLst>
-          </p:cNvPr>
-          <p:cNvPicPr>
-            <a:picLocks noChangeAspect="1"/>
-          </p:cNvPicPr>
-          <p:nvPr/>
-        </p:nvPicPr>
-        <p:blipFill>
-          <a:blip r:embed="rId4"/>
-          <a:stretch>
-            <a:fillRect/>
-          </a:stretch>
-        </p:blipFill>
-        <p:spPr>
-          <a:xfrm>
-            <a:off x="10729843" y="2248692"/>
-            <a:ext cx="689274" cy="422690"/>
-          </a:xfrm>
-          <a:prstGeom prst="rect">
-            <a:avLst/>
-          </a:prstGeom>
-          <a:noFill/>
-          <a:ln cap="flat">
-            <a:noFill/>
-          </a:ln>
-        </p:spPr>
-      </p:pic>
-      <p:pic>
-        <p:nvPicPr>
-          <p:cNvPr id="4" name="Grafik 3">
-            <a:extLst>
-              <a:ext uri="{FF2B5EF4-FFF2-40B4-BE49-F238E27FC236}">
-                <a16:creationId xmlns:a16="http://schemas.microsoft.com/office/drawing/2014/main" id="{FCA0E1FB-2E60-48D2-8545-8A9DC26CF897}"/>
-              </a:ext>
-            </a:extLst>
-          </p:cNvPr>
-          <p:cNvPicPr>
-            <a:picLocks noChangeAspect="1"/>
-          </p:cNvPicPr>
-          <p:nvPr/>
-        </p:nvPicPr>
-        <p:blipFill>
-          <a:blip r:embed="rId9"/>
-          <a:stretch>
-            <a:fillRect/>
-          </a:stretch>
-        </p:blipFill>
-        <p:spPr>
-          <a:xfrm>
-            <a:off x="5042123" y="6276835"/>
-            <a:ext cx="3182388" cy="286537"/>
-          </a:xfrm>
-          <a:prstGeom prst="rect">
-            <a:avLst/>
-          </a:prstGeom>
-        </p:spPr>
-      </p:pic>
-      <p:grpSp>
-        <p:nvGrpSpPr>
-          <p:cNvPr id="6" name="Gruppieren 5">
-            <a:extLst>
-              <a:ext uri="{FF2B5EF4-FFF2-40B4-BE49-F238E27FC236}">
-                <a16:creationId xmlns:a16="http://schemas.microsoft.com/office/drawing/2014/main" id="{D7E64FAF-EE3F-482B-B393-7784B5E7D9CD}"/>
-              </a:ext>
-            </a:extLst>
-          </p:cNvPr>
-          <p:cNvGrpSpPr/>
-          <p:nvPr/>
-        </p:nvGrpSpPr>
-        <p:grpSpPr>
-          <a:xfrm>
-            <a:off x="8245573" y="4871100"/>
-            <a:ext cx="1729569" cy="1278386"/>
-            <a:chOff x="8245573" y="4871100"/>
-            <a:chExt cx="1729569" cy="1278386"/>
-          </a:xfrm>
-        </p:grpSpPr>
-        <p:grpSp>
-          <p:nvGrpSpPr>
-            <p:cNvPr id="124" name="Gruppieren 32">
-              <a:extLst>
-                <a:ext uri="{FF2B5EF4-FFF2-40B4-BE49-F238E27FC236}">
-                  <a16:creationId xmlns:a16="http://schemas.microsoft.com/office/drawing/2014/main" id="{3D8DFD7A-C74A-4971-96EF-BD97EDB9B2ED}"/>
-                </a:ext>
-              </a:extLst>
-            </p:cNvPr>
-            <p:cNvGrpSpPr/>
-            <p:nvPr/>
-          </p:nvGrpSpPr>
-          <p:grpSpPr>
-            <a:xfrm>
-              <a:off x="8245573" y="4871100"/>
-              <a:ext cx="1729569" cy="1278386"/>
-              <a:chOff x="10059579" y="4871100"/>
-              <a:chExt cx="1729569" cy="1278386"/>
-            </a:xfrm>
-          </p:grpSpPr>
-          <p:sp>
-            <p:nvSpPr>
-              <p:cNvPr id="125" name="Rechteck 33">
-                <a:extLst>
-                  <a:ext uri="{FF2B5EF4-FFF2-40B4-BE49-F238E27FC236}">
-                    <a16:creationId xmlns:a16="http://schemas.microsoft.com/office/drawing/2014/main" id="{3BA5023E-0B25-4494-A027-63956621EBBF}"/>
-                  </a:ext>
-                </a:extLst>
-              </p:cNvPr>
-              <p:cNvSpPr/>
-              <p:nvPr/>
-            </p:nvSpPr>
-            <p:spPr>
-              <a:xfrm>
-                <a:off x="10059588" y="5162501"/>
-                <a:ext cx="319591" cy="986985"/>
-              </a:xfrm>
-              <a:prstGeom prst="rect">
-                <a:avLst/>
-              </a:prstGeom>
-              <a:solidFill>
-                <a:srgbClr val="FF6600"/>
-              </a:solidFill>
-              <a:ln cap="flat">
-                <a:noFill/>
-                <a:prstDash val="solid"/>
-              </a:ln>
-            </p:spPr>
-            <p:txBody>
-              <a:bodyPr vert="horz" wrap="square" lIns="107688" tIns="53849" rIns="107688" bIns="53849" anchor="ctr" anchorCtr="1" compatLnSpc="1">
-                <a:noAutofit/>
-              </a:bodyPr>
-              <a:lstStyle/>
-              <a:p>
-                <a:pPr marL="0" marR="0" lvl="0" indent="0" algn="ctr" defTabSz="911839" rtl="0" fontAlgn="auto" hangingPunct="1">
-                  <a:lnSpc>
-                    <a:spcPct val="110000"/>
-                  </a:lnSpc>
-                  <a:spcBef>
-                    <a:spcPts val="0"/>
-                  </a:spcBef>
-                  <a:spcAft>
-                    <a:spcPts val="0"/>
-                  </a:spcAft>
-                  <a:buNone/>
-                  <a:tabLst/>
-                  <a:defRPr sz="1800" b="0" i="0" u="none" strike="noStrike" kern="0" cap="none" spc="0" baseline="0">
-                    <a:solidFill>
-                      <a:srgbClr val="000000"/>
-                    </a:solidFill>
-                    <a:uFillTx/>
-                  </a:defRPr>
-                </a:pPr>
-                <a:endParaRPr lang="de-DE" sz="1795" b="1" i="0" u="none" strike="noStrike" kern="1200" cap="none" spc="0" baseline="0">
-                  <a:solidFill>
-                    <a:srgbClr val="000000"/>
-                  </a:solidFill>
-                  <a:uFillTx/>
-                  <a:latin typeface="Arial" pitchFamily="34"/>
-                  <a:ea typeface="ＭＳ Ｐゴシック"/>
-                </a:endParaRPr>
-              </a:p>
-            </p:txBody>
-          </p:sp>
-          <p:sp>
-            <p:nvSpPr>
-              <p:cNvPr id="126" name="Rechteck 34">
-                <a:extLst>
-                  <a:ext uri="{FF2B5EF4-FFF2-40B4-BE49-F238E27FC236}">
-                    <a16:creationId xmlns:a16="http://schemas.microsoft.com/office/drawing/2014/main" id="{9A417430-7C29-4BC0-B96A-F7D37BEE865C}"/>
-                  </a:ext>
-                </a:extLst>
-              </p:cNvPr>
-              <p:cNvSpPr/>
-              <p:nvPr/>
-            </p:nvSpPr>
-            <p:spPr>
-              <a:xfrm>
-                <a:off x="11469556" y="5162501"/>
-                <a:ext cx="319591" cy="986985"/>
-              </a:xfrm>
-              <a:prstGeom prst="rect">
-                <a:avLst/>
-              </a:prstGeom>
-              <a:solidFill>
-                <a:srgbClr val="FF6600"/>
-              </a:solidFill>
-              <a:ln cap="flat">
-                <a:noFill/>
-                <a:prstDash val="solid"/>
-              </a:ln>
-            </p:spPr>
-            <p:txBody>
-              <a:bodyPr vert="horz" wrap="square" lIns="107688" tIns="53849" rIns="107688" bIns="53849" anchor="ctr" anchorCtr="1" compatLnSpc="1">
-                <a:noAutofit/>
-              </a:bodyPr>
-              <a:lstStyle/>
-              <a:p>
-                <a:pPr marL="0" marR="0" lvl="0" indent="0" algn="ctr" defTabSz="911839" rtl="0" fontAlgn="auto" hangingPunct="1">
-                  <a:lnSpc>
-                    <a:spcPct val="110000"/>
-                  </a:lnSpc>
-                  <a:spcBef>
-                    <a:spcPts val="0"/>
-                  </a:spcBef>
-                  <a:spcAft>
-                    <a:spcPts val="0"/>
-                  </a:spcAft>
-                  <a:buNone/>
-                  <a:tabLst/>
-                  <a:defRPr sz="1800" b="0" i="0" u="none" strike="noStrike" kern="0" cap="none" spc="0" baseline="0">
-                    <a:solidFill>
-                      <a:srgbClr val="000000"/>
-                    </a:solidFill>
-                    <a:uFillTx/>
-                  </a:defRPr>
-                </a:pPr>
-                <a:endParaRPr lang="de-DE" sz="1795" b="1" i="0" u="none" strike="noStrike" kern="1200" cap="none" spc="0" baseline="0">
-                  <a:solidFill>
-                    <a:srgbClr val="000000"/>
-                  </a:solidFill>
-                  <a:uFillTx/>
-                  <a:latin typeface="Arial" pitchFamily="34"/>
-                  <a:ea typeface="ＭＳ Ｐゴシック"/>
-                </a:endParaRPr>
-              </a:p>
-            </p:txBody>
-          </p:sp>
-          <p:sp>
-            <p:nvSpPr>
-              <p:cNvPr id="127" name="Rechteck 35">
-                <a:extLst>
-                  <a:ext uri="{FF2B5EF4-FFF2-40B4-BE49-F238E27FC236}">
-                    <a16:creationId xmlns:a16="http://schemas.microsoft.com/office/drawing/2014/main" id="{93EE8AB4-6BF4-4823-9054-4BA16D24F4AE}"/>
-                  </a:ext>
-                </a:extLst>
-              </p:cNvPr>
-              <p:cNvSpPr/>
-              <p:nvPr/>
-            </p:nvSpPr>
-            <p:spPr>
-              <a:xfrm rot="5400013">
-                <a:off x="10764568" y="4457503"/>
-                <a:ext cx="319591" cy="1729569"/>
-              </a:xfrm>
-              <a:prstGeom prst="rect">
-                <a:avLst/>
-              </a:prstGeom>
-              <a:solidFill>
-                <a:srgbClr val="FF6600"/>
-              </a:solidFill>
-              <a:ln cap="flat">
-                <a:noFill/>
-                <a:prstDash val="solid"/>
-              </a:ln>
-            </p:spPr>
-            <p:txBody>
-              <a:bodyPr vert="horz" wrap="square" lIns="107688" tIns="53849" rIns="107688" bIns="53849" anchor="ctr" anchorCtr="1" compatLnSpc="1">
-                <a:noAutofit/>
-              </a:bodyPr>
-              <a:lstStyle/>
-              <a:p>
-                <a:pPr marL="0" marR="0" lvl="0" indent="0" algn="ctr" defTabSz="911839" rtl="0" fontAlgn="auto" hangingPunct="1">
-                  <a:lnSpc>
-                    <a:spcPct val="110000"/>
-                  </a:lnSpc>
-                  <a:spcBef>
-                    <a:spcPts val="0"/>
-                  </a:spcBef>
-                  <a:spcAft>
-                    <a:spcPts val="0"/>
-                  </a:spcAft>
-                  <a:buNone/>
-                  <a:tabLst/>
-                  <a:defRPr sz="1800" b="0" i="0" u="none" strike="noStrike" kern="0" cap="none" spc="0" baseline="0">
-                    <a:solidFill>
-                      <a:srgbClr val="000000"/>
-                    </a:solidFill>
-                    <a:uFillTx/>
-                  </a:defRPr>
-                </a:pPr>
-                <a:endParaRPr lang="de-DE" sz="1795" b="1" i="0" u="none" strike="noStrike" kern="1200" cap="none" spc="0" baseline="0">
-                  <a:solidFill>
-                    <a:srgbClr val="000000"/>
-                  </a:solidFill>
-                  <a:uFillTx/>
-                  <a:latin typeface="Arial" pitchFamily="34"/>
-                  <a:ea typeface="ＭＳ Ｐゴシック"/>
-                </a:endParaRPr>
-              </a:p>
-            </p:txBody>
-          </p:sp>
-          <p:sp>
-            <p:nvSpPr>
-              <p:cNvPr id="128" name="Rechteck 36">
-                <a:extLst>
-                  <a:ext uri="{FF2B5EF4-FFF2-40B4-BE49-F238E27FC236}">
-                    <a16:creationId xmlns:a16="http://schemas.microsoft.com/office/drawing/2014/main" id="{F2CC6576-024F-4802-B11A-7B0A1DDCA6DA}"/>
-                  </a:ext>
-                </a:extLst>
-              </p:cNvPr>
-              <p:cNvSpPr/>
-              <p:nvPr/>
-            </p:nvSpPr>
-            <p:spPr>
-              <a:xfrm>
-                <a:off x="10764572" y="4871100"/>
-                <a:ext cx="319591" cy="319591"/>
-              </a:xfrm>
-              <a:prstGeom prst="rect">
-                <a:avLst/>
-              </a:prstGeom>
-              <a:solidFill>
-                <a:srgbClr val="FF6600"/>
-              </a:solidFill>
-              <a:ln cap="flat">
-                <a:noFill/>
-                <a:prstDash val="solid"/>
-              </a:ln>
-            </p:spPr>
-            <p:txBody>
-              <a:bodyPr vert="horz" wrap="square" lIns="107688" tIns="53849" rIns="107688" bIns="53849" anchor="ctr" anchorCtr="1" compatLnSpc="1">
-                <a:noAutofit/>
-              </a:bodyPr>
-              <a:lstStyle/>
-              <a:p>
-                <a:pPr marL="0" marR="0" lvl="0" indent="0" algn="ctr" defTabSz="911839" rtl="0" fontAlgn="auto" hangingPunct="1">
-                  <a:lnSpc>
-                    <a:spcPct val="110000"/>
-                  </a:lnSpc>
-                  <a:spcBef>
-                    <a:spcPts val="0"/>
-                  </a:spcBef>
-                  <a:spcAft>
-                    <a:spcPts val="0"/>
-                  </a:spcAft>
-                  <a:buNone/>
-                  <a:tabLst/>
-                  <a:defRPr sz="1800" b="0" i="0" u="none" strike="noStrike" kern="0" cap="none" spc="0" baseline="0">
-                    <a:solidFill>
-                      <a:srgbClr val="000000"/>
-                    </a:solidFill>
-                    <a:uFillTx/>
-                  </a:defRPr>
-                </a:pPr>
-                <a:endParaRPr lang="de-DE" sz="1795" b="1" i="0" u="none" strike="noStrike" kern="1200" cap="none" spc="0" baseline="0">
-                  <a:solidFill>
-                    <a:srgbClr val="000000"/>
-                  </a:solidFill>
-                  <a:uFillTx/>
-                  <a:latin typeface="Arial" pitchFamily="34"/>
-                  <a:ea typeface="ＭＳ Ｐゴシック"/>
-                </a:endParaRPr>
-              </a:p>
-            </p:txBody>
-          </p:sp>
-        </p:grpSp>
-        <p:sp>
-          <p:nvSpPr>
-            <p:cNvPr id="169" name="Textfeld 116">
-              <a:extLst>
-                <a:ext uri="{FF2B5EF4-FFF2-40B4-BE49-F238E27FC236}">
-                  <a16:creationId xmlns:a16="http://schemas.microsoft.com/office/drawing/2014/main" id="{E298E667-BE8E-4B0B-9952-288F2D504E6B}"/>
-                </a:ext>
-              </a:extLst>
-            </p:cNvPr>
-            <p:cNvSpPr txBox="1"/>
-            <p:nvPr/>
-          </p:nvSpPr>
-          <p:spPr>
-            <a:xfrm>
-              <a:off x="8336008" y="5207809"/>
-              <a:ext cx="1589949" cy="233748"/>
-            </a:xfrm>
-            <a:prstGeom prst="rect">
-              <a:avLst/>
-            </a:prstGeom>
-            <a:noFill/>
-            <a:ln cap="flat">
-              <a:noFill/>
-            </a:ln>
-          </p:spPr>
-          <p:txBody>
-            <a:bodyPr vert="horz" wrap="none" lIns="0" tIns="0" rIns="0" bIns="0" anchor="t" anchorCtr="0" compatLnSpc="1">
-              <a:noAutofit/>
-            </a:bodyPr>
-            <a:lstStyle/>
-            <a:p>
-              <a:pPr marL="0" marR="0" lvl="0" indent="0" algn="l" defTabSz="911839" rtl="0" fontAlgn="auto" hangingPunct="1">
-                <a:lnSpc>
-                  <a:spcPct val="110000"/>
-                </a:lnSpc>
-                <a:spcBef>
-                  <a:spcPts val="0"/>
-                </a:spcBef>
-                <a:spcAft>
-                  <a:spcPts val="0"/>
-                </a:spcAft>
-                <a:buNone/>
-                <a:tabLst/>
-                <a:defRPr sz="1800" b="0" i="0" u="none" strike="noStrike" kern="0" cap="none" spc="0" baseline="0">
-                  <a:solidFill>
-                    <a:srgbClr val="000000"/>
-                  </a:solidFill>
-                  <a:uFillTx/>
-                </a:defRPr>
-              </a:pPr>
-              <a:r>
-                <a:rPr lang="de-DE" sz="998" b="0" i="0" u="none" strike="noStrike" kern="1200" cap="none" spc="0" baseline="0" dirty="0">
-                  <a:solidFill>
-                    <a:srgbClr val="000000"/>
-                  </a:solidFill>
-                  <a:uFillTx/>
-                  <a:latin typeface="Arial" pitchFamily="34"/>
-                  <a:ea typeface="ＭＳ Ｐゴシック"/>
-                </a:rPr>
-                <a:t>Integration </a:t>
-              </a:r>
-              <a:r>
-                <a:rPr lang="en-US" sz="998" b="0" i="0" u="none" strike="noStrike" kern="1200" cap="none" spc="0" baseline="0" dirty="0">
-                  <a:solidFill>
-                    <a:srgbClr val="000000"/>
-                  </a:solidFill>
-                  <a:uFillTx/>
-                  <a:latin typeface="Arial" pitchFamily="34"/>
-                  <a:ea typeface="ＭＳ Ｐゴシック"/>
-                </a:rPr>
-                <a:t>layer</a:t>
-              </a:r>
-              <a:r>
-                <a:rPr lang="de-DE" sz="998" b="0" i="0" u="none" strike="noStrike" kern="1200" cap="none" spc="0" baseline="0" dirty="0">
-                  <a:solidFill>
-                    <a:srgbClr val="000000"/>
-                  </a:solidFill>
-                  <a:uFillTx/>
-                  <a:latin typeface="Arial" pitchFamily="34"/>
-                  <a:ea typeface="ＭＳ Ｐゴシック"/>
-                </a:rPr>
-                <a:t> (API/Data)</a:t>
-              </a:r>
-            </a:p>
-          </p:txBody>
-        </p:sp>
-      </p:grpSp>
-      <p:grpSp>
-        <p:nvGrpSpPr>
-          <p:cNvPr id="158" name="Gruppieren 157">
-            <a:extLst>
-              <a:ext uri="{FF2B5EF4-FFF2-40B4-BE49-F238E27FC236}">
-                <a16:creationId xmlns:a16="http://schemas.microsoft.com/office/drawing/2014/main" id="{5155087D-62CA-40D2-A52B-6430AB422081}"/>
-              </a:ext>
-            </a:extLst>
-          </p:cNvPr>
-          <p:cNvGrpSpPr/>
-          <p:nvPr/>
-        </p:nvGrpSpPr>
-        <p:grpSpPr>
-          <a:xfrm>
-            <a:off x="6482366" y="4865113"/>
-            <a:ext cx="1729569" cy="1278386"/>
-            <a:chOff x="8245573" y="4871100"/>
-            <a:chExt cx="1729569" cy="1278386"/>
-          </a:xfrm>
-        </p:grpSpPr>
-        <p:grpSp>
-          <p:nvGrpSpPr>
-            <p:cNvPr id="159" name="Gruppieren 32">
-              <a:extLst>
-                <a:ext uri="{FF2B5EF4-FFF2-40B4-BE49-F238E27FC236}">
-                  <a16:creationId xmlns:a16="http://schemas.microsoft.com/office/drawing/2014/main" id="{41254FA3-DBC9-440A-B21C-6F2780E89EC8}"/>
-                </a:ext>
-              </a:extLst>
-            </p:cNvPr>
-            <p:cNvGrpSpPr/>
-            <p:nvPr/>
-          </p:nvGrpSpPr>
-          <p:grpSpPr>
-            <a:xfrm>
-              <a:off x="8245573" y="4871100"/>
-              <a:ext cx="1729569" cy="1278386"/>
-              <a:chOff x="10059579" y="4871100"/>
-              <a:chExt cx="1729569" cy="1278386"/>
-            </a:xfrm>
-          </p:grpSpPr>
-          <p:sp>
-            <p:nvSpPr>
-              <p:cNvPr id="181" name="Rechteck 33">
-                <a:extLst>
-                  <a:ext uri="{FF2B5EF4-FFF2-40B4-BE49-F238E27FC236}">
-                    <a16:creationId xmlns:a16="http://schemas.microsoft.com/office/drawing/2014/main" id="{88A35355-6E53-4751-8C4E-6C76C306F97F}"/>
-                  </a:ext>
-                </a:extLst>
-              </p:cNvPr>
-              <p:cNvSpPr/>
-              <p:nvPr/>
-            </p:nvSpPr>
-            <p:spPr>
-              <a:xfrm>
-                <a:off x="10059588" y="5162501"/>
-                <a:ext cx="319591" cy="986985"/>
-              </a:xfrm>
-              <a:prstGeom prst="rect">
-                <a:avLst/>
-              </a:prstGeom>
-              <a:solidFill>
-                <a:srgbClr val="FF6600"/>
-              </a:solidFill>
-              <a:ln cap="flat">
-                <a:noFill/>
-                <a:prstDash val="solid"/>
-              </a:ln>
-            </p:spPr>
-            <p:txBody>
-              <a:bodyPr vert="horz" wrap="square" lIns="107688" tIns="53849" rIns="107688" bIns="53849" anchor="ctr" anchorCtr="1" compatLnSpc="1">
-                <a:noAutofit/>
-              </a:bodyPr>
-              <a:lstStyle/>
-              <a:p>
-                <a:pPr marL="0" marR="0" lvl="0" indent="0" algn="ctr" defTabSz="911839" rtl="0" fontAlgn="auto" hangingPunct="1">
-                  <a:lnSpc>
-                    <a:spcPct val="110000"/>
-                  </a:lnSpc>
-                  <a:spcBef>
-                    <a:spcPts val="0"/>
-                  </a:spcBef>
-                  <a:spcAft>
-                    <a:spcPts val="0"/>
-                  </a:spcAft>
-                  <a:buNone/>
-                  <a:tabLst/>
-                  <a:defRPr sz="1800" b="0" i="0" u="none" strike="noStrike" kern="0" cap="none" spc="0" baseline="0">
-                    <a:solidFill>
-                      <a:srgbClr val="000000"/>
-                    </a:solidFill>
-                    <a:uFillTx/>
-                  </a:defRPr>
-                </a:pPr>
-                <a:endParaRPr lang="de-DE" sz="1795" b="1" i="0" u="none" strike="noStrike" kern="1200" cap="none" spc="0" baseline="0">
-                  <a:solidFill>
-                    <a:srgbClr val="000000"/>
-                  </a:solidFill>
-                  <a:uFillTx/>
-                  <a:latin typeface="Arial" pitchFamily="34"/>
-                  <a:ea typeface="ＭＳ Ｐゴシック"/>
-                </a:endParaRPr>
-              </a:p>
-            </p:txBody>
-          </p:sp>
-          <p:sp>
-            <p:nvSpPr>
-              <p:cNvPr id="182" name="Rechteck 34">
-                <a:extLst>
-                  <a:ext uri="{FF2B5EF4-FFF2-40B4-BE49-F238E27FC236}">
-                    <a16:creationId xmlns:a16="http://schemas.microsoft.com/office/drawing/2014/main" id="{9D75472C-6EF4-43A8-895A-569647A1CE49}"/>
-                  </a:ext>
-                </a:extLst>
-              </p:cNvPr>
-              <p:cNvSpPr/>
-              <p:nvPr/>
-            </p:nvSpPr>
-            <p:spPr>
-              <a:xfrm>
-                <a:off x="11469556" y="5162501"/>
-                <a:ext cx="319591" cy="986985"/>
-              </a:xfrm>
-              <a:prstGeom prst="rect">
-                <a:avLst/>
-              </a:prstGeom>
-              <a:solidFill>
-                <a:srgbClr val="FF6600"/>
-              </a:solidFill>
-              <a:ln cap="flat">
-                <a:noFill/>
-                <a:prstDash val="solid"/>
-              </a:ln>
-            </p:spPr>
-            <p:txBody>
-              <a:bodyPr vert="horz" wrap="square" lIns="107688" tIns="53849" rIns="107688" bIns="53849" anchor="ctr" anchorCtr="1" compatLnSpc="1">
-                <a:noAutofit/>
-              </a:bodyPr>
-              <a:lstStyle/>
-              <a:p>
-                <a:pPr marL="0" marR="0" lvl="0" indent="0" algn="ctr" defTabSz="911839" rtl="0" fontAlgn="auto" hangingPunct="1">
-                  <a:lnSpc>
-                    <a:spcPct val="110000"/>
-                  </a:lnSpc>
-                  <a:spcBef>
-                    <a:spcPts val="0"/>
-                  </a:spcBef>
-                  <a:spcAft>
-                    <a:spcPts val="0"/>
-                  </a:spcAft>
-                  <a:buNone/>
-                  <a:tabLst/>
-                  <a:defRPr sz="1800" b="0" i="0" u="none" strike="noStrike" kern="0" cap="none" spc="0" baseline="0">
-                    <a:solidFill>
-                      <a:srgbClr val="000000"/>
-                    </a:solidFill>
-                    <a:uFillTx/>
-                  </a:defRPr>
-                </a:pPr>
-                <a:endParaRPr lang="de-DE" sz="1795" b="1" i="0" u="none" strike="noStrike" kern="1200" cap="none" spc="0" baseline="0">
-                  <a:solidFill>
-                    <a:srgbClr val="000000"/>
-                  </a:solidFill>
-                  <a:uFillTx/>
-                  <a:latin typeface="Arial" pitchFamily="34"/>
-                  <a:ea typeface="ＭＳ Ｐゴシック"/>
-                </a:endParaRPr>
-              </a:p>
-            </p:txBody>
-          </p:sp>
-          <p:sp>
-            <p:nvSpPr>
-              <p:cNvPr id="183" name="Rechteck 35">
-                <a:extLst>
-                  <a:ext uri="{FF2B5EF4-FFF2-40B4-BE49-F238E27FC236}">
-                    <a16:creationId xmlns:a16="http://schemas.microsoft.com/office/drawing/2014/main" id="{593A7F80-1991-4458-A518-8E24A631BDE9}"/>
-                  </a:ext>
-                </a:extLst>
-              </p:cNvPr>
-              <p:cNvSpPr/>
-              <p:nvPr/>
-            </p:nvSpPr>
-            <p:spPr>
-              <a:xfrm rot="5400013">
-                <a:off x="10764568" y="4457503"/>
-                <a:ext cx="319591" cy="1729569"/>
-              </a:xfrm>
-              <a:prstGeom prst="rect">
-                <a:avLst/>
-              </a:prstGeom>
-              <a:solidFill>
-                <a:srgbClr val="FF6600"/>
-              </a:solidFill>
-              <a:ln cap="flat">
-                <a:noFill/>
-                <a:prstDash val="solid"/>
-              </a:ln>
-            </p:spPr>
-            <p:txBody>
-              <a:bodyPr vert="horz" wrap="square" lIns="107688" tIns="53849" rIns="107688" bIns="53849" anchor="ctr" anchorCtr="1" compatLnSpc="1">
-                <a:noAutofit/>
-              </a:bodyPr>
-              <a:lstStyle/>
-              <a:p>
-                <a:pPr marL="0" marR="0" lvl="0" indent="0" algn="ctr" defTabSz="911839" rtl="0" fontAlgn="auto" hangingPunct="1">
-                  <a:lnSpc>
-                    <a:spcPct val="110000"/>
-                  </a:lnSpc>
-                  <a:spcBef>
-                    <a:spcPts val="0"/>
-                  </a:spcBef>
-                  <a:spcAft>
-                    <a:spcPts val="0"/>
-                  </a:spcAft>
-                  <a:buNone/>
-                  <a:tabLst/>
-                  <a:defRPr sz="1800" b="0" i="0" u="none" strike="noStrike" kern="0" cap="none" spc="0" baseline="0">
-                    <a:solidFill>
-                      <a:srgbClr val="000000"/>
-                    </a:solidFill>
-                    <a:uFillTx/>
-                  </a:defRPr>
-                </a:pPr>
-                <a:endParaRPr lang="de-DE" sz="1795" b="1" i="0" u="none" strike="noStrike" kern="1200" cap="none" spc="0" baseline="0">
-                  <a:solidFill>
-                    <a:srgbClr val="000000"/>
-                  </a:solidFill>
-                  <a:uFillTx/>
-                  <a:latin typeface="Arial" pitchFamily="34"/>
-                  <a:ea typeface="ＭＳ Ｐゴシック"/>
-                </a:endParaRPr>
-              </a:p>
-            </p:txBody>
-          </p:sp>
-          <p:sp>
-            <p:nvSpPr>
-              <p:cNvPr id="184" name="Rechteck 36">
-                <a:extLst>
-                  <a:ext uri="{FF2B5EF4-FFF2-40B4-BE49-F238E27FC236}">
-                    <a16:creationId xmlns:a16="http://schemas.microsoft.com/office/drawing/2014/main" id="{BBE92408-88C9-49DB-BE8D-93748A429508}"/>
-                  </a:ext>
-                </a:extLst>
-              </p:cNvPr>
-              <p:cNvSpPr/>
-              <p:nvPr/>
-            </p:nvSpPr>
-            <p:spPr>
-              <a:xfrm>
-                <a:off x="10764572" y="4871100"/>
-                <a:ext cx="319591" cy="319591"/>
-              </a:xfrm>
-              <a:prstGeom prst="rect">
-                <a:avLst/>
-              </a:prstGeom>
-              <a:solidFill>
-                <a:srgbClr val="FF6600"/>
-              </a:solidFill>
-              <a:ln cap="flat">
-                <a:noFill/>
-                <a:prstDash val="solid"/>
-              </a:ln>
-            </p:spPr>
-            <p:txBody>
-              <a:bodyPr vert="horz" wrap="square" lIns="107688" tIns="53849" rIns="107688" bIns="53849" anchor="ctr" anchorCtr="1" compatLnSpc="1">
-                <a:noAutofit/>
-              </a:bodyPr>
-              <a:lstStyle/>
-              <a:p>
-                <a:pPr marL="0" marR="0" lvl="0" indent="0" algn="ctr" defTabSz="911839" rtl="0" fontAlgn="auto" hangingPunct="1">
-                  <a:lnSpc>
-                    <a:spcPct val="110000"/>
-                  </a:lnSpc>
-                  <a:spcBef>
-                    <a:spcPts val="0"/>
-                  </a:spcBef>
-                  <a:spcAft>
-                    <a:spcPts val="0"/>
-                  </a:spcAft>
-                  <a:buNone/>
-                  <a:tabLst/>
-                  <a:defRPr sz="1800" b="0" i="0" u="none" strike="noStrike" kern="0" cap="none" spc="0" baseline="0">
-                    <a:solidFill>
-                      <a:srgbClr val="000000"/>
-                    </a:solidFill>
-                    <a:uFillTx/>
-                  </a:defRPr>
-                </a:pPr>
-                <a:endParaRPr lang="de-DE" sz="1795" b="1" i="0" u="none" strike="noStrike" kern="1200" cap="none" spc="0" baseline="0">
-                  <a:solidFill>
-                    <a:srgbClr val="000000"/>
-                  </a:solidFill>
-                  <a:uFillTx/>
-                  <a:latin typeface="Arial" pitchFamily="34"/>
-                  <a:ea typeface="ＭＳ Ｐゴシック"/>
-                </a:endParaRPr>
-              </a:p>
-            </p:txBody>
-          </p:sp>
-        </p:grpSp>
-        <p:sp>
-          <p:nvSpPr>
-            <p:cNvPr id="180" name="Textfeld 116">
-              <a:extLst>
-                <a:ext uri="{FF2B5EF4-FFF2-40B4-BE49-F238E27FC236}">
-                  <a16:creationId xmlns:a16="http://schemas.microsoft.com/office/drawing/2014/main" id="{BD406B03-50B7-49CF-9C23-F14068FA4822}"/>
-                </a:ext>
-              </a:extLst>
-            </p:cNvPr>
-            <p:cNvSpPr txBox="1"/>
-            <p:nvPr/>
-          </p:nvSpPr>
-          <p:spPr>
-            <a:xfrm>
-              <a:off x="8336008" y="5207809"/>
-              <a:ext cx="1589949" cy="233748"/>
-            </a:xfrm>
-            <a:prstGeom prst="rect">
-              <a:avLst/>
-            </a:prstGeom>
-            <a:noFill/>
-            <a:ln cap="flat">
-              <a:noFill/>
-            </a:ln>
-          </p:spPr>
-          <p:txBody>
-            <a:bodyPr vert="horz" wrap="none" lIns="0" tIns="0" rIns="0" bIns="0" anchor="t" anchorCtr="0" compatLnSpc="1">
-              <a:noAutofit/>
-            </a:bodyPr>
-            <a:lstStyle/>
-            <a:p>
-              <a:pPr marL="0" marR="0" lvl="0" indent="0" algn="l" defTabSz="911839" rtl="0" fontAlgn="auto" hangingPunct="1">
-                <a:lnSpc>
-                  <a:spcPct val="110000"/>
-                </a:lnSpc>
-                <a:spcBef>
-                  <a:spcPts val="0"/>
-                </a:spcBef>
-                <a:spcAft>
-                  <a:spcPts val="0"/>
-                </a:spcAft>
-                <a:buNone/>
-                <a:tabLst/>
-                <a:defRPr sz="1800" b="0" i="0" u="none" strike="noStrike" kern="0" cap="none" spc="0" baseline="0">
-                  <a:solidFill>
-                    <a:srgbClr val="000000"/>
-                  </a:solidFill>
-                  <a:uFillTx/>
-                </a:defRPr>
-              </a:pPr>
-              <a:r>
-                <a:rPr lang="de-DE" sz="998" b="0" i="0" u="none" strike="noStrike" kern="1200" cap="none" spc="0" baseline="0" dirty="0">
-                  <a:solidFill>
-                    <a:srgbClr val="000000"/>
-                  </a:solidFill>
-                  <a:uFillTx/>
-                  <a:latin typeface="Arial" pitchFamily="34"/>
-                  <a:ea typeface="ＭＳ Ｐゴシック"/>
-                </a:rPr>
-                <a:t>Integration </a:t>
-              </a:r>
-              <a:r>
-                <a:rPr lang="en-US" sz="998" b="0" i="0" u="none" strike="noStrike" kern="1200" cap="none" spc="0" baseline="0" dirty="0">
-                  <a:solidFill>
-                    <a:srgbClr val="000000"/>
-                  </a:solidFill>
-                  <a:uFillTx/>
-                  <a:latin typeface="Arial" pitchFamily="34"/>
-                  <a:ea typeface="ＭＳ Ｐゴシック"/>
-                </a:rPr>
-                <a:t>layer</a:t>
-              </a:r>
-              <a:r>
-                <a:rPr lang="de-DE" sz="998" b="0" i="0" u="none" strike="noStrike" kern="1200" cap="none" spc="0" baseline="0" dirty="0">
-                  <a:solidFill>
-                    <a:srgbClr val="000000"/>
-                  </a:solidFill>
-                  <a:uFillTx/>
-                  <a:latin typeface="Arial" pitchFamily="34"/>
-                  <a:ea typeface="ＭＳ Ｐゴシック"/>
-                </a:rPr>
-                <a:t> (API/Data)</a:t>
-              </a:r>
-            </a:p>
-          </p:txBody>
-        </p:sp>
-      </p:grpSp>
-      <p:grpSp>
-        <p:nvGrpSpPr>
-          <p:cNvPr id="185" name="Gruppieren 184">
-            <a:extLst>
-              <a:ext uri="{FF2B5EF4-FFF2-40B4-BE49-F238E27FC236}">
-                <a16:creationId xmlns:a16="http://schemas.microsoft.com/office/drawing/2014/main" id="{5BA6155E-9A7A-4D44-9AF6-7604FEFFAB4A}"/>
-              </a:ext>
-            </a:extLst>
-          </p:cNvPr>
-          <p:cNvGrpSpPr/>
-          <p:nvPr/>
-        </p:nvGrpSpPr>
-        <p:grpSpPr>
-          <a:xfrm rot="10800000">
-            <a:off x="1140544" y="2010121"/>
-            <a:ext cx="1729569" cy="1278386"/>
-            <a:chOff x="8245573" y="4871100"/>
-            <a:chExt cx="1729569" cy="1278386"/>
-          </a:xfrm>
-        </p:grpSpPr>
-        <p:grpSp>
-          <p:nvGrpSpPr>
-            <p:cNvPr id="186" name="Gruppieren 32">
-              <a:extLst>
-                <a:ext uri="{FF2B5EF4-FFF2-40B4-BE49-F238E27FC236}">
-                  <a16:creationId xmlns:a16="http://schemas.microsoft.com/office/drawing/2014/main" id="{993A28CE-18AA-4AFC-B57E-D9B1229CF903}"/>
-                </a:ext>
-              </a:extLst>
-            </p:cNvPr>
-            <p:cNvGrpSpPr/>
-            <p:nvPr/>
-          </p:nvGrpSpPr>
-          <p:grpSpPr>
-            <a:xfrm>
-              <a:off x="8245573" y="4871100"/>
-              <a:ext cx="1729569" cy="1278386"/>
-              <a:chOff x="10059579" y="4871100"/>
-              <a:chExt cx="1729569" cy="1278386"/>
-            </a:xfrm>
-          </p:grpSpPr>
-          <p:sp>
-            <p:nvSpPr>
-              <p:cNvPr id="188" name="Rechteck 33">
-                <a:extLst>
-                  <a:ext uri="{FF2B5EF4-FFF2-40B4-BE49-F238E27FC236}">
-                    <a16:creationId xmlns:a16="http://schemas.microsoft.com/office/drawing/2014/main" id="{AAD0969F-53FA-4A8F-9EA2-49B36A18586A}"/>
-                  </a:ext>
-                </a:extLst>
-              </p:cNvPr>
-              <p:cNvSpPr/>
-              <p:nvPr/>
-            </p:nvSpPr>
-            <p:spPr>
-              <a:xfrm>
-                <a:off x="10059588" y="5162501"/>
-                <a:ext cx="319591" cy="986985"/>
-              </a:xfrm>
-              <a:prstGeom prst="rect">
-                <a:avLst/>
-              </a:prstGeom>
-              <a:solidFill>
-                <a:srgbClr val="FF6600"/>
-              </a:solidFill>
-              <a:ln cap="flat">
-                <a:noFill/>
-                <a:prstDash val="solid"/>
-              </a:ln>
-            </p:spPr>
-            <p:txBody>
-              <a:bodyPr vert="horz" wrap="square" lIns="107688" tIns="53849" rIns="107688" bIns="53849" anchor="ctr" anchorCtr="1" compatLnSpc="1">
-                <a:noAutofit/>
-              </a:bodyPr>
-              <a:lstStyle/>
-              <a:p>
-                <a:pPr marL="0" marR="0" lvl="0" indent="0" algn="ctr" defTabSz="911839" rtl="0" fontAlgn="auto" hangingPunct="1">
-                  <a:lnSpc>
-                    <a:spcPct val="110000"/>
-                  </a:lnSpc>
-                  <a:spcBef>
-                    <a:spcPts val="0"/>
-                  </a:spcBef>
-                  <a:spcAft>
-                    <a:spcPts val="0"/>
-                  </a:spcAft>
-                  <a:buNone/>
-                  <a:tabLst/>
-                  <a:defRPr sz="1800" b="0" i="0" u="none" strike="noStrike" kern="0" cap="none" spc="0" baseline="0">
-                    <a:solidFill>
-                      <a:srgbClr val="000000"/>
-                    </a:solidFill>
-                    <a:uFillTx/>
-                  </a:defRPr>
-                </a:pPr>
-                <a:endParaRPr lang="de-DE" sz="1795" b="1" i="0" u="none" strike="noStrike" kern="1200" cap="none" spc="0" baseline="0">
-                  <a:solidFill>
-                    <a:srgbClr val="000000"/>
-                  </a:solidFill>
-                  <a:uFillTx/>
-                  <a:latin typeface="Arial" pitchFamily="34"/>
-                  <a:ea typeface="ＭＳ Ｐゴシック"/>
-                </a:endParaRPr>
-              </a:p>
-            </p:txBody>
-          </p:sp>
-          <p:sp>
-            <p:nvSpPr>
-              <p:cNvPr id="189" name="Rechteck 34">
-                <a:extLst>
-                  <a:ext uri="{FF2B5EF4-FFF2-40B4-BE49-F238E27FC236}">
-                    <a16:creationId xmlns:a16="http://schemas.microsoft.com/office/drawing/2014/main" id="{E919231E-688D-467A-8883-9A7722A298CA}"/>
-                  </a:ext>
-                </a:extLst>
-              </p:cNvPr>
-              <p:cNvSpPr/>
-              <p:nvPr/>
-            </p:nvSpPr>
-            <p:spPr>
-              <a:xfrm>
-                <a:off x="11469556" y="5162501"/>
-                <a:ext cx="319591" cy="986985"/>
-              </a:xfrm>
-              <a:prstGeom prst="rect">
-                <a:avLst/>
-              </a:prstGeom>
-              <a:solidFill>
-                <a:srgbClr val="FF6600"/>
-              </a:solidFill>
-              <a:ln cap="flat">
-                <a:noFill/>
-                <a:prstDash val="solid"/>
-              </a:ln>
-            </p:spPr>
-            <p:txBody>
-              <a:bodyPr vert="horz" wrap="square" lIns="107688" tIns="53849" rIns="107688" bIns="53849" anchor="ctr" anchorCtr="1" compatLnSpc="1">
-                <a:noAutofit/>
-              </a:bodyPr>
-              <a:lstStyle/>
-              <a:p>
-                <a:pPr marL="0" marR="0" lvl="0" indent="0" algn="ctr" defTabSz="911839" rtl="0" fontAlgn="auto" hangingPunct="1">
-                  <a:lnSpc>
-                    <a:spcPct val="110000"/>
-                  </a:lnSpc>
-                  <a:spcBef>
-                    <a:spcPts val="0"/>
-                  </a:spcBef>
-                  <a:spcAft>
-                    <a:spcPts val="0"/>
-                  </a:spcAft>
-                  <a:buNone/>
-                  <a:tabLst/>
-                  <a:defRPr sz="1800" b="0" i="0" u="none" strike="noStrike" kern="0" cap="none" spc="0" baseline="0">
-                    <a:solidFill>
-                      <a:srgbClr val="000000"/>
-                    </a:solidFill>
-                    <a:uFillTx/>
-                  </a:defRPr>
-                </a:pPr>
-                <a:endParaRPr lang="de-DE" sz="1795" b="1" i="0" u="none" strike="noStrike" kern="1200" cap="none" spc="0" baseline="0">
-                  <a:solidFill>
-                    <a:srgbClr val="000000"/>
-                  </a:solidFill>
-                  <a:uFillTx/>
-                  <a:latin typeface="Arial" pitchFamily="34"/>
-                  <a:ea typeface="ＭＳ Ｐゴシック"/>
-                </a:endParaRPr>
-              </a:p>
-            </p:txBody>
-          </p:sp>
-          <p:sp>
-            <p:nvSpPr>
-              <p:cNvPr id="190" name="Rechteck 35">
-                <a:extLst>
-                  <a:ext uri="{FF2B5EF4-FFF2-40B4-BE49-F238E27FC236}">
-                    <a16:creationId xmlns:a16="http://schemas.microsoft.com/office/drawing/2014/main" id="{AF809CCE-E2CE-447D-B0BF-0EEE3ACC5597}"/>
-                  </a:ext>
-                </a:extLst>
-              </p:cNvPr>
-              <p:cNvSpPr/>
-              <p:nvPr/>
-            </p:nvSpPr>
-            <p:spPr>
-              <a:xfrm rot="5400013">
-                <a:off x="10764568" y="4457503"/>
-                <a:ext cx="319591" cy="1729569"/>
-              </a:xfrm>
-              <a:prstGeom prst="rect">
-                <a:avLst/>
-              </a:prstGeom>
-              <a:solidFill>
-                <a:srgbClr val="FF6600"/>
-              </a:solidFill>
-              <a:ln cap="flat">
-                <a:noFill/>
-                <a:prstDash val="solid"/>
-              </a:ln>
-            </p:spPr>
-            <p:txBody>
-              <a:bodyPr vert="horz" wrap="square" lIns="107688" tIns="53849" rIns="107688" bIns="53849" anchor="ctr" anchorCtr="1" compatLnSpc="1">
-                <a:noAutofit/>
-              </a:bodyPr>
-              <a:lstStyle/>
-              <a:p>
-                <a:pPr marL="0" marR="0" lvl="0" indent="0" algn="ctr" defTabSz="911839" rtl="0" fontAlgn="auto" hangingPunct="1">
-                  <a:lnSpc>
-                    <a:spcPct val="110000"/>
-                  </a:lnSpc>
-                  <a:spcBef>
-                    <a:spcPts val="0"/>
-                  </a:spcBef>
-                  <a:spcAft>
-                    <a:spcPts val="0"/>
-                  </a:spcAft>
-                  <a:buNone/>
-                  <a:tabLst/>
-                  <a:defRPr sz="1800" b="0" i="0" u="none" strike="noStrike" kern="0" cap="none" spc="0" baseline="0">
-                    <a:solidFill>
-                      <a:srgbClr val="000000"/>
-                    </a:solidFill>
-                    <a:uFillTx/>
-                  </a:defRPr>
-                </a:pPr>
-                <a:endParaRPr lang="de-DE" sz="1795" b="1" i="0" u="none" strike="noStrike" kern="1200" cap="none" spc="0" baseline="0">
-                  <a:solidFill>
-                    <a:srgbClr val="000000"/>
-                  </a:solidFill>
-                  <a:uFillTx/>
-                  <a:latin typeface="Arial" pitchFamily="34"/>
-                  <a:ea typeface="ＭＳ Ｐゴシック"/>
-                </a:endParaRPr>
-              </a:p>
-            </p:txBody>
-          </p:sp>
-          <p:sp>
-            <p:nvSpPr>
-              <p:cNvPr id="191" name="Rechteck 36">
-                <a:extLst>
-                  <a:ext uri="{FF2B5EF4-FFF2-40B4-BE49-F238E27FC236}">
-                    <a16:creationId xmlns:a16="http://schemas.microsoft.com/office/drawing/2014/main" id="{F7A1DD5E-3F63-4C55-AE66-2FB291C18394}"/>
-                  </a:ext>
-                </a:extLst>
-              </p:cNvPr>
-              <p:cNvSpPr/>
-              <p:nvPr/>
-            </p:nvSpPr>
-            <p:spPr>
-              <a:xfrm>
-                <a:off x="10764572" y="4871100"/>
-                <a:ext cx="319591" cy="319591"/>
-              </a:xfrm>
-              <a:prstGeom prst="rect">
-                <a:avLst/>
-              </a:prstGeom>
-              <a:solidFill>
-                <a:srgbClr val="FF6600"/>
-              </a:solidFill>
-              <a:ln cap="flat">
-                <a:noFill/>
-                <a:prstDash val="solid"/>
-              </a:ln>
-            </p:spPr>
-            <p:txBody>
-              <a:bodyPr vert="horz" wrap="square" lIns="107688" tIns="53849" rIns="107688" bIns="53849" anchor="ctr" anchorCtr="1" compatLnSpc="1">
-                <a:noAutofit/>
-              </a:bodyPr>
-              <a:lstStyle/>
-              <a:p>
-                <a:pPr marL="0" marR="0" lvl="0" indent="0" algn="ctr" defTabSz="911839" rtl="0" fontAlgn="auto" hangingPunct="1">
-                  <a:lnSpc>
-                    <a:spcPct val="110000"/>
-                  </a:lnSpc>
-                  <a:spcBef>
-                    <a:spcPts val="0"/>
-                  </a:spcBef>
-                  <a:spcAft>
-                    <a:spcPts val="0"/>
-                  </a:spcAft>
-                  <a:buNone/>
-                  <a:tabLst/>
-                  <a:defRPr sz="1800" b="0" i="0" u="none" strike="noStrike" kern="0" cap="none" spc="0" baseline="0">
-                    <a:solidFill>
-                      <a:srgbClr val="000000"/>
-                    </a:solidFill>
-                    <a:uFillTx/>
-                  </a:defRPr>
-                </a:pPr>
-                <a:endParaRPr lang="de-DE" sz="1795" b="1" i="0" u="none" strike="noStrike" kern="1200" cap="none" spc="0" baseline="0">
-                  <a:solidFill>
-                    <a:srgbClr val="000000"/>
-                  </a:solidFill>
-                  <a:uFillTx/>
-                  <a:latin typeface="Arial" pitchFamily="34"/>
-                  <a:ea typeface="ＭＳ Ｐゴシック"/>
-                </a:endParaRPr>
-              </a:p>
-            </p:txBody>
-          </p:sp>
-        </p:grpSp>
-        <p:sp>
-          <p:nvSpPr>
-            <p:cNvPr id="187" name="Textfeld 116">
-              <a:extLst>
-                <a:ext uri="{FF2B5EF4-FFF2-40B4-BE49-F238E27FC236}">
-                  <a16:creationId xmlns:a16="http://schemas.microsoft.com/office/drawing/2014/main" id="{3FD7B901-6254-4AB1-B601-4E5E19BB131B}"/>
-                </a:ext>
-              </a:extLst>
-            </p:cNvPr>
-            <p:cNvSpPr txBox="1"/>
-            <p:nvPr/>
-          </p:nvSpPr>
-          <p:spPr>
-            <a:xfrm rot="10800000">
-              <a:off x="8336008" y="5207809"/>
-              <a:ext cx="1589949" cy="233748"/>
-            </a:xfrm>
-            <a:prstGeom prst="rect">
-              <a:avLst/>
-            </a:prstGeom>
-            <a:noFill/>
-            <a:ln cap="flat">
-              <a:noFill/>
-            </a:ln>
-          </p:spPr>
-          <p:txBody>
-            <a:bodyPr vert="horz" wrap="none" lIns="0" tIns="0" rIns="0" bIns="0" anchor="t" anchorCtr="0" compatLnSpc="1">
-              <a:noAutofit/>
-            </a:bodyPr>
-            <a:lstStyle/>
-            <a:p>
-              <a:pPr marL="0" marR="0" lvl="0" indent="0" algn="l" defTabSz="911839" rtl="0" fontAlgn="auto" hangingPunct="1">
-                <a:lnSpc>
-                  <a:spcPct val="110000"/>
-                </a:lnSpc>
-                <a:spcBef>
-                  <a:spcPts val="0"/>
-                </a:spcBef>
-                <a:spcAft>
-                  <a:spcPts val="0"/>
-                </a:spcAft>
-                <a:buNone/>
-                <a:tabLst/>
-                <a:defRPr sz="1800" b="0" i="0" u="none" strike="noStrike" kern="0" cap="none" spc="0" baseline="0">
-                  <a:solidFill>
-                    <a:srgbClr val="000000"/>
-                  </a:solidFill>
-                  <a:uFillTx/>
-                </a:defRPr>
-              </a:pPr>
-              <a:r>
-                <a:rPr lang="de-DE" sz="998" b="0" i="0" u="none" strike="noStrike" kern="1200" cap="none" spc="0" baseline="0" dirty="0">
-                  <a:solidFill>
-                    <a:srgbClr val="000000"/>
-                  </a:solidFill>
-                  <a:uFillTx/>
-                  <a:latin typeface="Arial" pitchFamily="34"/>
-                  <a:ea typeface="ＭＳ Ｐゴシック"/>
-                </a:rPr>
-                <a:t>Integration </a:t>
-              </a:r>
-              <a:r>
-                <a:rPr lang="en-US" sz="998" b="0" i="0" u="none" strike="noStrike" kern="1200" cap="none" spc="0" baseline="0" dirty="0">
-                  <a:solidFill>
-                    <a:srgbClr val="000000"/>
-                  </a:solidFill>
-                  <a:uFillTx/>
-                  <a:latin typeface="Arial" pitchFamily="34"/>
-                  <a:ea typeface="ＭＳ Ｐゴシック"/>
-                </a:rPr>
-                <a:t>layer</a:t>
-              </a:r>
-              <a:r>
-                <a:rPr lang="de-DE" sz="998" b="0" i="0" u="none" strike="noStrike" kern="1200" cap="none" spc="0" baseline="0" dirty="0">
-                  <a:solidFill>
-                    <a:srgbClr val="000000"/>
-                  </a:solidFill>
-                  <a:uFillTx/>
-                  <a:latin typeface="Arial" pitchFamily="34"/>
-                  <a:ea typeface="ＭＳ Ｐゴシック"/>
-                </a:rPr>
-                <a:t> (API/Data)</a:t>
-              </a:r>
-            </a:p>
-          </p:txBody>
-        </p:sp>
-      </p:grpSp>
-      <p:grpSp>
-        <p:nvGrpSpPr>
-          <p:cNvPr id="192" name="Gruppieren 191">
-            <a:extLst>
-              <a:ext uri="{FF2B5EF4-FFF2-40B4-BE49-F238E27FC236}">
-                <a16:creationId xmlns:a16="http://schemas.microsoft.com/office/drawing/2014/main" id="{233F1C3C-2A08-4577-BAC8-C60CC1A16357}"/>
-              </a:ext>
-            </a:extLst>
-          </p:cNvPr>
-          <p:cNvGrpSpPr/>
-          <p:nvPr/>
-        </p:nvGrpSpPr>
-        <p:grpSpPr>
-          <a:xfrm rot="10800000">
-            <a:off x="2922549" y="2004487"/>
-            <a:ext cx="1729569" cy="1278386"/>
-            <a:chOff x="8245573" y="4871100"/>
-            <a:chExt cx="1729569" cy="1278386"/>
-          </a:xfrm>
-        </p:grpSpPr>
-        <p:grpSp>
-          <p:nvGrpSpPr>
-            <p:cNvPr id="193" name="Gruppieren 32">
-              <a:extLst>
-                <a:ext uri="{FF2B5EF4-FFF2-40B4-BE49-F238E27FC236}">
-                  <a16:creationId xmlns:a16="http://schemas.microsoft.com/office/drawing/2014/main" id="{E8EF4F1C-F8BF-44EC-A859-4507E82B9B1D}"/>
-                </a:ext>
-              </a:extLst>
-            </p:cNvPr>
-            <p:cNvGrpSpPr/>
-            <p:nvPr/>
-          </p:nvGrpSpPr>
-          <p:grpSpPr>
-            <a:xfrm>
-              <a:off x="8245573" y="4871100"/>
-              <a:ext cx="1729569" cy="1278386"/>
-              <a:chOff x="10059579" y="4871100"/>
-              <a:chExt cx="1729569" cy="1278386"/>
-            </a:xfrm>
-          </p:grpSpPr>
-          <p:sp>
-            <p:nvSpPr>
-              <p:cNvPr id="195" name="Rechteck 33">
-                <a:extLst>
-                  <a:ext uri="{FF2B5EF4-FFF2-40B4-BE49-F238E27FC236}">
-                    <a16:creationId xmlns:a16="http://schemas.microsoft.com/office/drawing/2014/main" id="{EEC7EFF8-2EC6-4BE8-A9B5-94BF3F39D379}"/>
-                  </a:ext>
-                </a:extLst>
-              </p:cNvPr>
-              <p:cNvSpPr/>
-              <p:nvPr/>
-            </p:nvSpPr>
-            <p:spPr>
-              <a:xfrm>
-                <a:off x="10059588" y="5162501"/>
-                <a:ext cx="319591" cy="986985"/>
-              </a:xfrm>
-              <a:prstGeom prst="rect">
-                <a:avLst/>
-              </a:prstGeom>
-              <a:solidFill>
-                <a:srgbClr val="FF6600"/>
-              </a:solidFill>
-              <a:ln cap="flat">
-                <a:noFill/>
-                <a:prstDash val="solid"/>
-              </a:ln>
-            </p:spPr>
-            <p:txBody>
-              <a:bodyPr vert="horz" wrap="square" lIns="107688" tIns="53849" rIns="107688" bIns="53849" anchor="ctr" anchorCtr="1" compatLnSpc="1">
-                <a:noAutofit/>
-              </a:bodyPr>
-              <a:lstStyle/>
-              <a:p>
-                <a:pPr marL="0" marR="0" lvl="0" indent="0" algn="ctr" defTabSz="911839" rtl="0" fontAlgn="auto" hangingPunct="1">
-                  <a:lnSpc>
-                    <a:spcPct val="110000"/>
-                  </a:lnSpc>
-                  <a:spcBef>
-                    <a:spcPts val="0"/>
-                  </a:spcBef>
-                  <a:spcAft>
-                    <a:spcPts val="0"/>
-                  </a:spcAft>
-                  <a:buNone/>
-                  <a:tabLst/>
-                  <a:defRPr sz="1800" b="0" i="0" u="none" strike="noStrike" kern="0" cap="none" spc="0" baseline="0">
-                    <a:solidFill>
-                      <a:srgbClr val="000000"/>
-                    </a:solidFill>
-                    <a:uFillTx/>
-                  </a:defRPr>
-                </a:pPr>
-                <a:endParaRPr lang="de-DE" sz="1795" b="1" i="0" u="none" strike="noStrike" kern="1200" cap="none" spc="0" baseline="0">
-                  <a:solidFill>
-                    <a:srgbClr val="000000"/>
-                  </a:solidFill>
-                  <a:uFillTx/>
-                  <a:latin typeface="Arial" pitchFamily="34"/>
-                  <a:ea typeface="ＭＳ Ｐゴシック"/>
-                </a:endParaRPr>
-              </a:p>
-            </p:txBody>
-          </p:sp>
-          <p:sp>
-            <p:nvSpPr>
-              <p:cNvPr id="196" name="Rechteck 34">
-                <a:extLst>
-                  <a:ext uri="{FF2B5EF4-FFF2-40B4-BE49-F238E27FC236}">
-                    <a16:creationId xmlns:a16="http://schemas.microsoft.com/office/drawing/2014/main" id="{A04C06CC-A64E-4E0E-9324-8DCA4B3BBD9D}"/>
-                  </a:ext>
-                </a:extLst>
-              </p:cNvPr>
-              <p:cNvSpPr/>
-              <p:nvPr/>
-            </p:nvSpPr>
-            <p:spPr>
-              <a:xfrm>
-                <a:off x="11469556" y="5162501"/>
-                <a:ext cx="319591" cy="986985"/>
-              </a:xfrm>
-              <a:prstGeom prst="rect">
-                <a:avLst/>
-              </a:prstGeom>
-              <a:solidFill>
-                <a:srgbClr val="FF6600"/>
-              </a:solidFill>
-              <a:ln cap="flat">
-                <a:noFill/>
-                <a:prstDash val="solid"/>
-              </a:ln>
-            </p:spPr>
-            <p:txBody>
-              <a:bodyPr vert="horz" wrap="square" lIns="107688" tIns="53849" rIns="107688" bIns="53849" anchor="ctr" anchorCtr="1" compatLnSpc="1">
-                <a:noAutofit/>
-              </a:bodyPr>
-              <a:lstStyle/>
-              <a:p>
-                <a:pPr marL="0" marR="0" lvl="0" indent="0" algn="ctr" defTabSz="911839" rtl="0" fontAlgn="auto" hangingPunct="1">
-                  <a:lnSpc>
-                    <a:spcPct val="110000"/>
-                  </a:lnSpc>
-                  <a:spcBef>
-                    <a:spcPts val="0"/>
-                  </a:spcBef>
-                  <a:spcAft>
-                    <a:spcPts val="0"/>
-                  </a:spcAft>
-                  <a:buNone/>
-                  <a:tabLst/>
-                  <a:defRPr sz="1800" b="0" i="0" u="none" strike="noStrike" kern="0" cap="none" spc="0" baseline="0">
-                    <a:solidFill>
-                      <a:srgbClr val="000000"/>
-                    </a:solidFill>
-                    <a:uFillTx/>
-                  </a:defRPr>
-                </a:pPr>
-                <a:endParaRPr lang="de-DE" sz="1795" b="1" i="0" u="none" strike="noStrike" kern="1200" cap="none" spc="0" baseline="0">
-                  <a:solidFill>
-                    <a:srgbClr val="000000"/>
-                  </a:solidFill>
-                  <a:uFillTx/>
-                  <a:latin typeface="Arial" pitchFamily="34"/>
-                  <a:ea typeface="ＭＳ Ｐゴシック"/>
-                </a:endParaRPr>
-              </a:p>
-            </p:txBody>
-          </p:sp>
-          <p:sp>
-            <p:nvSpPr>
-              <p:cNvPr id="197" name="Rechteck 35">
-                <a:extLst>
-                  <a:ext uri="{FF2B5EF4-FFF2-40B4-BE49-F238E27FC236}">
-                    <a16:creationId xmlns:a16="http://schemas.microsoft.com/office/drawing/2014/main" id="{7322E919-85D0-4789-A669-54A1479C5F20}"/>
-                  </a:ext>
-                </a:extLst>
-              </p:cNvPr>
-              <p:cNvSpPr/>
-              <p:nvPr/>
-            </p:nvSpPr>
-            <p:spPr>
-              <a:xfrm rot="5400013">
-                <a:off x="10764568" y="4457503"/>
-                <a:ext cx="319591" cy="1729569"/>
-              </a:xfrm>
-              <a:prstGeom prst="rect">
-                <a:avLst/>
-              </a:prstGeom>
-              <a:solidFill>
-                <a:srgbClr val="FF6600"/>
-              </a:solidFill>
-              <a:ln cap="flat">
-                <a:noFill/>
-                <a:prstDash val="solid"/>
-              </a:ln>
-            </p:spPr>
-            <p:txBody>
-              <a:bodyPr vert="horz" wrap="square" lIns="107688" tIns="53849" rIns="107688" bIns="53849" anchor="ctr" anchorCtr="1" compatLnSpc="1">
-                <a:noAutofit/>
-              </a:bodyPr>
-              <a:lstStyle/>
-              <a:p>
-                <a:pPr marL="0" marR="0" lvl="0" indent="0" algn="ctr" defTabSz="911839" rtl="0" fontAlgn="auto" hangingPunct="1">
-                  <a:lnSpc>
-                    <a:spcPct val="110000"/>
-                  </a:lnSpc>
-                  <a:spcBef>
-                    <a:spcPts val="0"/>
-                  </a:spcBef>
-                  <a:spcAft>
-                    <a:spcPts val="0"/>
-                  </a:spcAft>
-                  <a:buNone/>
-                  <a:tabLst/>
-                  <a:defRPr sz="1800" b="0" i="0" u="none" strike="noStrike" kern="0" cap="none" spc="0" baseline="0">
-                    <a:solidFill>
-                      <a:srgbClr val="000000"/>
-                    </a:solidFill>
-                    <a:uFillTx/>
-                  </a:defRPr>
-                </a:pPr>
-                <a:endParaRPr lang="de-DE" sz="1795" b="1" i="0" u="none" strike="noStrike" kern="1200" cap="none" spc="0" baseline="0">
-                  <a:solidFill>
-                    <a:srgbClr val="000000"/>
-                  </a:solidFill>
-                  <a:uFillTx/>
-                  <a:latin typeface="Arial" pitchFamily="34"/>
-                  <a:ea typeface="ＭＳ Ｐゴシック"/>
-                </a:endParaRPr>
-              </a:p>
-            </p:txBody>
-          </p:sp>
-          <p:sp>
-            <p:nvSpPr>
-              <p:cNvPr id="198" name="Rechteck 36">
-                <a:extLst>
-                  <a:ext uri="{FF2B5EF4-FFF2-40B4-BE49-F238E27FC236}">
-                    <a16:creationId xmlns:a16="http://schemas.microsoft.com/office/drawing/2014/main" id="{84F9B4C8-FAF6-4FB2-ACC6-9DAF80C2453C}"/>
-                  </a:ext>
-                </a:extLst>
-              </p:cNvPr>
-              <p:cNvSpPr/>
-              <p:nvPr/>
-            </p:nvSpPr>
-            <p:spPr>
-              <a:xfrm>
-                <a:off x="10764572" y="4871100"/>
-                <a:ext cx="319591" cy="319591"/>
-              </a:xfrm>
-              <a:prstGeom prst="rect">
-                <a:avLst/>
-              </a:prstGeom>
-              <a:solidFill>
-                <a:srgbClr val="FF6600"/>
-              </a:solidFill>
-              <a:ln cap="flat">
-                <a:noFill/>
-                <a:prstDash val="solid"/>
-              </a:ln>
-            </p:spPr>
-            <p:txBody>
-              <a:bodyPr vert="horz" wrap="square" lIns="107688" tIns="53849" rIns="107688" bIns="53849" anchor="ctr" anchorCtr="1" compatLnSpc="1">
-                <a:noAutofit/>
-              </a:bodyPr>
-              <a:lstStyle/>
-              <a:p>
-                <a:pPr marL="0" marR="0" lvl="0" indent="0" algn="ctr" defTabSz="911839" rtl="0" fontAlgn="auto" hangingPunct="1">
-                  <a:lnSpc>
-                    <a:spcPct val="110000"/>
-                  </a:lnSpc>
-                  <a:spcBef>
-                    <a:spcPts val="0"/>
-                  </a:spcBef>
-                  <a:spcAft>
-                    <a:spcPts val="0"/>
-                  </a:spcAft>
-                  <a:buNone/>
-                  <a:tabLst/>
-                  <a:defRPr sz="1800" b="0" i="0" u="none" strike="noStrike" kern="0" cap="none" spc="0" baseline="0">
-                    <a:solidFill>
-                      <a:srgbClr val="000000"/>
-                    </a:solidFill>
-                    <a:uFillTx/>
-                  </a:defRPr>
-                </a:pPr>
-                <a:endParaRPr lang="de-DE" sz="1795" b="1" i="0" u="none" strike="noStrike" kern="1200" cap="none" spc="0" baseline="0">
-                  <a:solidFill>
-                    <a:srgbClr val="000000"/>
-                  </a:solidFill>
-                  <a:uFillTx/>
-                  <a:latin typeface="Arial" pitchFamily="34"/>
-                  <a:ea typeface="ＭＳ Ｐゴシック"/>
-                </a:endParaRPr>
-              </a:p>
-            </p:txBody>
-          </p:sp>
-        </p:grpSp>
-        <p:sp>
-          <p:nvSpPr>
-            <p:cNvPr id="194" name="Textfeld 116">
-              <a:extLst>
-                <a:ext uri="{FF2B5EF4-FFF2-40B4-BE49-F238E27FC236}">
-                  <a16:creationId xmlns:a16="http://schemas.microsoft.com/office/drawing/2014/main" id="{4366E3EA-0726-4438-81D4-C343177EF415}"/>
-                </a:ext>
-              </a:extLst>
-            </p:cNvPr>
-            <p:cNvSpPr txBox="1"/>
-            <p:nvPr/>
-          </p:nvSpPr>
-          <p:spPr>
-            <a:xfrm rot="10800000">
-              <a:off x="8336008" y="5207809"/>
-              <a:ext cx="1589949" cy="233748"/>
-            </a:xfrm>
-            <a:prstGeom prst="rect">
-              <a:avLst/>
-            </a:prstGeom>
-            <a:noFill/>
-            <a:ln cap="flat">
-              <a:noFill/>
-            </a:ln>
-          </p:spPr>
-          <p:txBody>
-            <a:bodyPr vert="horz" wrap="none" lIns="0" tIns="0" rIns="0" bIns="0" anchor="t" anchorCtr="0" compatLnSpc="1">
-              <a:noAutofit/>
-            </a:bodyPr>
-            <a:lstStyle/>
-            <a:p>
-              <a:pPr marL="0" marR="0" lvl="0" indent="0" algn="l" defTabSz="911839" rtl="0" fontAlgn="auto" hangingPunct="1">
-                <a:lnSpc>
-                  <a:spcPct val="110000"/>
-                </a:lnSpc>
-                <a:spcBef>
-                  <a:spcPts val="0"/>
-                </a:spcBef>
-                <a:spcAft>
-                  <a:spcPts val="0"/>
-                </a:spcAft>
-                <a:buNone/>
-                <a:tabLst/>
-                <a:defRPr sz="1800" b="0" i="0" u="none" strike="noStrike" kern="0" cap="none" spc="0" baseline="0">
-                  <a:solidFill>
-                    <a:srgbClr val="000000"/>
-                  </a:solidFill>
-                  <a:uFillTx/>
-                </a:defRPr>
-              </a:pPr>
-              <a:r>
-                <a:rPr lang="de-DE" sz="998" b="0" i="0" u="none" strike="noStrike" kern="1200" cap="none" spc="0" baseline="0" dirty="0">
-                  <a:solidFill>
-                    <a:srgbClr val="000000"/>
-                  </a:solidFill>
-                  <a:uFillTx/>
-                  <a:latin typeface="Arial" pitchFamily="34"/>
-                  <a:ea typeface="ＭＳ Ｐゴシック"/>
-                </a:rPr>
-                <a:t>Integration </a:t>
-              </a:r>
-              <a:r>
-                <a:rPr lang="en-US" sz="998" b="0" i="0" u="none" strike="noStrike" kern="1200" cap="none" spc="0" baseline="0" dirty="0">
-                  <a:solidFill>
-                    <a:srgbClr val="000000"/>
-                  </a:solidFill>
-                  <a:uFillTx/>
-                  <a:latin typeface="Arial" pitchFamily="34"/>
-                  <a:ea typeface="ＭＳ Ｐゴシック"/>
-                </a:rPr>
-                <a:t>layer</a:t>
-              </a:r>
-              <a:r>
-                <a:rPr lang="de-DE" sz="998" b="0" i="0" u="none" strike="noStrike" kern="1200" cap="none" spc="0" baseline="0" dirty="0">
-                  <a:solidFill>
-                    <a:srgbClr val="000000"/>
-                  </a:solidFill>
-                  <a:uFillTx/>
-                  <a:latin typeface="Arial" pitchFamily="34"/>
-                  <a:ea typeface="ＭＳ Ｐゴシック"/>
-                </a:rPr>
-                <a:t> (API/Data)</a:t>
-              </a:r>
-            </a:p>
-          </p:txBody>
-        </p:sp>
-      </p:grpSp>
-      <p:grpSp>
-        <p:nvGrpSpPr>
-          <p:cNvPr id="199" name="Gruppieren 198">
-            <a:extLst>
-              <a:ext uri="{FF2B5EF4-FFF2-40B4-BE49-F238E27FC236}">
-                <a16:creationId xmlns:a16="http://schemas.microsoft.com/office/drawing/2014/main" id="{9F4AB0A1-DF4C-4E56-BA3C-6D70DD107F77}"/>
-              </a:ext>
-            </a:extLst>
-          </p:cNvPr>
-          <p:cNvGrpSpPr/>
-          <p:nvPr/>
-        </p:nvGrpSpPr>
-        <p:grpSpPr>
-          <a:xfrm rot="10800000">
-            <a:off x="4704544" y="2016664"/>
-            <a:ext cx="1729569" cy="1278386"/>
-            <a:chOff x="8245573" y="4871100"/>
-            <a:chExt cx="1729569" cy="1278386"/>
-          </a:xfrm>
-        </p:grpSpPr>
-        <p:grpSp>
-          <p:nvGrpSpPr>
-            <p:cNvPr id="200" name="Gruppieren 32">
-              <a:extLst>
-                <a:ext uri="{FF2B5EF4-FFF2-40B4-BE49-F238E27FC236}">
-                  <a16:creationId xmlns:a16="http://schemas.microsoft.com/office/drawing/2014/main" id="{4F8E6802-CACA-428B-9B3C-E049DADCBFD4}"/>
-                </a:ext>
-              </a:extLst>
-            </p:cNvPr>
-            <p:cNvGrpSpPr/>
-            <p:nvPr/>
-          </p:nvGrpSpPr>
-          <p:grpSpPr>
-            <a:xfrm>
-              <a:off x="8245573" y="4871100"/>
-              <a:ext cx="1729569" cy="1278386"/>
-              <a:chOff x="10059579" y="4871100"/>
-              <a:chExt cx="1729569" cy="1278386"/>
-            </a:xfrm>
-          </p:grpSpPr>
-          <p:sp>
-            <p:nvSpPr>
-              <p:cNvPr id="202" name="Rechteck 33">
-                <a:extLst>
-                  <a:ext uri="{FF2B5EF4-FFF2-40B4-BE49-F238E27FC236}">
-                    <a16:creationId xmlns:a16="http://schemas.microsoft.com/office/drawing/2014/main" id="{9CE707E0-2D17-41B0-B0DE-AF2B655E6D1A}"/>
-                  </a:ext>
-                </a:extLst>
-              </p:cNvPr>
-              <p:cNvSpPr/>
-              <p:nvPr/>
-            </p:nvSpPr>
-            <p:spPr>
-              <a:xfrm>
-                <a:off x="10059588" y="5162501"/>
-                <a:ext cx="319591" cy="986985"/>
-              </a:xfrm>
-              <a:prstGeom prst="rect">
-                <a:avLst/>
-              </a:prstGeom>
-              <a:solidFill>
-                <a:srgbClr val="FF6600"/>
-              </a:solidFill>
-              <a:ln cap="flat">
-                <a:noFill/>
-                <a:prstDash val="solid"/>
-              </a:ln>
-            </p:spPr>
-            <p:txBody>
-              <a:bodyPr vert="horz" wrap="square" lIns="107688" tIns="53849" rIns="107688" bIns="53849" anchor="ctr" anchorCtr="1" compatLnSpc="1">
-                <a:noAutofit/>
-              </a:bodyPr>
-              <a:lstStyle/>
-              <a:p>
-                <a:pPr marL="0" marR="0" lvl="0" indent="0" algn="ctr" defTabSz="911839" rtl="0" fontAlgn="auto" hangingPunct="1">
-                  <a:lnSpc>
-                    <a:spcPct val="110000"/>
-                  </a:lnSpc>
-                  <a:spcBef>
-                    <a:spcPts val="0"/>
-                  </a:spcBef>
-                  <a:spcAft>
-                    <a:spcPts val="0"/>
-                  </a:spcAft>
-                  <a:buNone/>
-                  <a:tabLst/>
-                  <a:defRPr sz="1800" b="0" i="0" u="none" strike="noStrike" kern="0" cap="none" spc="0" baseline="0">
-                    <a:solidFill>
-                      <a:srgbClr val="000000"/>
-                    </a:solidFill>
-                    <a:uFillTx/>
-                  </a:defRPr>
-                </a:pPr>
-                <a:endParaRPr lang="de-DE" sz="1795" b="1" i="0" u="none" strike="noStrike" kern="1200" cap="none" spc="0" baseline="0">
-                  <a:solidFill>
-                    <a:srgbClr val="000000"/>
-                  </a:solidFill>
-                  <a:uFillTx/>
-                  <a:latin typeface="Arial" pitchFamily="34"/>
-                  <a:ea typeface="ＭＳ Ｐゴシック"/>
-                </a:endParaRPr>
-              </a:p>
-            </p:txBody>
-          </p:sp>
-          <p:sp>
-            <p:nvSpPr>
-              <p:cNvPr id="203" name="Rechteck 34">
-                <a:extLst>
-                  <a:ext uri="{FF2B5EF4-FFF2-40B4-BE49-F238E27FC236}">
-                    <a16:creationId xmlns:a16="http://schemas.microsoft.com/office/drawing/2014/main" id="{7AE4EB79-F60C-49C8-BB2F-E74A923392B9}"/>
-                  </a:ext>
-                </a:extLst>
-              </p:cNvPr>
-              <p:cNvSpPr/>
-              <p:nvPr/>
-            </p:nvSpPr>
-            <p:spPr>
-              <a:xfrm>
-                <a:off x="11469556" y="5162501"/>
-                <a:ext cx="319591" cy="986985"/>
-              </a:xfrm>
-              <a:prstGeom prst="rect">
-                <a:avLst/>
-              </a:prstGeom>
-              <a:solidFill>
-                <a:srgbClr val="FF6600"/>
-              </a:solidFill>
-              <a:ln cap="flat">
-                <a:noFill/>
-                <a:prstDash val="solid"/>
-              </a:ln>
-            </p:spPr>
-            <p:txBody>
-              <a:bodyPr vert="horz" wrap="square" lIns="107688" tIns="53849" rIns="107688" bIns="53849" anchor="ctr" anchorCtr="1" compatLnSpc="1">
-                <a:noAutofit/>
-              </a:bodyPr>
-              <a:lstStyle/>
-              <a:p>
-                <a:pPr marL="0" marR="0" lvl="0" indent="0" algn="ctr" defTabSz="911839" rtl="0" fontAlgn="auto" hangingPunct="1">
-                  <a:lnSpc>
-                    <a:spcPct val="110000"/>
-                  </a:lnSpc>
-                  <a:spcBef>
-                    <a:spcPts val="0"/>
-                  </a:spcBef>
-                  <a:spcAft>
-                    <a:spcPts val="0"/>
-                  </a:spcAft>
-                  <a:buNone/>
-                  <a:tabLst/>
-                  <a:defRPr sz="1800" b="0" i="0" u="none" strike="noStrike" kern="0" cap="none" spc="0" baseline="0">
-                    <a:solidFill>
-                      <a:srgbClr val="000000"/>
-                    </a:solidFill>
-                    <a:uFillTx/>
-                  </a:defRPr>
-                </a:pPr>
-                <a:endParaRPr lang="de-DE" sz="1795" b="1" i="0" u="none" strike="noStrike" kern="1200" cap="none" spc="0" baseline="0">
-                  <a:solidFill>
-                    <a:srgbClr val="000000"/>
-                  </a:solidFill>
-                  <a:uFillTx/>
-                  <a:latin typeface="Arial" pitchFamily="34"/>
-                  <a:ea typeface="ＭＳ Ｐゴシック"/>
-                </a:endParaRPr>
-              </a:p>
-            </p:txBody>
-          </p:sp>
-          <p:sp>
-            <p:nvSpPr>
-              <p:cNvPr id="204" name="Rechteck 35">
-                <a:extLst>
-                  <a:ext uri="{FF2B5EF4-FFF2-40B4-BE49-F238E27FC236}">
-                    <a16:creationId xmlns:a16="http://schemas.microsoft.com/office/drawing/2014/main" id="{4B119C40-0887-4793-A669-8179FC973384}"/>
-                  </a:ext>
-                </a:extLst>
-              </p:cNvPr>
-              <p:cNvSpPr/>
-              <p:nvPr/>
-            </p:nvSpPr>
-            <p:spPr>
-              <a:xfrm rot="5400013">
-                <a:off x="10764568" y="4457503"/>
-                <a:ext cx="319591" cy="1729569"/>
-              </a:xfrm>
-              <a:prstGeom prst="rect">
-                <a:avLst/>
-              </a:prstGeom>
-              <a:solidFill>
-                <a:srgbClr val="FF6600"/>
-              </a:solidFill>
-              <a:ln cap="flat">
-                <a:noFill/>
-                <a:prstDash val="solid"/>
-              </a:ln>
-            </p:spPr>
-            <p:txBody>
-              <a:bodyPr vert="horz" wrap="square" lIns="107688" tIns="53849" rIns="107688" bIns="53849" anchor="ctr" anchorCtr="1" compatLnSpc="1">
-                <a:noAutofit/>
-              </a:bodyPr>
-              <a:lstStyle/>
-              <a:p>
-                <a:pPr marL="0" marR="0" lvl="0" indent="0" algn="ctr" defTabSz="911839" rtl="0" fontAlgn="auto" hangingPunct="1">
-                  <a:lnSpc>
-                    <a:spcPct val="110000"/>
-                  </a:lnSpc>
-                  <a:spcBef>
-                    <a:spcPts val="0"/>
-                  </a:spcBef>
-                  <a:spcAft>
-                    <a:spcPts val="0"/>
-                  </a:spcAft>
-                  <a:buNone/>
-                  <a:tabLst/>
-                  <a:defRPr sz="1800" b="0" i="0" u="none" strike="noStrike" kern="0" cap="none" spc="0" baseline="0">
-                    <a:solidFill>
-                      <a:srgbClr val="000000"/>
-                    </a:solidFill>
-                    <a:uFillTx/>
-                  </a:defRPr>
-                </a:pPr>
-                <a:endParaRPr lang="de-DE" sz="1795" b="1" i="0" u="none" strike="noStrike" kern="1200" cap="none" spc="0" baseline="0">
-                  <a:solidFill>
-                    <a:srgbClr val="000000"/>
-                  </a:solidFill>
-                  <a:uFillTx/>
-                  <a:latin typeface="Arial" pitchFamily="34"/>
-                  <a:ea typeface="ＭＳ Ｐゴシック"/>
-                </a:endParaRPr>
-              </a:p>
-            </p:txBody>
-          </p:sp>
-          <p:sp>
-            <p:nvSpPr>
-              <p:cNvPr id="205" name="Rechteck 36">
-                <a:extLst>
-                  <a:ext uri="{FF2B5EF4-FFF2-40B4-BE49-F238E27FC236}">
-                    <a16:creationId xmlns:a16="http://schemas.microsoft.com/office/drawing/2014/main" id="{857CE4AF-6537-46B6-AA6C-595E6EB5DD61}"/>
-                  </a:ext>
-                </a:extLst>
-              </p:cNvPr>
-              <p:cNvSpPr/>
-              <p:nvPr/>
-            </p:nvSpPr>
-            <p:spPr>
-              <a:xfrm>
-                <a:off x="10764572" y="4871100"/>
-                <a:ext cx="319591" cy="319591"/>
-              </a:xfrm>
-              <a:prstGeom prst="rect">
-                <a:avLst/>
-              </a:prstGeom>
-              <a:solidFill>
-                <a:srgbClr val="FF6600"/>
-              </a:solidFill>
-              <a:ln cap="flat">
-                <a:noFill/>
-                <a:prstDash val="solid"/>
-              </a:ln>
-            </p:spPr>
-            <p:txBody>
-              <a:bodyPr vert="horz" wrap="square" lIns="107688" tIns="53849" rIns="107688" bIns="53849" anchor="ctr" anchorCtr="1" compatLnSpc="1">
-                <a:noAutofit/>
-              </a:bodyPr>
-              <a:lstStyle/>
-              <a:p>
-                <a:pPr marL="0" marR="0" lvl="0" indent="0" algn="ctr" defTabSz="911839" rtl="0" fontAlgn="auto" hangingPunct="1">
-                  <a:lnSpc>
-                    <a:spcPct val="110000"/>
-                  </a:lnSpc>
-                  <a:spcBef>
-                    <a:spcPts val="0"/>
-                  </a:spcBef>
-                  <a:spcAft>
-                    <a:spcPts val="0"/>
-                  </a:spcAft>
-                  <a:buNone/>
-                  <a:tabLst/>
-                  <a:defRPr sz="1800" b="0" i="0" u="none" strike="noStrike" kern="0" cap="none" spc="0" baseline="0">
-                    <a:solidFill>
-                      <a:srgbClr val="000000"/>
-                    </a:solidFill>
-                    <a:uFillTx/>
-                  </a:defRPr>
-                </a:pPr>
-                <a:endParaRPr lang="de-DE" sz="1795" b="1" i="0" u="none" strike="noStrike" kern="1200" cap="none" spc="0" baseline="0">
-                  <a:solidFill>
-                    <a:srgbClr val="000000"/>
-                  </a:solidFill>
-                  <a:uFillTx/>
-                  <a:latin typeface="Arial" pitchFamily="34"/>
-                  <a:ea typeface="ＭＳ Ｐゴシック"/>
-                </a:endParaRPr>
-              </a:p>
-            </p:txBody>
-          </p:sp>
-        </p:grpSp>
-        <p:sp>
-          <p:nvSpPr>
-            <p:cNvPr id="201" name="Textfeld 116">
-              <a:extLst>
-                <a:ext uri="{FF2B5EF4-FFF2-40B4-BE49-F238E27FC236}">
-                  <a16:creationId xmlns:a16="http://schemas.microsoft.com/office/drawing/2014/main" id="{82F344C0-2628-4BAD-8DE8-57C7389C0616}"/>
-                </a:ext>
-              </a:extLst>
-            </p:cNvPr>
-            <p:cNvSpPr txBox="1"/>
-            <p:nvPr/>
-          </p:nvSpPr>
-          <p:spPr>
-            <a:xfrm rot="10800000">
-              <a:off x="8336008" y="5207809"/>
-              <a:ext cx="1589949" cy="233748"/>
-            </a:xfrm>
-            <a:prstGeom prst="rect">
-              <a:avLst/>
-            </a:prstGeom>
-            <a:noFill/>
-            <a:ln cap="flat">
-              <a:noFill/>
-            </a:ln>
-          </p:spPr>
-          <p:txBody>
-            <a:bodyPr vert="horz" wrap="none" lIns="0" tIns="0" rIns="0" bIns="0" anchor="t" anchorCtr="0" compatLnSpc="1">
-              <a:noAutofit/>
-            </a:bodyPr>
-            <a:lstStyle/>
-            <a:p>
-              <a:pPr marL="0" marR="0" lvl="0" indent="0" algn="l" defTabSz="911839" rtl="0" fontAlgn="auto" hangingPunct="1">
-                <a:lnSpc>
-                  <a:spcPct val="110000"/>
-                </a:lnSpc>
-                <a:spcBef>
-                  <a:spcPts val="0"/>
-                </a:spcBef>
-                <a:spcAft>
-                  <a:spcPts val="0"/>
-                </a:spcAft>
-                <a:buNone/>
-                <a:tabLst/>
-                <a:defRPr sz="1800" b="0" i="0" u="none" strike="noStrike" kern="0" cap="none" spc="0" baseline="0">
-                  <a:solidFill>
-                    <a:srgbClr val="000000"/>
-                  </a:solidFill>
-                  <a:uFillTx/>
-                </a:defRPr>
-              </a:pPr>
-              <a:r>
-                <a:rPr lang="de-DE" sz="998" b="0" i="0" u="none" strike="noStrike" kern="1200" cap="none" spc="0" baseline="0" dirty="0">
-                  <a:solidFill>
-                    <a:srgbClr val="000000"/>
-                  </a:solidFill>
-                  <a:uFillTx/>
-                  <a:latin typeface="Arial" pitchFamily="34"/>
-                  <a:ea typeface="ＭＳ Ｐゴシック"/>
-                </a:rPr>
-                <a:t>Integration </a:t>
-              </a:r>
-              <a:r>
-                <a:rPr lang="en-US" sz="998" b="0" i="0" u="none" strike="noStrike" kern="1200" cap="none" spc="0" baseline="0" dirty="0">
-                  <a:solidFill>
-                    <a:srgbClr val="000000"/>
-                  </a:solidFill>
-                  <a:uFillTx/>
-                  <a:latin typeface="Arial" pitchFamily="34"/>
-                  <a:ea typeface="ＭＳ Ｐゴシック"/>
-                </a:rPr>
-                <a:t>layer</a:t>
-              </a:r>
-              <a:r>
-                <a:rPr lang="de-DE" sz="998" b="0" i="0" u="none" strike="noStrike" kern="1200" cap="none" spc="0" baseline="0" dirty="0">
-                  <a:solidFill>
-                    <a:srgbClr val="000000"/>
-                  </a:solidFill>
-                  <a:uFillTx/>
-                  <a:latin typeface="Arial" pitchFamily="34"/>
-                  <a:ea typeface="ＭＳ Ｐゴシック"/>
-                </a:rPr>
-                <a:t> (API/Data)</a:t>
-              </a:r>
-            </a:p>
-          </p:txBody>
-        </p:sp>
-      </p:grpSp>
-      <p:grpSp>
-        <p:nvGrpSpPr>
-          <p:cNvPr id="206" name="Gruppieren 205">
-            <a:extLst>
-              <a:ext uri="{FF2B5EF4-FFF2-40B4-BE49-F238E27FC236}">
-                <a16:creationId xmlns:a16="http://schemas.microsoft.com/office/drawing/2014/main" id="{8639C6D5-63BF-444B-AA3A-664F4C0375A1}"/>
-              </a:ext>
-            </a:extLst>
-          </p:cNvPr>
-          <p:cNvGrpSpPr/>
-          <p:nvPr/>
-        </p:nvGrpSpPr>
-        <p:grpSpPr>
-          <a:xfrm rot="10800000">
-            <a:off x="6487280" y="2016664"/>
-            <a:ext cx="1729569" cy="1278386"/>
-            <a:chOff x="8245573" y="4871100"/>
-            <a:chExt cx="1729569" cy="1278386"/>
-          </a:xfrm>
-        </p:grpSpPr>
-        <p:grpSp>
-          <p:nvGrpSpPr>
-            <p:cNvPr id="207" name="Gruppieren 32">
-              <a:extLst>
-                <a:ext uri="{FF2B5EF4-FFF2-40B4-BE49-F238E27FC236}">
-                  <a16:creationId xmlns:a16="http://schemas.microsoft.com/office/drawing/2014/main" id="{F3BAB3F7-14F8-440A-B31A-4C535431F024}"/>
-                </a:ext>
-              </a:extLst>
-            </p:cNvPr>
-            <p:cNvGrpSpPr/>
-            <p:nvPr/>
-          </p:nvGrpSpPr>
-          <p:grpSpPr>
-            <a:xfrm>
-              <a:off x="8245573" y="4871100"/>
-              <a:ext cx="1729569" cy="1278386"/>
-              <a:chOff x="10059579" y="4871100"/>
-              <a:chExt cx="1729569" cy="1278386"/>
-            </a:xfrm>
-          </p:grpSpPr>
-          <p:sp>
-            <p:nvSpPr>
-              <p:cNvPr id="209" name="Rechteck 33">
-                <a:extLst>
-                  <a:ext uri="{FF2B5EF4-FFF2-40B4-BE49-F238E27FC236}">
-                    <a16:creationId xmlns:a16="http://schemas.microsoft.com/office/drawing/2014/main" id="{CDE3219B-C1F6-45F2-ACA0-E7483D738B91}"/>
-                  </a:ext>
-                </a:extLst>
-              </p:cNvPr>
-              <p:cNvSpPr/>
-              <p:nvPr/>
-            </p:nvSpPr>
-            <p:spPr>
-              <a:xfrm>
-                <a:off x="10059588" y="5162501"/>
-                <a:ext cx="319591" cy="986985"/>
-              </a:xfrm>
-              <a:prstGeom prst="rect">
-                <a:avLst/>
-              </a:prstGeom>
-              <a:solidFill>
-                <a:srgbClr val="FF6600"/>
-              </a:solidFill>
-              <a:ln cap="flat">
-                <a:noFill/>
-                <a:prstDash val="solid"/>
-              </a:ln>
-            </p:spPr>
-            <p:txBody>
-              <a:bodyPr vert="horz" wrap="square" lIns="107688" tIns="53849" rIns="107688" bIns="53849" anchor="ctr" anchorCtr="1" compatLnSpc="1">
-                <a:noAutofit/>
-              </a:bodyPr>
-              <a:lstStyle/>
-              <a:p>
-                <a:pPr marL="0" marR="0" lvl="0" indent="0" algn="ctr" defTabSz="911839" rtl="0" fontAlgn="auto" hangingPunct="1">
-                  <a:lnSpc>
-                    <a:spcPct val="110000"/>
-                  </a:lnSpc>
-                  <a:spcBef>
-                    <a:spcPts val="0"/>
-                  </a:spcBef>
-                  <a:spcAft>
-                    <a:spcPts val="0"/>
-                  </a:spcAft>
-                  <a:buNone/>
-                  <a:tabLst/>
-                  <a:defRPr sz="1800" b="0" i="0" u="none" strike="noStrike" kern="0" cap="none" spc="0" baseline="0">
-                    <a:solidFill>
-                      <a:srgbClr val="000000"/>
-                    </a:solidFill>
-                    <a:uFillTx/>
-                  </a:defRPr>
-                </a:pPr>
-                <a:endParaRPr lang="de-DE" sz="1795" b="1" i="0" u="none" strike="noStrike" kern="1200" cap="none" spc="0" baseline="0">
-                  <a:solidFill>
-                    <a:srgbClr val="000000"/>
-                  </a:solidFill>
-                  <a:uFillTx/>
-                  <a:latin typeface="Arial" pitchFamily="34"/>
-                  <a:ea typeface="ＭＳ Ｐゴシック"/>
-                </a:endParaRPr>
-              </a:p>
-            </p:txBody>
-          </p:sp>
-          <p:sp>
-            <p:nvSpPr>
-              <p:cNvPr id="210" name="Rechteck 34">
-                <a:extLst>
-                  <a:ext uri="{FF2B5EF4-FFF2-40B4-BE49-F238E27FC236}">
-                    <a16:creationId xmlns:a16="http://schemas.microsoft.com/office/drawing/2014/main" id="{28F4B22F-68A2-4C6E-8C04-6A45A2621243}"/>
-                  </a:ext>
-                </a:extLst>
-              </p:cNvPr>
-              <p:cNvSpPr/>
-              <p:nvPr/>
-            </p:nvSpPr>
-            <p:spPr>
-              <a:xfrm>
-                <a:off x="11469556" y="5162501"/>
-                <a:ext cx="319591" cy="986985"/>
-              </a:xfrm>
-              <a:prstGeom prst="rect">
-                <a:avLst/>
-              </a:prstGeom>
-              <a:solidFill>
-                <a:srgbClr val="FF6600"/>
-              </a:solidFill>
-              <a:ln cap="flat">
-                <a:noFill/>
-                <a:prstDash val="solid"/>
-              </a:ln>
-            </p:spPr>
-            <p:txBody>
-              <a:bodyPr vert="horz" wrap="square" lIns="107688" tIns="53849" rIns="107688" bIns="53849" anchor="ctr" anchorCtr="1" compatLnSpc="1">
-                <a:noAutofit/>
-              </a:bodyPr>
-              <a:lstStyle/>
-              <a:p>
-                <a:pPr marL="0" marR="0" lvl="0" indent="0" algn="ctr" defTabSz="911839" rtl="0" fontAlgn="auto" hangingPunct="1">
-                  <a:lnSpc>
-                    <a:spcPct val="110000"/>
-                  </a:lnSpc>
-                  <a:spcBef>
-                    <a:spcPts val="0"/>
-                  </a:spcBef>
-                  <a:spcAft>
-                    <a:spcPts val="0"/>
-                  </a:spcAft>
-                  <a:buNone/>
-                  <a:tabLst/>
-                  <a:defRPr sz="1800" b="0" i="0" u="none" strike="noStrike" kern="0" cap="none" spc="0" baseline="0">
-                    <a:solidFill>
-                      <a:srgbClr val="000000"/>
-                    </a:solidFill>
-                    <a:uFillTx/>
-                  </a:defRPr>
-                </a:pPr>
-                <a:endParaRPr lang="de-DE" sz="1795" b="1" i="0" u="none" strike="noStrike" kern="1200" cap="none" spc="0" baseline="0">
-                  <a:solidFill>
-                    <a:srgbClr val="000000"/>
-                  </a:solidFill>
-                  <a:uFillTx/>
-                  <a:latin typeface="Arial" pitchFamily="34"/>
-                  <a:ea typeface="ＭＳ Ｐゴシック"/>
-                </a:endParaRPr>
-              </a:p>
-            </p:txBody>
-          </p:sp>
-          <p:sp>
-            <p:nvSpPr>
-              <p:cNvPr id="211" name="Rechteck 35">
-                <a:extLst>
-                  <a:ext uri="{FF2B5EF4-FFF2-40B4-BE49-F238E27FC236}">
-                    <a16:creationId xmlns:a16="http://schemas.microsoft.com/office/drawing/2014/main" id="{E7C117ED-2E25-425F-AD26-37DB876A82B8}"/>
-                  </a:ext>
-                </a:extLst>
-              </p:cNvPr>
-              <p:cNvSpPr/>
-              <p:nvPr/>
-            </p:nvSpPr>
-            <p:spPr>
-              <a:xfrm rot="5400013">
-                <a:off x="10764568" y="4457503"/>
-                <a:ext cx="319591" cy="1729569"/>
-              </a:xfrm>
-              <a:prstGeom prst="rect">
-                <a:avLst/>
-              </a:prstGeom>
-              <a:solidFill>
-                <a:srgbClr val="FF6600"/>
-              </a:solidFill>
-              <a:ln cap="flat">
-                <a:noFill/>
-                <a:prstDash val="solid"/>
-              </a:ln>
-            </p:spPr>
-            <p:txBody>
-              <a:bodyPr vert="horz" wrap="square" lIns="107688" tIns="53849" rIns="107688" bIns="53849" anchor="ctr" anchorCtr="1" compatLnSpc="1">
-                <a:noAutofit/>
-              </a:bodyPr>
-              <a:lstStyle/>
-              <a:p>
-                <a:pPr marL="0" marR="0" lvl="0" indent="0" algn="ctr" defTabSz="911839" rtl="0" fontAlgn="auto" hangingPunct="1">
-                  <a:lnSpc>
-                    <a:spcPct val="110000"/>
-                  </a:lnSpc>
-                  <a:spcBef>
-                    <a:spcPts val="0"/>
-                  </a:spcBef>
-                  <a:spcAft>
-                    <a:spcPts val="0"/>
-                  </a:spcAft>
-                  <a:buNone/>
-                  <a:tabLst/>
-                  <a:defRPr sz="1800" b="0" i="0" u="none" strike="noStrike" kern="0" cap="none" spc="0" baseline="0">
-                    <a:solidFill>
-                      <a:srgbClr val="000000"/>
-                    </a:solidFill>
-                    <a:uFillTx/>
-                  </a:defRPr>
-                </a:pPr>
-                <a:endParaRPr lang="de-DE" sz="1795" b="1" i="0" u="none" strike="noStrike" kern="1200" cap="none" spc="0" baseline="0">
-                  <a:solidFill>
-                    <a:srgbClr val="000000"/>
-                  </a:solidFill>
-                  <a:uFillTx/>
-                  <a:latin typeface="Arial" pitchFamily="34"/>
-                  <a:ea typeface="ＭＳ Ｐゴシック"/>
-                </a:endParaRPr>
-              </a:p>
-            </p:txBody>
-          </p:sp>
-          <p:sp>
-            <p:nvSpPr>
-              <p:cNvPr id="212" name="Rechteck 36">
-                <a:extLst>
-                  <a:ext uri="{FF2B5EF4-FFF2-40B4-BE49-F238E27FC236}">
-                    <a16:creationId xmlns:a16="http://schemas.microsoft.com/office/drawing/2014/main" id="{32ECF889-9C98-4C3A-9939-D4CDF1523475}"/>
-                  </a:ext>
-                </a:extLst>
-              </p:cNvPr>
-              <p:cNvSpPr/>
-              <p:nvPr/>
-            </p:nvSpPr>
-            <p:spPr>
-              <a:xfrm>
-                <a:off x="10764572" y="4871100"/>
-                <a:ext cx="319591" cy="319591"/>
-              </a:xfrm>
-              <a:prstGeom prst="rect">
-                <a:avLst/>
-              </a:prstGeom>
-              <a:solidFill>
-                <a:srgbClr val="FF6600"/>
-              </a:solidFill>
-              <a:ln cap="flat">
-                <a:noFill/>
-                <a:prstDash val="solid"/>
-              </a:ln>
-            </p:spPr>
-            <p:txBody>
-              <a:bodyPr vert="horz" wrap="square" lIns="107688" tIns="53849" rIns="107688" bIns="53849" anchor="ctr" anchorCtr="1" compatLnSpc="1">
-                <a:noAutofit/>
-              </a:bodyPr>
-              <a:lstStyle/>
-              <a:p>
-                <a:pPr marL="0" marR="0" lvl="0" indent="0" algn="ctr" defTabSz="911839" rtl="0" fontAlgn="auto" hangingPunct="1">
-                  <a:lnSpc>
-                    <a:spcPct val="110000"/>
-                  </a:lnSpc>
-                  <a:spcBef>
-                    <a:spcPts val="0"/>
-                  </a:spcBef>
-                  <a:spcAft>
-                    <a:spcPts val="0"/>
-                  </a:spcAft>
-                  <a:buNone/>
-                  <a:tabLst/>
-                  <a:defRPr sz="1800" b="0" i="0" u="none" strike="noStrike" kern="0" cap="none" spc="0" baseline="0">
-                    <a:solidFill>
-                      <a:srgbClr val="000000"/>
-                    </a:solidFill>
-                    <a:uFillTx/>
-                  </a:defRPr>
-                </a:pPr>
-                <a:endParaRPr lang="de-DE" sz="1795" b="1" i="0" u="none" strike="noStrike" kern="1200" cap="none" spc="0" baseline="0">
-                  <a:solidFill>
-                    <a:srgbClr val="000000"/>
-                  </a:solidFill>
-                  <a:uFillTx/>
-                  <a:latin typeface="Arial" pitchFamily="34"/>
-                  <a:ea typeface="ＭＳ Ｐゴシック"/>
-                </a:endParaRPr>
-              </a:p>
-            </p:txBody>
-          </p:sp>
-        </p:grpSp>
-        <p:sp>
-          <p:nvSpPr>
-            <p:cNvPr id="208" name="Textfeld 116">
-              <a:extLst>
-                <a:ext uri="{FF2B5EF4-FFF2-40B4-BE49-F238E27FC236}">
-                  <a16:creationId xmlns:a16="http://schemas.microsoft.com/office/drawing/2014/main" id="{15DEA490-DA39-4A39-A521-0F53A568E5C9}"/>
-                </a:ext>
-              </a:extLst>
-            </p:cNvPr>
-            <p:cNvSpPr txBox="1"/>
-            <p:nvPr/>
-          </p:nvSpPr>
-          <p:spPr>
-            <a:xfrm rot="10800000">
-              <a:off x="8336008" y="5207809"/>
-              <a:ext cx="1589949" cy="233748"/>
-            </a:xfrm>
-            <a:prstGeom prst="rect">
-              <a:avLst/>
-            </a:prstGeom>
-            <a:noFill/>
-            <a:ln cap="flat">
-              <a:noFill/>
-            </a:ln>
-          </p:spPr>
-          <p:txBody>
-            <a:bodyPr vert="horz" wrap="none" lIns="0" tIns="0" rIns="0" bIns="0" anchor="t" anchorCtr="0" compatLnSpc="1">
-              <a:noAutofit/>
-            </a:bodyPr>
-            <a:lstStyle/>
-            <a:p>
-              <a:pPr marL="0" marR="0" lvl="0" indent="0" algn="l" defTabSz="911839" rtl="0" fontAlgn="auto" hangingPunct="1">
-                <a:lnSpc>
-                  <a:spcPct val="110000"/>
-                </a:lnSpc>
-                <a:spcBef>
-                  <a:spcPts val="0"/>
-                </a:spcBef>
-                <a:spcAft>
-                  <a:spcPts val="0"/>
-                </a:spcAft>
-                <a:buNone/>
-                <a:tabLst/>
-                <a:defRPr sz="1800" b="0" i="0" u="none" strike="noStrike" kern="0" cap="none" spc="0" baseline="0">
-                  <a:solidFill>
-                    <a:srgbClr val="000000"/>
-                  </a:solidFill>
-                  <a:uFillTx/>
-                </a:defRPr>
-              </a:pPr>
-              <a:r>
-                <a:rPr lang="de-DE" sz="998" b="0" i="0" u="none" strike="noStrike" kern="1200" cap="none" spc="0" baseline="0" dirty="0">
-                  <a:solidFill>
-                    <a:srgbClr val="000000"/>
-                  </a:solidFill>
-                  <a:uFillTx/>
-                  <a:latin typeface="Arial" pitchFamily="34"/>
-                  <a:ea typeface="ＭＳ Ｐゴシック"/>
-                </a:rPr>
-                <a:t>Integration </a:t>
-              </a:r>
-              <a:r>
-                <a:rPr lang="en-US" sz="998" b="0" i="0" u="none" strike="noStrike" kern="1200" cap="none" spc="0" baseline="0" dirty="0">
-                  <a:solidFill>
-                    <a:srgbClr val="000000"/>
-                  </a:solidFill>
-                  <a:uFillTx/>
-                  <a:latin typeface="Arial" pitchFamily="34"/>
-                  <a:ea typeface="ＭＳ Ｐゴシック"/>
-                </a:rPr>
-                <a:t>layer</a:t>
-              </a:r>
-              <a:r>
-                <a:rPr lang="de-DE" sz="998" b="0" i="0" u="none" strike="noStrike" kern="1200" cap="none" spc="0" baseline="0" dirty="0">
-                  <a:solidFill>
-                    <a:srgbClr val="000000"/>
-                  </a:solidFill>
-                  <a:uFillTx/>
-                  <a:latin typeface="Arial" pitchFamily="34"/>
-                  <a:ea typeface="ＭＳ Ｐゴシック"/>
-                </a:rPr>
-                <a:t> (API/Data)</a:t>
-              </a:r>
-            </a:p>
-          </p:txBody>
-        </p:sp>
-      </p:grpSp>
-      <p:grpSp>
-        <p:nvGrpSpPr>
-          <p:cNvPr id="213" name="Gruppieren 212">
-            <a:extLst>
-              <a:ext uri="{FF2B5EF4-FFF2-40B4-BE49-F238E27FC236}">
-                <a16:creationId xmlns:a16="http://schemas.microsoft.com/office/drawing/2014/main" id="{FB9E2AB4-3099-4391-AB98-AFE1A7F2A8BB}"/>
-              </a:ext>
-            </a:extLst>
-          </p:cNvPr>
-          <p:cNvGrpSpPr/>
-          <p:nvPr/>
-        </p:nvGrpSpPr>
-        <p:grpSpPr>
-          <a:xfrm rot="10800000">
-            <a:off x="8262313" y="2016664"/>
-            <a:ext cx="1729569" cy="1278386"/>
-            <a:chOff x="8245573" y="4871100"/>
-            <a:chExt cx="1729569" cy="1278386"/>
-          </a:xfrm>
-        </p:grpSpPr>
-        <p:grpSp>
-          <p:nvGrpSpPr>
-            <p:cNvPr id="214" name="Gruppieren 32">
-              <a:extLst>
-                <a:ext uri="{FF2B5EF4-FFF2-40B4-BE49-F238E27FC236}">
-                  <a16:creationId xmlns:a16="http://schemas.microsoft.com/office/drawing/2014/main" id="{5D03575C-1956-4EAD-B353-723566E2C0CE}"/>
-                </a:ext>
-              </a:extLst>
-            </p:cNvPr>
-            <p:cNvGrpSpPr/>
-            <p:nvPr/>
-          </p:nvGrpSpPr>
-          <p:grpSpPr>
-            <a:xfrm>
-              <a:off x="8245573" y="4871100"/>
-              <a:ext cx="1729569" cy="1278386"/>
-              <a:chOff x="10059579" y="4871100"/>
-              <a:chExt cx="1729569" cy="1278386"/>
-            </a:xfrm>
-          </p:grpSpPr>
-          <p:sp>
-            <p:nvSpPr>
-              <p:cNvPr id="216" name="Rechteck 33">
-                <a:extLst>
-                  <a:ext uri="{FF2B5EF4-FFF2-40B4-BE49-F238E27FC236}">
-                    <a16:creationId xmlns:a16="http://schemas.microsoft.com/office/drawing/2014/main" id="{0BC4F536-9ED5-484B-A373-476F6DEA4827}"/>
-                  </a:ext>
-                </a:extLst>
-              </p:cNvPr>
-              <p:cNvSpPr/>
-              <p:nvPr/>
-            </p:nvSpPr>
-            <p:spPr>
-              <a:xfrm>
-                <a:off x="10059588" y="5162501"/>
-                <a:ext cx="319591" cy="986985"/>
-              </a:xfrm>
-              <a:prstGeom prst="rect">
-                <a:avLst/>
-              </a:prstGeom>
-              <a:solidFill>
-                <a:srgbClr val="FF6600"/>
-              </a:solidFill>
-              <a:ln cap="flat">
-                <a:noFill/>
-                <a:prstDash val="solid"/>
-              </a:ln>
-            </p:spPr>
-            <p:txBody>
-              <a:bodyPr vert="horz" wrap="square" lIns="107688" tIns="53849" rIns="107688" bIns="53849" anchor="ctr" anchorCtr="1" compatLnSpc="1">
-                <a:noAutofit/>
-              </a:bodyPr>
-              <a:lstStyle/>
-              <a:p>
-                <a:pPr marL="0" marR="0" lvl="0" indent="0" algn="ctr" defTabSz="911839" rtl="0" fontAlgn="auto" hangingPunct="1">
-                  <a:lnSpc>
-                    <a:spcPct val="110000"/>
-                  </a:lnSpc>
-                  <a:spcBef>
-                    <a:spcPts val="0"/>
-                  </a:spcBef>
-                  <a:spcAft>
-                    <a:spcPts val="0"/>
-                  </a:spcAft>
-                  <a:buNone/>
-                  <a:tabLst/>
-                  <a:defRPr sz="1800" b="0" i="0" u="none" strike="noStrike" kern="0" cap="none" spc="0" baseline="0">
-                    <a:solidFill>
-                      <a:srgbClr val="000000"/>
-                    </a:solidFill>
-                    <a:uFillTx/>
-                  </a:defRPr>
-                </a:pPr>
-                <a:endParaRPr lang="de-DE" sz="1795" b="1" i="0" u="none" strike="noStrike" kern="1200" cap="none" spc="0" baseline="0">
-                  <a:solidFill>
-                    <a:srgbClr val="000000"/>
-                  </a:solidFill>
-                  <a:uFillTx/>
-                  <a:latin typeface="Arial" pitchFamily="34"/>
-                  <a:ea typeface="ＭＳ Ｐゴシック"/>
-                </a:endParaRPr>
-              </a:p>
-            </p:txBody>
-          </p:sp>
-          <p:sp>
-            <p:nvSpPr>
-              <p:cNvPr id="217" name="Rechteck 34">
-                <a:extLst>
-                  <a:ext uri="{FF2B5EF4-FFF2-40B4-BE49-F238E27FC236}">
-                    <a16:creationId xmlns:a16="http://schemas.microsoft.com/office/drawing/2014/main" id="{98CFCE7E-55FB-40A6-A163-953DB18DB49F}"/>
-                  </a:ext>
-                </a:extLst>
-              </p:cNvPr>
-              <p:cNvSpPr/>
-              <p:nvPr/>
-            </p:nvSpPr>
-            <p:spPr>
-              <a:xfrm>
-                <a:off x="11469556" y="5162501"/>
-                <a:ext cx="319591" cy="986985"/>
-              </a:xfrm>
-              <a:prstGeom prst="rect">
-                <a:avLst/>
-              </a:prstGeom>
-              <a:solidFill>
-                <a:srgbClr val="FF6600"/>
-              </a:solidFill>
-              <a:ln cap="flat">
-                <a:noFill/>
-                <a:prstDash val="solid"/>
-              </a:ln>
-            </p:spPr>
-            <p:txBody>
-              <a:bodyPr vert="horz" wrap="square" lIns="107688" tIns="53849" rIns="107688" bIns="53849" anchor="ctr" anchorCtr="1" compatLnSpc="1">
-                <a:noAutofit/>
-              </a:bodyPr>
-              <a:lstStyle/>
-              <a:p>
-                <a:pPr marL="0" marR="0" lvl="0" indent="0" algn="ctr" defTabSz="911839" rtl="0" fontAlgn="auto" hangingPunct="1">
-                  <a:lnSpc>
-                    <a:spcPct val="110000"/>
-                  </a:lnSpc>
-                  <a:spcBef>
-                    <a:spcPts val="0"/>
-                  </a:spcBef>
-                  <a:spcAft>
-                    <a:spcPts val="0"/>
-                  </a:spcAft>
-                  <a:buNone/>
-                  <a:tabLst/>
-                  <a:defRPr sz="1800" b="0" i="0" u="none" strike="noStrike" kern="0" cap="none" spc="0" baseline="0">
-                    <a:solidFill>
-                      <a:srgbClr val="000000"/>
-                    </a:solidFill>
-                    <a:uFillTx/>
-                  </a:defRPr>
-                </a:pPr>
-                <a:endParaRPr lang="de-DE" sz="1795" b="1" i="0" u="none" strike="noStrike" kern="1200" cap="none" spc="0" baseline="0">
-                  <a:solidFill>
-                    <a:srgbClr val="000000"/>
-                  </a:solidFill>
-                  <a:uFillTx/>
-                  <a:latin typeface="Arial" pitchFamily="34"/>
-                  <a:ea typeface="ＭＳ Ｐゴシック"/>
-                </a:endParaRPr>
-              </a:p>
-            </p:txBody>
-          </p:sp>
-          <p:sp>
-            <p:nvSpPr>
-              <p:cNvPr id="218" name="Rechteck 35">
-                <a:extLst>
-                  <a:ext uri="{FF2B5EF4-FFF2-40B4-BE49-F238E27FC236}">
-                    <a16:creationId xmlns:a16="http://schemas.microsoft.com/office/drawing/2014/main" id="{F485410E-E870-477F-B10B-6848DD0C4889}"/>
-                  </a:ext>
-                </a:extLst>
-              </p:cNvPr>
-              <p:cNvSpPr/>
-              <p:nvPr/>
-            </p:nvSpPr>
-            <p:spPr>
-              <a:xfrm rot="5400013">
-                <a:off x="10764568" y="4457503"/>
-                <a:ext cx="319591" cy="1729569"/>
-              </a:xfrm>
-              <a:prstGeom prst="rect">
-                <a:avLst/>
-              </a:prstGeom>
-              <a:solidFill>
-                <a:srgbClr val="FF6600"/>
-              </a:solidFill>
-              <a:ln cap="flat">
-                <a:noFill/>
-                <a:prstDash val="solid"/>
-              </a:ln>
-            </p:spPr>
-            <p:txBody>
-              <a:bodyPr vert="horz" wrap="square" lIns="107688" tIns="53849" rIns="107688" bIns="53849" anchor="ctr" anchorCtr="1" compatLnSpc="1">
-                <a:noAutofit/>
-              </a:bodyPr>
-              <a:lstStyle/>
-              <a:p>
-                <a:pPr marL="0" marR="0" lvl="0" indent="0" algn="ctr" defTabSz="911839" rtl="0" fontAlgn="auto" hangingPunct="1">
-                  <a:lnSpc>
-                    <a:spcPct val="110000"/>
-                  </a:lnSpc>
-                  <a:spcBef>
-                    <a:spcPts val="0"/>
-                  </a:spcBef>
-                  <a:spcAft>
-                    <a:spcPts val="0"/>
-                  </a:spcAft>
-                  <a:buNone/>
-                  <a:tabLst/>
-                  <a:defRPr sz="1800" b="0" i="0" u="none" strike="noStrike" kern="0" cap="none" spc="0" baseline="0">
-                    <a:solidFill>
-                      <a:srgbClr val="000000"/>
-                    </a:solidFill>
-                    <a:uFillTx/>
-                  </a:defRPr>
-                </a:pPr>
-                <a:endParaRPr lang="de-DE" sz="1795" b="1" i="0" u="none" strike="noStrike" kern="1200" cap="none" spc="0" baseline="0">
-                  <a:solidFill>
-                    <a:srgbClr val="000000"/>
-                  </a:solidFill>
-                  <a:uFillTx/>
-                  <a:latin typeface="Arial" pitchFamily="34"/>
-                  <a:ea typeface="ＭＳ Ｐゴシック"/>
-                </a:endParaRPr>
-              </a:p>
-            </p:txBody>
-          </p:sp>
-          <p:sp>
-            <p:nvSpPr>
-              <p:cNvPr id="264" name="Rechteck 36">
-                <a:extLst>
-                  <a:ext uri="{FF2B5EF4-FFF2-40B4-BE49-F238E27FC236}">
-                    <a16:creationId xmlns:a16="http://schemas.microsoft.com/office/drawing/2014/main" id="{1FC64F8E-BFE4-4A29-93D8-4BB5E21AC00D}"/>
-                  </a:ext>
-                </a:extLst>
-              </p:cNvPr>
-              <p:cNvSpPr/>
-              <p:nvPr/>
-            </p:nvSpPr>
-            <p:spPr>
-              <a:xfrm>
-                <a:off x="10764572" y="4871100"/>
-                <a:ext cx="319591" cy="319591"/>
-              </a:xfrm>
-              <a:prstGeom prst="rect">
-                <a:avLst/>
-              </a:prstGeom>
-              <a:solidFill>
-                <a:srgbClr val="FF6600"/>
-              </a:solidFill>
-              <a:ln cap="flat">
-                <a:noFill/>
-                <a:prstDash val="solid"/>
-              </a:ln>
-            </p:spPr>
-            <p:txBody>
-              <a:bodyPr vert="horz" wrap="square" lIns="107688" tIns="53849" rIns="107688" bIns="53849" anchor="ctr" anchorCtr="1" compatLnSpc="1">
-                <a:noAutofit/>
-              </a:bodyPr>
-              <a:lstStyle/>
-              <a:p>
-                <a:pPr marL="0" marR="0" lvl="0" indent="0" algn="ctr" defTabSz="911839" rtl="0" fontAlgn="auto" hangingPunct="1">
-                  <a:lnSpc>
-                    <a:spcPct val="110000"/>
-                  </a:lnSpc>
-                  <a:spcBef>
-                    <a:spcPts val="0"/>
-                  </a:spcBef>
-                  <a:spcAft>
-                    <a:spcPts val="0"/>
-                  </a:spcAft>
-                  <a:buNone/>
-                  <a:tabLst/>
-                  <a:defRPr sz="1800" b="0" i="0" u="none" strike="noStrike" kern="0" cap="none" spc="0" baseline="0">
-                    <a:solidFill>
-                      <a:srgbClr val="000000"/>
-                    </a:solidFill>
-                    <a:uFillTx/>
-                  </a:defRPr>
-                </a:pPr>
-                <a:endParaRPr lang="de-DE" sz="1795" b="1" i="0" u="none" strike="noStrike" kern="1200" cap="none" spc="0" baseline="0">
-                  <a:solidFill>
-                    <a:srgbClr val="000000"/>
-                  </a:solidFill>
-                  <a:uFillTx/>
-                  <a:latin typeface="Arial" pitchFamily="34"/>
-                  <a:ea typeface="ＭＳ Ｐゴシック"/>
-                </a:endParaRPr>
-              </a:p>
-            </p:txBody>
-          </p:sp>
-        </p:grpSp>
-        <p:sp>
-          <p:nvSpPr>
-            <p:cNvPr id="215" name="Textfeld 116">
-              <a:extLst>
-                <a:ext uri="{FF2B5EF4-FFF2-40B4-BE49-F238E27FC236}">
-                  <a16:creationId xmlns:a16="http://schemas.microsoft.com/office/drawing/2014/main" id="{7F79ADDE-0DC7-400B-ACE7-19928FBFE203}"/>
-                </a:ext>
-              </a:extLst>
-            </p:cNvPr>
-            <p:cNvSpPr txBox="1"/>
-            <p:nvPr/>
-          </p:nvSpPr>
-          <p:spPr>
-            <a:xfrm rot="10800000">
-              <a:off x="8336008" y="5207809"/>
-              <a:ext cx="1589949" cy="233748"/>
-            </a:xfrm>
-            <a:prstGeom prst="rect">
-              <a:avLst/>
-            </a:prstGeom>
-            <a:noFill/>
-            <a:ln cap="flat">
-              <a:noFill/>
-            </a:ln>
-          </p:spPr>
-          <p:txBody>
-            <a:bodyPr vert="horz" wrap="none" lIns="0" tIns="0" rIns="0" bIns="0" anchor="t" anchorCtr="0" compatLnSpc="1">
-              <a:noAutofit/>
-            </a:bodyPr>
-            <a:lstStyle/>
-            <a:p>
-              <a:pPr marL="0" marR="0" lvl="0" indent="0" algn="l" defTabSz="911839" rtl="0" fontAlgn="auto" hangingPunct="1">
-                <a:lnSpc>
-                  <a:spcPct val="110000"/>
-                </a:lnSpc>
-                <a:spcBef>
-                  <a:spcPts val="0"/>
-                </a:spcBef>
-                <a:spcAft>
-                  <a:spcPts val="0"/>
-                </a:spcAft>
-                <a:buNone/>
-                <a:tabLst/>
-                <a:defRPr sz="1800" b="0" i="0" u="none" strike="noStrike" kern="0" cap="none" spc="0" baseline="0">
-                  <a:solidFill>
-                    <a:srgbClr val="000000"/>
-                  </a:solidFill>
-                  <a:uFillTx/>
-                </a:defRPr>
-              </a:pPr>
-              <a:r>
-                <a:rPr lang="de-DE" sz="998" b="0" i="0" u="none" strike="noStrike" kern="1200" cap="none" spc="0" baseline="0" dirty="0">
-                  <a:solidFill>
-                    <a:srgbClr val="000000"/>
-                  </a:solidFill>
-                  <a:uFillTx/>
-                  <a:latin typeface="Arial" pitchFamily="34"/>
-                  <a:ea typeface="ＭＳ Ｐゴシック"/>
-                </a:rPr>
-                <a:t>Integration </a:t>
-              </a:r>
-              <a:r>
-                <a:rPr lang="en-US" sz="998" b="0" i="0" u="none" strike="noStrike" kern="1200" cap="none" spc="0" baseline="0" dirty="0">
-                  <a:solidFill>
-                    <a:srgbClr val="000000"/>
-                  </a:solidFill>
-                  <a:uFillTx/>
-                  <a:latin typeface="Arial" pitchFamily="34"/>
-                  <a:ea typeface="ＭＳ Ｐゴシック"/>
-                </a:rPr>
-                <a:t>layer</a:t>
-              </a:r>
-              <a:r>
-                <a:rPr lang="de-DE" sz="998" b="0" i="0" u="none" strike="noStrike" kern="1200" cap="none" spc="0" baseline="0" dirty="0">
-                  <a:solidFill>
-                    <a:srgbClr val="000000"/>
-                  </a:solidFill>
-                  <a:uFillTx/>
-                  <a:latin typeface="Arial" pitchFamily="34"/>
-                  <a:ea typeface="ＭＳ Ｐゴシック"/>
-                </a:rPr>
-                <a:t> (API/Data)</a:t>
-              </a:r>
-            </a:p>
-          </p:txBody>
-        </p:sp>
-      </p:grpSp>
-      <p:grpSp>
-        <p:nvGrpSpPr>
-          <p:cNvPr id="265" name="Gruppieren 264">
-            <a:extLst>
-              <a:ext uri="{FF2B5EF4-FFF2-40B4-BE49-F238E27FC236}">
-                <a16:creationId xmlns:a16="http://schemas.microsoft.com/office/drawing/2014/main" id="{786B5A98-3277-45C3-84BE-75CA4FE7921E}"/>
-              </a:ext>
-            </a:extLst>
-          </p:cNvPr>
-          <p:cNvGrpSpPr/>
-          <p:nvPr/>
-        </p:nvGrpSpPr>
-        <p:grpSpPr>
-          <a:xfrm rot="10800000">
-            <a:off x="10059578" y="2016664"/>
-            <a:ext cx="1729569" cy="1278386"/>
-            <a:chOff x="8245573" y="4871100"/>
-            <a:chExt cx="1729569" cy="1278386"/>
-          </a:xfrm>
-        </p:grpSpPr>
-        <p:grpSp>
-          <p:nvGrpSpPr>
-            <p:cNvPr id="266" name="Gruppieren 32">
-              <a:extLst>
-                <a:ext uri="{FF2B5EF4-FFF2-40B4-BE49-F238E27FC236}">
-                  <a16:creationId xmlns:a16="http://schemas.microsoft.com/office/drawing/2014/main" id="{FF6A3E70-EBE0-4CA6-914B-1E831DD65AD0}"/>
-                </a:ext>
-              </a:extLst>
-            </p:cNvPr>
-            <p:cNvGrpSpPr/>
-            <p:nvPr/>
-          </p:nvGrpSpPr>
-          <p:grpSpPr>
-            <a:xfrm>
-              <a:off x="8245573" y="4871100"/>
-              <a:ext cx="1729569" cy="1278386"/>
-              <a:chOff x="10059579" y="4871100"/>
-              <a:chExt cx="1729569" cy="1278386"/>
-            </a:xfrm>
-          </p:grpSpPr>
-          <p:sp>
-            <p:nvSpPr>
-              <p:cNvPr id="268" name="Rechteck 33">
-                <a:extLst>
-                  <a:ext uri="{FF2B5EF4-FFF2-40B4-BE49-F238E27FC236}">
-                    <a16:creationId xmlns:a16="http://schemas.microsoft.com/office/drawing/2014/main" id="{A2B6E7E9-332E-489C-84A0-758DF384F549}"/>
-                  </a:ext>
-                </a:extLst>
-              </p:cNvPr>
-              <p:cNvSpPr/>
-              <p:nvPr/>
-            </p:nvSpPr>
-            <p:spPr>
-              <a:xfrm>
-                <a:off x="10059588" y="5162501"/>
-                <a:ext cx="319591" cy="986985"/>
-              </a:xfrm>
-              <a:prstGeom prst="rect">
-                <a:avLst/>
-              </a:prstGeom>
-              <a:solidFill>
-                <a:srgbClr val="FF6600"/>
-              </a:solidFill>
-              <a:ln cap="flat">
-                <a:noFill/>
-                <a:prstDash val="solid"/>
-              </a:ln>
-            </p:spPr>
-            <p:txBody>
-              <a:bodyPr vert="horz" wrap="square" lIns="107688" tIns="53849" rIns="107688" bIns="53849" anchor="ctr" anchorCtr="1" compatLnSpc="1">
-                <a:noAutofit/>
-              </a:bodyPr>
-              <a:lstStyle/>
-              <a:p>
-                <a:pPr marL="0" marR="0" lvl="0" indent="0" algn="ctr" defTabSz="911839" rtl="0" fontAlgn="auto" hangingPunct="1">
-                  <a:lnSpc>
-                    <a:spcPct val="110000"/>
-                  </a:lnSpc>
-                  <a:spcBef>
-                    <a:spcPts val="0"/>
-                  </a:spcBef>
-                  <a:spcAft>
-                    <a:spcPts val="0"/>
-                  </a:spcAft>
-                  <a:buNone/>
-                  <a:tabLst/>
-                  <a:defRPr sz="1800" b="0" i="0" u="none" strike="noStrike" kern="0" cap="none" spc="0" baseline="0">
-                    <a:solidFill>
-                      <a:srgbClr val="000000"/>
-                    </a:solidFill>
-                    <a:uFillTx/>
-                  </a:defRPr>
-                </a:pPr>
-                <a:endParaRPr lang="de-DE" sz="1795" b="1" i="0" u="none" strike="noStrike" kern="1200" cap="none" spc="0" baseline="0">
-                  <a:solidFill>
-                    <a:srgbClr val="000000"/>
-                  </a:solidFill>
-                  <a:uFillTx/>
-                  <a:latin typeface="Arial" pitchFamily="34"/>
-                  <a:ea typeface="ＭＳ Ｐゴシック"/>
-                </a:endParaRPr>
-              </a:p>
-            </p:txBody>
-          </p:sp>
-          <p:sp>
-            <p:nvSpPr>
-              <p:cNvPr id="269" name="Rechteck 34">
-                <a:extLst>
-                  <a:ext uri="{FF2B5EF4-FFF2-40B4-BE49-F238E27FC236}">
-                    <a16:creationId xmlns:a16="http://schemas.microsoft.com/office/drawing/2014/main" id="{8FA5A6B1-9577-4023-9AAC-7F5EF61FE903}"/>
-                  </a:ext>
-                </a:extLst>
-              </p:cNvPr>
-              <p:cNvSpPr/>
-              <p:nvPr/>
-            </p:nvSpPr>
-            <p:spPr>
-              <a:xfrm>
-                <a:off x="11469556" y="5162501"/>
-                <a:ext cx="319591" cy="986985"/>
-              </a:xfrm>
-              <a:prstGeom prst="rect">
-                <a:avLst/>
-              </a:prstGeom>
-              <a:solidFill>
-                <a:srgbClr val="FF6600"/>
-              </a:solidFill>
-              <a:ln cap="flat">
-                <a:noFill/>
-                <a:prstDash val="solid"/>
-              </a:ln>
-            </p:spPr>
-            <p:txBody>
-              <a:bodyPr vert="horz" wrap="square" lIns="107688" tIns="53849" rIns="107688" bIns="53849" anchor="ctr" anchorCtr="1" compatLnSpc="1">
-                <a:noAutofit/>
-              </a:bodyPr>
-              <a:lstStyle/>
-              <a:p>
-                <a:pPr marL="0" marR="0" lvl="0" indent="0" algn="ctr" defTabSz="911839" rtl="0" fontAlgn="auto" hangingPunct="1">
-                  <a:lnSpc>
-                    <a:spcPct val="110000"/>
-                  </a:lnSpc>
-                  <a:spcBef>
-                    <a:spcPts val="0"/>
-                  </a:spcBef>
-                  <a:spcAft>
-                    <a:spcPts val="0"/>
-                  </a:spcAft>
-                  <a:buNone/>
-                  <a:tabLst/>
-                  <a:defRPr sz="1800" b="0" i="0" u="none" strike="noStrike" kern="0" cap="none" spc="0" baseline="0">
-                    <a:solidFill>
-                      <a:srgbClr val="000000"/>
-                    </a:solidFill>
-                    <a:uFillTx/>
-                  </a:defRPr>
-                </a:pPr>
-                <a:endParaRPr lang="de-DE" sz="1795" b="1" i="0" u="none" strike="noStrike" kern="1200" cap="none" spc="0" baseline="0">
-                  <a:solidFill>
-                    <a:srgbClr val="000000"/>
-                  </a:solidFill>
-                  <a:uFillTx/>
-                  <a:latin typeface="Arial" pitchFamily="34"/>
-                  <a:ea typeface="ＭＳ Ｐゴシック"/>
-                </a:endParaRPr>
-              </a:p>
-            </p:txBody>
-          </p:sp>
-          <p:sp>
-            <p:nvSpPr>
-              <p:cNvPr id="270" name="Rechteck 35">
-                <a:extLst>
-                  <a:ext uri="{FF2B5EF4-FFF2-40B4-BE49-F238E27FC236}">
-                    <a16:creationId xmlns:a16="http://schemas.microsoft.com/office/drawing/2014/main" id="{32ED60A5-5A0C-4016-B7CC-DFE0304927D5}"/>
-                  </a:ext>
-                </a:extLst>
-              </p:cNvPr>
-              <p:cNvSpPr/>
-              <p:nvPr/>
-            </p:nvSpPr>
-            <p:spPr>
-              <a:xfrm rot="5400013">
-                <a:off x="10764568" y="4457503"/>
-                <a:ext cx="319591" cy="1729569"/>
-              </a:xfrm>
-              <a:prstGeom prst="rect">
-                <a:avLst/>
-              </a:prstGeom>
-              <a:solidFill>
-                <a:srgbClr val="FF6600"/>
-              </a:solidFill>
-              <a:ln cap="flat">
-                <a:noFill/>
-                <a:prstDash val="solid"/>
-              </a:ln>
-            </p:spPr>
-            <p:txBody>
-              <a:bodyPr vert="horz" wrap="square" lIns="107688" tIns="53849" rIns="107688" bIns="53849" anchor="ctr" anchorCtr="1" compatLnSpc="1">
-                <a:noAutofit/>
-              </a:bodyPr>
-              <a:lstStyle/>
-              <a:p>
-                <a:pPr marL="0" marR="0" lvl="0" indent="0" algn="ctr" defTabSz="911839" rtl="0" fontAlgn="auto" hangingPunct="1">
-                  <a:lnSpc>
-                    <a:spcPct val="110000"/>
-                  </a:lnSpc>
-                  <a:spcBef>
-                    <a:spcPts val="0"/>
-                  </a:spcBef>
-                  <a:spcAft>
-                    <a:spcPts val="0"/>
-                  </a:spcAft>
-                  <a:buNone/>
-                  <a:tabLst/>
-                  <a:defRPr sz="1800" b="0" i="0" u="none" strike="noStrike" kern="0" cap="none" spc="0" baseline="0">
-                    <a:solidFill>
-                      <a:srgbClr val="000000"/>
-                    </a:solidFill>
-                    <a:uFillTx/>
-                  </a:defRPr>
-                </a:pPr>
-                <a:endParaRPr lang="de-DE" sz="1795" b="1" i="0" u="none" strike="noStrike" kern="1200" cap="none" spc="0" baseline="0">
-                  <a:solidFill>
-                    <a:srgbClr val="000000"/>
-                  </a:solidFill>
-                  <a:uFillTx/>
-                  <a:latin typeface="Arial" pitchFamily="34"/>
-                  <a:ea typeface="ＭＳ Ｐゴシック"/>
-                </a:endParaRPr>
-              </a:p>
-            </p:txBody>
-          </p:sp>
-          <p:sp>
-            <p:nvSpPr>
-              <p:cNvPr id="271" name="Rechteck 36">
-                <a:extLst>
-                  <a:ext uri="{FF2B5EF4-FFF2-40B4-BE49-F238E27FC236}">
-                    <a16:creationId xmlns:a16="http://schemas.microsoft.com/office/drawing/2014/main" id="{E85797AF-E684-4B65-AA03-DA0BC614F4B3}"/>
-                  </a:ext>
-                </a:extLst>
-              </p:cNvPr>
-              <p:cNvSpPr/>
-              <p:nvPr/>
-            </p:nvSpPr>
-            <p:spPr>
-              <a:xfrm>
-                <a:off x="10764572" y="4871100"/>
-                <a:ext cx="319591" cy="319591"/>
-              </a:xfrm>
-              <a:prstGeom prst="rect">
-                <a:avLst/>
-              </a:prstGeom>
-              <a:solidFill>
-                <a:srgbClr val="FF6600"/>
-              </a:solidFill>
-              <a:ln cap="flat">
-                <a:noFill/>
-                <a:prstDash val="solid"/>
-              </a:ln>
-            </p:spPr>
-            <p:txBody>
-              <a:bodyPr vert="horz" wrap="square" lIns="107688" tIns="53849" rIns="107688" bIns="53849" anchor="ctr" anchorCtr="1" compatLnSpc="1">
-                <a:noAutofit/>
-              </a:bodyPr>
-              <a:lstStyle/>
-              <a:p>
-                <a:pPr marL="0" marR="0" lvl="0" indent="0" algn="ctr" defTabSz="911839" rtl="0" fontAlgn="auto" hangingPunct="1">
-                  <a:lnSpc>
-                    <a:spcPct val="110000"/>
-                  </a:lnSpc>
-                  <a:spcBef>
-                    <a:spcPts val="0"/>
-                  </a:spcBef>
-                  <a:spcAft>
-                    <a:spcPts val="0"/>
-                  </a:spcAft>
-                  <a:buNone/>
-                  <a:tabLst/>
-                  <a:defRPr sz="1800" b="0" i="0" u="none" strike="noStrike" kern="0" cap="none" spc="0" baseline="0">
-                    <a:solidFill>
-                      <a:srgbClr val="000000"/>
-                    </a:solidFill>
-                    <a:uFillTx/>
-                  </a:defRPr>
-                </a:pPr>
-                <a:endParaRPr lang="de-DE" sz="1795" b="1" i="0" u="none" strike="noStrike" kern="1200" cap="none" spc="0" baseline="0">
-                  <a:solidFill>
-                    <a:srgbClr val="000000"/>
-                  </a:solidFill>
-                  <a:uFillTx/>
-                  <a:latin typeface="Arial" pitchFamily="34"/>
-                  <a:ea typeface="ＭＳ Ｐゴシック"/>
-                </a:endParaRPr>
-              </a:p>
-            </p:txBody>
-          </p:sp>
-        </p:grpSp>
-        <p:sp>
-          <p:nvSpPr>
-            <p:cNvPr id="267" name="Textfeld 116">
-              <a:extLst>
-                <a:ext uri="{FF2B5EF4-FFF2-40B4-BE49-F238E27FC236}">
-                  <a16:creationId xmlns:a16="http://schemas.microsoft.com/office/drawing/2014/main" id="{87D9F0C7-B8DB-4816-B84D-9BD78436E196}"/>
-                </a:ext>
-              </a:extLst>
-            </p:cNvPr>
-            <p:cNvSpPr txBox="1"/>
-            <p:nvPr/>
-          </p:nvSpPr>
-          <p:spPr>
-            <a:xfrm rot="10800000">
-              <a:off x="8336008" y="5207809"/>
-              <a:ext cx="1589949" cy="233748"/>
-            </a:xfrm>
-            <a:prstGeom prst="rect">
-              <a:avLst/>
-            </a:prstGeom>
-            <a:noFill/>
-            <a:ln cap="flat">
-              <a:noFill/>
-            </a:ln>
-          </p:spPr>
-          <p:txBody>
-            <a:bodyPr vert="horz" wrap="none" lIns="0" tIns="0" rIns="0" bIns="0" anchor="t" anchorCtr="0" compatLnSpc="1">
-              <a:noAutofit/>
-            </a:bodyPr>
-            <a:lstStyle/>
-            <a:p>
-              <a:pPr marL="0" marR="0" lvl="0" indent="0" algn="l" defTabSz="911839" rtl="0" fontAlgn="auto" hangingPunct="1">
-                <a:lnSpc>
-                  <a:spcPct val="110000"/>
-                </a:lnSpc>
-                <a:spcBef>
-                  <a:spcPts val="0"/>
-                </a:spcBef>
-                <a:spcAft>
-                  <a:spcPts val="0"/>
-                </a:spcAft>
-                <a:buNone/>
-                <a:tabLst/>
-                <a:defRPr sz="1800" b="0" i="0" u="none" strike="noStrike" kern="0" cap="none" spc="0" baseline="0">
-                  <a:solidFill>
-                    <a:srgbClr val="000000"/>
-                  </a:solidFill>
-                  <a:uFillTx/>
-                </a:defRPr>
-              </a:pPr>
-              <a:r>
-                <a:rPr lang="de-DE" sz="998" b="0" i="0" u="none" strike="noStrike" kern="1200" cap="none" spc="0" baseline="0" dirty="0">
-                  <a:solidFill>
-                    <a:srgbClr val="000000"/>
-                  </a:solidFill>
-                  <a:uFillTx/>
-                  <a:latin typeface="Arial" pitchFamily="34"/>
-                  <a:ea typeface="ＭＳ Ｐゴシック"/>
-                </a:rPr>
-                <a:t>Integration </a:t>
-              </a:r>
-              <a:r>
-                <a:rPr lang="en-US" sz="998" b="0" i="0" u="none" strike="noStrike" kern="1200" cap="none" spc="0" baseline="0" dirty="0">
-                  <a:solidFill>
-                    <a:srgbClr val="000000"/>
-                  </a:solidFill>
-                  <a:uFillTx/>
-                  <a:latin typeface="Arial" pitchFamily="34"/>
-                  <a:ea typeface="ＭＳ Ｐゴシック"/>
-                </a:rPr>
-                <a:t>layer</a:t>
-              </a:r>
-              <a:r>
-                <a:rPr lang="de-DE" sz="998" b="0" i="0" u="none" strike="noStrike" kern="1200" cap="none" spc="0" baseline="0" dirty="0">
-                  <a:solidFill>
-                    <a:srgbClr val="000000"/>
-                  </a:solidFill>
-                  <a:uFillTx/>
-                  <a:latin typeface="Arial" pitchFamily="34"/>
-                  <a:ea typeface="ＭＳ Ｐゴシック"/>
-                </a:rPr>
-                <a:t> (API/Data)</a:t>
-              </a:r>
-            </a:p>
-          </p:txBody>
-        </p:sp>
-      </p:grpSp>
-      <p:grpSp>
-        <p:nvGrpSpPr>
-          <p:cNvPr id="273" name="Gruppieren 272">
-            <a:extLst>
-              <a:ext uri="{FF2B5EF4-FFF2-40B4-BE49-F238E27FC236}">
-                <a16:creationId xmlns:a16="http://schemas.microsoft.com/office/drawing/2014/main" id="{DC1B46D4-2983-43E4-BF3E-45C9B8E01612}"/>
-              </a:ext>
-            </a:extLst>
-          </p:cNvPr>
-          <p:cNvGrpSpPr/>
-          <p:nvPr/>
-        </p:nvGrpSpPr>
-        <p:grpSpPr>
-          <a:xfrm>
-            <a:off x="1140545" y="4871100"/>
-            <a:ext cx="1729569" cy="1278386"/>
-            <a:chOff x="8245573" y="4871100"/>
-            <a:chExt cx="1729569" cy="1278386"/>
-          </a:xfrm>
-        </p:grpSpPr>
-        <p:grpSp>
-          <p:nvGrpSpPr>
-            <p:cNvPr id="274" name="Gruppieren 32">
-              <a:extLst>
-                <a:ext uri="{FF2B5EF4-FFF2-40B4-BE49-F238E27FC236}">
-                  <a16:creationId xmlns:a16="http://schemas.microsoft.com/office/drawing/2014/main" id="{23BEBB75-C9D2-454F-85CC-B3D520CC3DAE}"/>
-                </a:ext>
-              </a:extLst>
-            </p:cNvPr>
-            <p:cNvGrpSpPr/>
-            <p:nvPr/>
-          </p:nvGrpSpPr>
-          <p:grpSpPr>
-            <a:xfrm>
-              <a:off x="8245573" y="4871100"/>
-              <a:ext cx="1729569" cy="1278386"/>
-              <a:chOff x="10059579" y="4871100"/>
-              <a:chExt cx="1729569" cy="1278386"/>
-            </a:xfrm>
-          </p:grpSpPr>
-          <p:sp>
-            <p:nvSpPr>
-              <p:cNvPr id="276" name="Rechteck 33">
-                <a:extLst>
-                  <a:ext uri="{FF2B5EF4-FFF2-40B4-BE49-F238E27FC236}">
-                    <a16:creationId xmlns:a16="http://schemas.microsoft.com/office/drawing/2014/main" id="{56D6EA96-D9DD-4844-B59D-DA9EF47B50A8}"/>
-                  </a:ext>
-                </a:extLst>
-              </p:cNvPr>
-              <p:cNvSpPr/>
-              <p:nvPr/>
-            </p:nvSpPr>
-            <p:spPr>
-              <a:xfrm>
-                <a:off x="10059588" y="5162501"/>
-                <a:ext cx="319591" cy="986985"/>
-              </a:xfrm>
-              <a:prstGeom prst="rect">
-                <a:avLst/>
-              </a:prstGeom>
-              <a:solidFill>
-                <a:srgbClr val="FF6600"/>
-              </a:solidFill>
-              <a:ln cap="flat">
-                <a:noFill/>
-                <a:prstDash val="solid"/>
-              </a:ln>
-            </p:spPr>
-            <p:txBody>
-              <a:bodyPr vert="horz" wrap="square" lIns="107688" tIns="53849" rIns="107688" bIns="53849" anchor="ctr" anchorCtr="1" compatLnSpc="1">
-                <a:noAutofit/>
-              </a:bodyPr>
-              <a:lstStyle/>
-              <a:p>
-                <a:pPr marL="0" marR="0" lvl="0" indent="0" algn="ctr" defTabSz="911839" rtl="0" fontAlgn="auto" hangingPunct="1">
-                  <a:lnSpc>
-                    <a:spcPct val="110000"/>
-                  </a:lnSpc>
-                  <a:spcBef>
-                    <a:spcPts val="0"/>
-                  </a:spcBef>
-                  <a:spcAft>
-                    <a:spcPts val="0"/>
-                  </a:spcAft>
-                  <a:buNone/>
-                  <a:tabLst/>
-                  <a:defRPr sz="1800" b="0" i="0" u="none" strike="noStrike" kern="0" cap="none" spc="0" baseline="0">
-                    <a:solidFill>
-                      <a:srgbClr val="000000"/>
-                    </a:solidFill>
-                    <a:uFillTx/>
-                  </a:defRPr>
-                </a:pPr>
-                <a:endParaRPr lang="de-DE" sz="1795" b="1" i="0" u="none" strike="noStrike" kern="1200" cap="none" spc="0" baseline="0">
-                  <a:solidFill>
-                    <a:srgbClr val="000000"/>
-                  </a:solidFill>
-                  <a:uFillTx/>
-                  <a:latin typeface="Arial" pitchFamily="34"/>
-                  <a:ea typeface="ＭＳ Ｐゴシック"/>
-                </a:endParaRPr>
-              </a:p>
-            </p:txBody>
-          </p:sp>
-          <p:sp>
-            <p:nvSpPr>
-              <p:cNvPr id="277" name="Rechteck 34">
-                <a:extLst>
-                  <a:ext uri="{FF2B5EF4-FFF2-40B4-BE49-F238E27FC236}">
-                    <a16:creationId xmlns:a16="http://schemas.microsoft.com/office/drawing/2014/main" id="{FBE8B74A-1A5F-4BC8-98B7-CBDC9B389EC1}"/>
-                  </a:ext>
-                </a:extLst>
-              </p:cNvPr>
-              <p:cNvSpPr/>
-              <p:nvPr/>
-            </p:nvSpPr>
-            <p:spPr>
-              <a:xfrm>
-                <a:off x="11469556" y="5162501"/>
-                <a:ext cx="319591" cy="986985"/>
-              </a:xfrm>
-              <a:prstGeom prst="rect">
-                <a:avLst/>
-              </a:prstGeom>
-              <a:solidFill>
-                <a:srgbClr val="FF6600"/>
-              </a:solidFill>
-              <a:ln cap="flat">
-                <a:noFill/>
-                <a:prstDash val="solid"/>
-              </a:ln>
-            </p:spPr>
-            <p:txBody>
-              <a:bodyPr vert="horz" wrap="square" lIns="107688" tIns="53849" rIns="107688" bIns="53849" anchor="ctr" anchorCtr="1" compatLnSpc="1">
-                <a:noAutofit/>
-              </a:bodyPr>
-              <a:lstStyle/>
-              <a:p>
-                <a:pPr marL="0" marR="0" lvl="0" indent="0" algn="ctr" defTabSz="911839" rtl="0" fontAlgn="auto" hangingPunct="1">
-                  <a:lnSpc>
-                    <a:spcPct val="110000"/>
-                  </a:lnSpc>
-                  <a:spcBef>
-                    <a:spcPts val="0"/>
-                  </a:spcBef>
-                  <a:spcAft>
-                    <a:spcPts val="0"/>
-                  </a:spcAft>
-                  <a:buNone/>
-                  <a:tabLst/>
-                  <a:defRPr sz="1800" b="0" i="0" u="none" strike="noStrike" kern="0" cap="none" spc="0" baseline="0">
-                    <a:solidFill>
-                      <a:srgbClr val="000000"/>
-                    </a:solidFill>
-                    <a:uFillTx/>
-                  </a:defRPr>
-                </a:pPr>
-                <a:endParaRPr lang="de-DE" sz="1795" b="1" i="0" u="none" strike="noStrike" kern="1200" cap="none" spc="0" baseline="0">
-                  <a:solidFill>
-                    <a:srgbClr val="000000"/>
-                  </a:solidFill>
-                  <a:uFillTx/>
-                  <a:latin typeface="Arial" pitchFamily="34"/>
-                  <a:ea typeface="ＭＳ Ｐゴシック"/>
-                </a:endParaRPr>
-              </a:p>
-            </p:txBody>
-          </p:sp>
-          <p:sp>
-            <p:nvSpPr>
-              <p:cNvPr id="278" name="Rechteck 35">
-                <a:extLst>
-                  <a:ext uri="{FF2B5EF4-FFF2-40B4-BE49-F238E27FC236}">
-                    <a16:creationId xmlns:a16="http://schemas.microsoft.com/office/drawing/2014/main" id="{5B511536-C097-4641-97B5-C5AD02E2FE51}"/>
-                  </a:ext>
-                </a:extLst>
-              </p:cNvPr>
-              <p:cNvSpPr/>
-              <p:nvPr/>
-            </p:nvSpPr>
-            <p:spPr>
-              <a:xfrm rot="5400013">
-                <a:off x="10764568" y="4457503"/>
-                <a:ext cx="319591" cy="1729569"/>
-              </a:xfrm>
-              <a:prstGeom prst="rect">
-                <a:avLst/>
-              </a:prstGeom>
-              <a:solidFill>
-                <a:srgbClr val="FF6600"/>
-              </a:solidFill>
-              <a:ln cap="flat">
-                <a:noFill/>
-                <a:prstDash val="solid"/>
-              </a:ln>
-            </p:spPr>
-            <p:txBody>
-              <a:bodyPr vert="horz" wrap="square" lIns="107688" tIns="53849" rIns="107688" bIns="53849" anchor="ctr" anchorCtr="1" compatLnSpc="1">
-                <a:noAutofit/>
-              </a:bodyPr>
-              <a:lstStyle/>
-              <a:p>
-                <a:pPr marL="0" marR="0" lvl="0" indent="0" algn="ctr" defTabSz="911839" rtl="0" fontAlgn="auto" hangingPunct="1">
-                  <a:lnSpc>
-                    <a:spcPct val="110000"/>
-                  </a:lnSpc>
-                  <a:spcBef>
-                    <a:spcPts val="0"/>
-                  </a:spcBef>
-                  <a:spcAft>
-                    <a:spcPts val="0"/>
-                  </a:spcAft>
-                  <a:buNone/>
-                  <a:tabLst/>
-                  <a:defRPr sz="1800" b="0" i="0" u="none" strike="noStrike" kern="0" cap="none" spc="0" baseline="0">
-                    <a:solidFill>
-                      <a:srgbClr val="000000"/>
-                    </a:solidFill>
-                    <a:uFillTx/>
-                  </a:defRPr>
-                </a:pPr>
-                <a:endParaRPr lang="de-DE" sz="1795" b="1" i="0" u="none" strike="noStrike" kern="1200" cap="none" spc="0" baseline="0">
-                  <a:solidFill>
-                    <a:srgbClr val="000000"/>
-                  </a:solidFill>
-                  <a:uFillTx/>
-                  <a:latin typeface="Arial" pitchFamily="34"/>
-                  <a:ea typeface="ＭＳ Ｐゴシック"/>
-                </a:endParaRPr>
-              </a:p>
-            </p:txBody>
-          </p:sp>
-          <p:sp>
-            <p:nvSpPr>
-              <p:cNvPr id="279" name="Rechteck 36">
-                <a:extLst>
-                  <a:ext uri="{FF2B5EF4-FFF2-40B4-BE49-F238E27FC236}">
-                    <a16:creationId xmlns:a16="http://schemas.microsoft.com/office/drawing/2014/main" id="{67E919FB-99C7-4329-B392-C45CAF207447}"/>
-                  </a:ext>
-                </a:extLst>
-              </p:cNvPr>
-              <p:cNvSpPr/>
-              <p:nvPr/>
-            </p:nvSpPr>
-            <p:spPr>
-              <a:xfrm>
-                <a:off x="10764572" y="4871100"/>
-                <a:ext cx="319591" cy="319591"/>
-              </a:xfrm>
-              <a:prstGeom prst="rect">
-                <a:avLst/>
-              </a:prstGeom>
-              <a:solidFill>
-                <a:srgbClr val="FF6600"/>
-              </a:solidFill>
-              <a:ln cap="flat">
-                <a:noFill/>
-                <a:prstDash val="solid"/>
-              </a:ln>
-            </p:spPr>
-            <p:txBody>
-              <a:bodyPr vert="horz" wrap="square" lIns="107688" tIns="53849" rIns="107688" bIns="53849" anchor="ctr" anchorCtr="1" compatLnSpc="1">
-                <a:noAutofit/>
-              </a:bodyPr>
-              <a:lstStyle/>
-              <a:p>
-                <a:pPr marL="0" marR="0" lvl="0" indent="0" algn="ctr" defTabSz="911839" rtl="0" fontAlgn="auto" hangingPunct="1">
-                  <a:lnSpc>
-                    <a:spcPct val="110000"/>
-                  </a:lnSpc>
-                  <a:spcBef>
-                    <a:spcPts val="0"/>
-                  </a:spcBef>
-                  <a:spcAft>
-                    <a:spcPts val="0"/>
-                  </a:spcAft>
-                  <a:buNone/>
-                  <a:tabLst/>
-                  <a:defRPr sz="1800" b="0" i="0" u="none" strike="noStrike" kern="0" cap="none" spc="0" baseline="0">
-                    <a:solidFill>
-                      <a:srgbClr val="000000"/>
-                    </a:solidFill>
-                    <a:uFillTx/>
-                  </a:defRPr>
-                </a:pPr>
-                <a:endParaRPr lang="de-DE" sz="1795" b="1" i="0" u="none" strike="noStrike" kern="1200" cap="none" spc="0" baseline="0">
-                  <a:solidFill>
-                    <a:srgbClr val="000000"/>
-                  </a:solidFill>
-                  <a:uFillTx/>
-                  <a:latin typeface="Arial" pitchFamily="34"/>
-                  <a:ea typeface="ＭＳ Ｐゴシック"/>
-                </a:endParaRPr>
-              </a:p>
-            </p:txBody>
-          </p:sp>
-        </p:grpSp>
-        <p:sp>
-          <p:nvSpPr>
-            <p:cNvPr id="275" name="Textfeld 116">
-              <a:extLst>
-                <a:ext uri="{FF2B5EF4-FFF2-40B4-BE49-F238E27FC236}">
-                  <a16:creationId xmlns:a16="http://schemas.microsoft.com/office/drawing/2014/main" id="{F272CA60-6892-47BB-B2A0-07C2F40B093A}"/>
-                </a:ext>
-              </a:extLst>
-            </p:cNvPr>
-            <p:cNvSpPr txBox="1"/>
-            <p:nvPr/>
-          </p:nvSpPr>
-          <p:spPr>
-            <a:xfrm>
-              <a:off x="8336008" y="5207809"/>
-              <a:ext cx="1589949" cy="233748"/>
-            </a:xfrm>
-            <a:prstGeom prst="rect">
-              <a:avLst/>
-            </a:prstGeom>
-            <a:noFill/>
-            <a:ln cap="flat">
-              <a:noFill/>
-            </a:ln>
-          </p:spPr>
-          <p:txBody>
-            <a:bodyPr vert="horz" wrap="none" lIns="0" tIns="0" rIns="0" bIns="0" anchor="t" anchorCtr="0" compatLnSpc="1">
-              <a:noAutofit/>
-            </a:bodyPr>
-            <a:lstStyle/>
-            <a:p>
-              <a:pPr marL="0" marR="0" lvl="0" indent="0" algn="l" defTabSz="911839" rtl="0" fontAlgn="auto" hangingPunct="1">
-                <a:lnSpc>
-                  <a:spcPct val="110000"/>
-                </a:lnSpc>
-                <a:spcBef>
-                  <a:spcPts val="0"/>
-                </a:spcBef>
-                <a:spcAft>
-                  <a:spcPts val="0"/>
-                </a:spcAft>
-                <a:buNone/>
-                <a:tabLst/>
-                <a:defRPr sz="1800" b="0" i="0" u="none" strike="noStrike" kern="0" cap="none" spc="0" baseline="0">
-                  <a:solidFill>
-                    <a:srgbClr val="000000"/>
-                  </a:solidFill>
-                  <a:uFillTx/>
-                </a:defRPr>
-              </a:pPr>
-              <a:r>
-                <a:rPr lang="de-DE" sz="998" b="0" i="0" u="none" strike="noStrike" kern="1200" cap="none" spc="0" baseline="0" dirty="0">
-                  <a:solidFill>
-                    <a:srgbClr val="000000"/>
-                  </a:solidFill>
-                  <a:uFillTx/>
-                  <a:latin typeface="Arial" pitchFamily="34"/>
-                  <a:ea typeface="ＭＳ Ｐゴシック"/>
-                </a:rPr>
-                <a:t>Integration </a:t>
-              </a:r>
-              <a:r>
-                <a:rPr lang="en-US" sz="998" b="0" i="0" u="none" strike="noStrike" kern="1200" cap="none" spc="0" baseline="0" dirty="0">
-                  <a:solidFill>
-                    <a:srgbClr val="000000"/>
-                  </a:solidFill>
-                  <a:uFillTx/>
-                  <a:latin typeface="Arial" pitchFamily="34"/>
-                  <a:ea typeface="ＭＳ Ｐゴシック"/>
-                </a:rPr>
-                <a:t>layer</a:t>
-              </a:r>
-              <a:r>
-                <a:rPr lang="de-DE" sz="998" b="0" i="0" u="none" strike="noStrike" kern="1200" cap="none" spc="0" baseline="0" dirty="0">
-                  <a:solidFill>
-                    <a:srgbClr val="000000"/>
-                  </a:solidFill>
-                  <a:uFillTx/>
-                  <a:latin typeface="Arial" pitchFamily="34"/>
-                  <a:ea typeface="ＭＳ Ｐゴシック"/>
-                </a:rPr>
-                <a:t> (API/Data)</a:t>
-              </a:r>
-            </a:p>
-          </p:txBody>
-        </p:sp>
-      </p:grpSp>
-      <p:grpSp>
-        <p:nvGrpSpPr>
-          <p:cNvPr id="280" name="Gruppieren 279">
-            <a:extLst>
-              <a:ext uri="{FF2B5EF4-FFF2-40B4-BE49-F238E27FC236}">
-                <a16:creationId xmlns:a16="http://schemas.microsoft.com/office/drawing/2014/main" id="{18329C2D-4001-401B-9986-D4B44CC5C972}"/>
-              </a:ext>
-            </a:extLst>
-          </p:cNvPr>
-          <p:cNvGrpSpPr/>
-          <p:nvPr/>
-        </p:nvGrpSpPr>
-        <p:grpSpPr>
-          <a:xfrm>
-            <a:off x="4711080" y="4871100"/>
-            <a:ext cx="1729569" cy="1278386"/>
-            <a:chOff x="8245573" y="4871100"/>
-            <a:chExt cx="1729569" cy="1278386"/>
-          </a:xfrm>
-        </p:grpSpPr>
-        <p:grpSp>
-          <p:nvGrpSpPr>
-            <p:cNvPr id="281" name="Gruppieren 32">
-              <a:extLst>
-                <a:ext uri="{FF2B5EF4-FFF2-40B4-BE49-F238E27FC236}">
-                  <a16:creationId xmlns:a16="http://schemas.microsoft.com/office/drawing/2014/main" id="{22D3F543-2AA8-4C27-8275-E214204E1888}"/>
-                </a:ext>
-              </a:extLst>
-            </p:cNvPr>
-            <p:cNvGrpSpPr/>
-            <p:nvPr/>
-          </p:nvGrpSpPr>
-          <p:grpSpPr>
-            <a:xfrm>
-              <a:off x="8245573" y="4871100"/>
-              <a:ext cx="1729569" cy="1278386"/>
-              <a:chOff x="10059579" y="4871100"/>
-              <a:chExt cx="1729569" cy="1278386"/>
-            </a:xfrm>
-          </p:grpSpPr>
-          <p:sp>
-            <p:nvSpPr>
-              <p:cNvPr id="283" name="Rechteck 33">
-                <a:extLst>
-                  <a:ext uri="{FF2B5EF4-FFF2-40B4-BE49-F238E27FC236}">
-                    <a16:creationId xmlns:a16="http://schemas.microsoft.com/office/drawing/2014/main" id="{62640B7F-167C-4878-915C-E15890501AFE}"/>
-                  </a:ext>
-                </a:extLst>
-              </p:cNvPr>
-              <p:cNvSpPr/>
-              <p:nvPr/>
-            </p:nvSpPr>
-            <p:spPr>
-              <a:xfrm>
-                <a:off x="10059588" y="5162501"/>
-                <a:ext cx="319591" cy="986985"/>
-              </a:xfrm>
-              <a:prstGeom prst="rect">
-                <a:avLst/>
-              </a:prstGeom>
-              <a:solidFill>
-                <a:srgbClr val="FF6600"/>
-              </a:solidFill>
-              <a:ln cap="flat">
-                <a:noFill/>
-                <a:prstDash val="solid"/>
-              </a:ln>
-            </p:spPr>
-            <p:txBody>
-              <a:bodyPr vert="horz" wrap="square" lIns="107688" tIns="53849" rIns="107688" bIns="53849" anchor="ctr" anchorCtr="1" compatLnSpc="1">
-                <a:noAutofit/>
-              </a:bodyPr>
-              <a:lstStyle/>
-              <a:p>
-                <a:pPr marL="0" marR="0" lvl="0" indent="0" algn="ctr" defTabSz="911839" rtl="0" fontAlgn="auto" hangingPunct="1">
-                  <a:lnSpc>
-                    <a:spcPct val="110000"/>
-                  </a:lnSpc>
-                  <a:spcBef>
-                    <a:spcPts val="0"/>
-                  </a:spcBef>
-                  <a:spcAft>
-                    <a:spcPts val="0"/>
-                  </a:spcAft>
-                  <a:buNone/>
-                  <a:tabLst/>
-                  <a:defRPr sz="1800" b="0" i="0" u="none" strike="noStrike" kern="0" cap="none" spc="0" baseline="0">
-                    <a:solidFill>
-                      <a:srgbClr val="000000"/>
-                    </a:solidFill>
-                    <a:uFillTx/>
-                  </a:defRPr>
-                </a:pPr>
-                <a:endParaRPr lang="de-DE" sz="1795" b="1" i="0" u="none" strike="noStrike" kern="1200" cap="none" spc="0" baseline="0">
-                  <a:solidFill>
-                    <a:srgbClr val="000000"/>
-                  </a:solidFill>
-                  <a:uFillTx/>
-                  <a:latin typeface="Arial" pitchFamily="34"/>
-                  <a:ea typeface="ＭＳ Ｐゴシック"/>
-                </a:endParaRPr>
-              </a:p>
-            </p:txBody>
-          </p:sp>
-          <p:sp>
-            <p:nvSpPr>
-              <p:cNvPr id="284" name="Rechteck 34">
-                <a:extLst>
-                  <a:ext uri="{FF2B5EF4-FFF2-40B4-BE49-F238E27FC236}">
-                    <a16:creationId xmlns:a16="http://schemas.microsoft.com/office/drawing/2014/main" id="{D5EC49D7-3309-498E-86A8-8CF175C7C640}"/>
-                  </a:ext>
-                </a:extLst>
-              </p:cNvPr>
-              <p:cNvSpPr/>
-              <p:nvPr/>
-            </p:nvSpPr>
-            <p:spPr>
-              <a:xfrm>
-                <a:off x="11469556" y="5162501"/>
-                <a:ext cx="319591" cy="986985"/>
-              </a:xfrm>
-              <a:prstGeom prst="rect">
-                <a:avLst/>
-              </a:prstGeom>
-              <a:solidFill>
-                <a:srgbClr val="FF6600"/>
-              </a:solidFill>
-              <a:ln cap="flat">
-                <a:noFill/>
-                <a:prstDash val="solid"/>
-              </a:ln>
-            </p:spPr>
-            <p:txBody>
-              <a:bodyPr vert="horz" wrap="square" lIns="107688" tIns="53849" rIns="107688" bIns="53849" anchor="ctr" anchorCtr="1" compatLnSpc="1">
-                <a:noAutofit/>
-              </a:bodyPr>
-              <a:lstStyle/>
-              <a:p>
-                <a:pPr marL="0" marR="0" lvl="0" indent="0" algn="ctr" defTabSz="911839" rtl="0" fontAlgn="auto" hangingPunct="1">
-                  <a:lnSpc>
-                    <a:spcPct val="110000"/>
-                  </a:lnSpc>
-                  <a:spcBef>
-                    <a:spcPts val="0"/>
-                  </a:spcBef>
-                  <a:spcAft>
-                    <a:spcPts val="0"/>
-                  </a:spcAft>
-                  <a:buNone/>
-                  <a:tabLst/>
-                  <a:defRPr sz="1800" b="0" i="0" u="none" strike="noStrike" kern="0" cap="none" spc="0" baseline="0">
-                    <a:solidFill>
-                      <a:srgbClr val="000000"/>
-                    </a:solidFill>
-                    <a:uFillTx/>
-                  </a:defRPr>
-                </a:pPr>
-                <a:endParaRPr lang="de-DE" sz="1795" b="1" i="0" u="none" strike="noStrike" kern="1200" cap="none" spc="0" baseline="0">
-                  <a:solidFill>
-                    <a:srgbClr val="000000"/>
-                  </a:solidFill>
-                  <a:uFillTx/>
-                  <a:latin typeface="Arial" pitchFamily="34"/>
-                  <a:ea typeface="ＭＳ Ｐゴシック"/>
-                </a:endParaRPr>
-              </a:p>
-            </p:txBody>
-          </p:sp>
-          <p:sp>
-            <p:nvSpPr>
-              <p:cNvPr id="285" name="Rechteck 35">
-                <a:extLst>
-                  <a:ext uri="{FF2B5EF4-FFF2-40B4-BE49-F238E27FC236}">
-                    <a16:creationId xmlns:a16="http://schemas.microsoft.com/office/drawing/2014/main" id="{8B9160DB-56B7-4E1D-BBA6-CE62457B836E}"/>
-                  </a:ext>
-                </a:extLst>
-              </p:cNvPr>
-              <p:cNvSpPr/>
-              <p:nvPr/>
-            </p:nvSpPr>
-            <p:spPr>
-              <a:xfrm rot="5400013">
-                <a:off x="10764568" y="4457503"/>
-                <a:ext cx="319591" cy="1729569"/>
-              </a:xfrm>
-              <a:prstGeom prst="rect">
-                <a:avLst/>
-              </a:prstGeom>
-              <a:solidFill>
-                <a:srgbClr val="FF6600"/>
-              </a:solidFill>
-              <a:ln cap="flat">
-                <a:noFill/>
-                <a:prstDash val="solid"/>
-              </a:ln>
-            </p:spPr>
-            <p:txBody>
-              <a:bodyPr vert="horz" wrap="square" lIns="107688" tIns="53849" rIns="107688" bIns="53849" anchor="ctr" anchorCtr="1" compatLnSpc="1">
-                <a:noAutofit/>
-              </a:bodyPr>
-              <a:lstStyle/>
-              <a:p>
-                <a:pPr marL="0" marR="0" lvl="0" indent="0" algn="ctr" defTabSz="911839" rtl="0" fontAlgn="auto" hangingPunct="1">
-                  <a:lnSpc>
-                    <a:spcPct val="110000"/>
-                  </a:lnSpc>
-                  <a:spcBef>
-                    <a:spcPts val="0"/>
-                  </a:spcBef>
-                  <a:spcAft>
-                    <a:spcPts val="0"/>
-                  </a:spcAft>
-                  <a:buNone/>
-                  <a:tabLst/>
-                  <a:defRPr sz="1800" b="0" i="0" u="none" strike="noStrike" kern="0" cap="none" spc="0" baseline="0">
-                    <a:solidFill>
-                      <a:srgbClr val="000000"/>
-                    </a:solidFill>
-                    <a:uFillTx/>
-                  </a:defRPr>
-                </a:pPr>
-                <a:endParaRPr lang="de-DE" sz="1795" b="1" i="0" u="none" strike="noStrike" kern="1200" cap="none" spc="0" baseline="0">
-                  <a:solidFill>
-                    <a:srgbClr val="000000"/>
-                  </a:solidFill>
-                  <a:uFillTx/>
-                  <a:latin typeface="Arial" pitchFamily="34"/>
-                  <a:ea typeface="ＭＳ Ｐゴシック"/>
-                </a:endParaRPr>
-              </a:p>
-            </p:txBody>
-          </p:sp>
-          <p:sp>
-            <p:nvSpPr>
-              <p:cNvPr id="286" name="Rechteck 36">
-                <a:extLst>
-                  <a:ext uri="{FF2B5EF4-FFF2-40B4-BE49-F238E27FC236}">
-                    <a16:creationId xmlns:a16="http://schemas.microsoft.com/office/drawing/2014/main" id="{83FB8386-8501-4053-87D9-F61A14A5D39C}"/>
-                  </a:ext>
-                </a:extLst>
-              </p:cNvPr>
-              <p:cNvSpPr/>
-              <p:nvPr/>
-            </p:nvSpPr>
-            <p:spPr>
-              <a:xfrm>
-                <a:off x="10764572" y="4871100"/>
-                <a:ext cx="319591" cy="319591"/>
-              </a:xfrm>
-              <a:prstGeom prst="rect">
-                <a:avLst/>
-              </a:prstGeom>
-              <a:solidFill>
-                <a:srgbClr val="FF6600"/>
-              </a:solidFill>
-              <a:ln cap="flat">
-                <a:noFill/>
-                <a:prstDash val="solid"/>
-              </a:ln>
-            </p:spPr>
-            <p:txBody>
-              <a:bodyPr vert="horz" wrap="square" lIns="107688" tIns="53849" rIns="107688" bIns="53849" anchor="ctr" anchorCtr="1" compatLnSpc="1">
-                <a:noAutofit/>
-              </a:bodyPr>
-              <a:lstStyle/>
-              <a:p>
-                <a:pPr marL="0" marR="0" lvl="0" indent="0" algn="ctr" defTabSz="911839" rtl="0" fontAlgn="auto" hangingPunct="1">
-                  <a:lnSpc>
-                    <a:spcPct val="110000"/>
-                  </a:lnSpc>
-                  <a:spcBef>
-                    <a:spcPts val="0"/>
-                  </a:spcBef>
-                  <a:spcAft>
-                    <a:spcPts val="0"/>
-                  </a:spcAft>
-                  <a:buNone/>
-                  <a:tabLst/>
-                  <a:defRPr sz="1800" b="0" i="0" u="none" strike="noStrike" kern="0" cap="none" spc="0" baseline="0">
-                    <a:solidFill>
-                      <a:srgbClr val="000000"/>
-                    </a:solidFill>
-                    <a:uFillTx/>
-                  </a:defRPr>
-                </a:pPr>
-                <a:endParaRPr lang="de-DE" sz="1795" b="1" i="0" u="none" strike="noStrike" kern="1200" cap="none" spc="0" baseline="0">
-                  <a:solidFill>
-                    <a:srgbClr val="000000"/>
-                  </a:solidFill>
-                  <a:uFillTx/>
-                  <a:latin typeface="Arial" pitchFamily="34"/>
-                  <a:ea typeface="ＭＳ Ｐゴシック"/>
-                </a:endParaRPr>
-              </a:p>
-            </p:txBody>
-          </p:sp>
-        </p:grpSp>
-        <p:sp>
-          <p:nvSpPr>
-            <p:cNvPr id="282" name="Textfeld 116">
-              <a:extLst>
-                <a:ext uri="{FF2B5EF4-FFF2-40B4-BE49-F238E27FC236}">
-                  <a16:creationId xmlns:a16="http://schemas.microsoft.com/office/drawing/2014/main" id="{5FC61430-1BD6-4730-848E-AF77718E2A10}"/>
-                </a:ext>
-              </a:extLst>
-            </p:cNvPr>
-            <p:cNvSpPr txBox="1"/>
-            <p:nvPr/>
-          </p:nvSpPr>
-          <p:spPr>
-            <a:xfrm>
-              <a:off x="8336008" y="5207809"/>
-              <a:ext cx="1589949" cy="233748"/>
-            </a:xfrm>
-            <a:prstGeom prst="rect">
-              <a:avLst/>
-            </a:prstGeom>
-            <a:noFill/>
-            <a:ln cap="flat">
-              <a:noFill/>
-            </a:ln>
-          </p:spPr>
-          <p:txBody>
-            <a:bodyPr vert="horz" wrap="none" lIns="0" tIns="0" rIns="0" bIns="0" anchor="t" anchorCtr="0" compatLnSpc="1">
-              <a:noAutofit/>
-            </a:bodyPr>
-            <a:lstStyle/>
-            <a:p>
-              <a:pPr marL="0" marR="0" lvl="0" indent="0" algn="l" defTabSz="911839" rtl="0" fontAlgn="auto" hangingPunct="1">
-                <a:lnSpc>
-                  <a:spcPct val="110000"/>
-                </a:lnSpc>
-                <a:spcBef>
-                  <a:spcPts val="0"/>
-                </a:spcBef>
-                <a:spcAft>
-                  <a:spcPts val="0"/>
-                </a:spcAft>
-                <a:buNone/>
-                <a:tabLst/>
-                <a:defRPr sz="1800" b="0" i="0" u="none" strike="noStrike" kern="0" cap="none" spc="0" baseline="0">
-                  <a:solidFill>
-                    <a:srgbClr val="000000"/>
-                  </a:solidFill>
-                  <a:uFillTx/>
-                </a:defRPr>
-              </a:pPr>
-              <a:r>
-                <a:rPr lang="de-DE" sz="998" b="0" i="0" u="none" strike="noStrike" kern="1200" cap="none" spc="0" baseline="0" dirty="0">
-                  <a:solidFill>
-                    <a:srgbClr val="000000"/>
-                  </a:solidFill>
-                  <a:uFillTx/>
-                  <a:latin typeface="Arial" pitchFamily="34"/>
-                  <a:ea typeface="ＭＳ Ｐゴシック"/>
-                </a:rPr>
-                <a:t>Integration </a:t>
-              </a:r>
-              <a:r>
-                <a:rPr lang="en-US" sz="998" b="0" i="0" u="none" strike="noStrike" kern="1200" cap="none" spc="0" baseline="0" dirty="0">
-                  <a:solidFill>
-                    <a:srgbClr val="000000"/>
-                  </a:solidFill>
-                  <a:uFillTx/>
-                  <a:latin typeface="Arial" pitchFamily="34"/>
-                  <a:ea typeface="ＭＳ Ｐゴシック"/>
-                </a:rPr>
-                <a:t>layer</a:t>
-              </a:r>
-              <a:r>
-                <a:rPr lang="de-DE" sz="998" b="0" i="0" u="none" strike="noStrike" kern="1200" cap="none" spc="0" baseline="0" dirty="0">
-                  <a:solidFill>
-                    <a:srgbClr val="000000"/>
-                  </a:solidFill>
-                  <a:uFillTx/>
-                  <a:latin typeface="Arial" pitchFamily="34"/>
-                  <a:ea typeface="ＭＳ Ｐゴシック"/>
-                </a:rPr>
-                <a:t> (API/Data)</a:t>
-              </a:r>
-            </a:p>
-          </p:txBody>
-        </p:sp>
-      </p:grpSp>
-      <p:grpSp>
-        <p:nvGrpSpPr>
-          <p:cNvPr id="287" name="Gruppieren 286">
-            <a:extLst>
-              <a:ext uri="{FF2B5EF4-FFF2-40B4-BE49-F238E27FC236}">
-                <a16:creationId xmlns:a16="http://schemas.microsoft.com/office/drawing/2014/main" id="{2F34D29C-CD2A-4612-9553-3F3467756086}"/>
-              </a:ext>
-            </a:extLst>
-          </p:cNvPr>
-          <p:cNvGrpSpPr/>
-          <p:nvPr/>
-        </p:nvGrpSpPr>
-        <p:grpSpPr>
-          <a:xfrm>
-            <a:off x="2921876" y="4871100"/>
-            <a:ext cx="1729569" cy="1278386"/>
-            <a:chOff x="8245573" y="4871100"/>
-            <a:chExt cx="1729569" cy="1278386"/>
-          </a:xfrm>
-        </p:grpSpPr>
-        <p:grpSp>
-          <p:nvGrpSpPr>
-            <p:cNvPr id="288" name="Gruppieren 32">
-              <a:extLst>
-                <a:ext uri="{FF2B5EF4-FFF2-40B4-BE49-F238E27FC236}">
-                  <a16:creationId xmlns:a16="http://schemas.microsoft.com/office/drawing/2014/main" id="{E8E6F702-EDAC-4616-AF05-1C4FC68595DC}"/>
-                </a:ext>
-              </a:extLst>
-            </p:cNvPr>
-            <p:cNvGrpSpPr/>
-            <p:nvPr/>
-          </p:nvGrpSpPr>
-          <p:grpSpPr>
-            <a:xfrm>
-              <a:off x="8245573" y="4871100"/>
-              <a:ext cx="1729569" cy="1278386"/>
-              <a:chOff x="10059579" y="4871100"/>
-              <a:chExt cx="1729569" cy="1278386"/>
-            </a:xfrm>
-          </p:grpSpPr>
-          <p:sp>
-            <p:nvSpPr>
-              <p:cNvPr id="290" name="Rechteck 33">
-                <a:extLst>
-                  <a:ext uri="{FF2B5EF4-FFF2-40B4-BE49-F238E27FC236}">
-                    <a16:creationId xmlns:a16="http://schemas.microsoft.com/office/drawing/2014/main" id="{C645B8A0-0DF5-46C4-9CDB-5C2EAB1129B0}"/>
-                  </a:ext>
-                </a:extLst>
-              </p:cNvPr>
-              <p:cNvSpPr/>
-              <p:nvPr/>
-            </p:nvSpPr>
-            <p:spPr>
-              <a:xfrm>
-                <a:off x="10059588" y="5162501"/>
-                <a:ext cx="319591" cy="986985"/>
-              </a:xfrm>
-              <a:prstGeom prst="rect">
-                <a:avLst/>
-              </a:prstGeom>
-              <a:solidFill>
-                <a:srgbClr val="FF6600"/>
-              </a:solidFill>
-              <a:ln cap="flat">
-                <a:noFill/>
-                <a:prstDash val="solid"/>
-              </a:ln>
-            </p:spPr>
-            <p:txBody>
-              <a:bodyPr vert="horz" wrap="square" lIns="107688" tIns="53849" rIns="107688" bIns="53849" anchor="ctr" anchorCtr="1" compatLnSpc="1">
-                <a:noAutofit/>
-              </a:bodyPr>
-              <a:lstStyle/>
-              <a:p>
-                <a:pPr marL="0" marR="0" lvl="0" indent="0" algn="ctr" defTabSz="911839" rtl="0" fontAlgn="auto" hangingPunct="1">
-                  <a:lnSpc>
-                    <a:spcPct val="110000"/>
-                  </a:lnSpc>
-                  <a:spcBef>
-                    <a:spcPts val="0"/>
-                  </a:spcBef>
-                  <a:spcAft>
-                    <a:spcPts val="0"/>
-                  </a:spcAft>
-                  <a:buNone/>
-                  <a:tabLst/>
-                  <a:defRPr sz="1800" b="0" i="0" u="none" strike="noStrike" kern="0" cap="none" spc="0" baseline="0">
-                    <a:solidFill>
-                      <a:srgbClr val="000000"/>
-                    </a:solidFill>
-                    <a:uFillTx/>
-                  </a:defRPr>
-                </a:pPr>
-                <a:endParaRPr lang="de-DE" sz="1795" b="1" i="0" u="none" strike="noStrike" kern="1200" cap="none" spc="0" baseline="0">
-                  <a:solidFill>
-                    <a:srgbClr val="000000"/>
-                  </a:solidFill>
-                  <a:uFillTx/>
-                  <a:latin typeface="Arial" pitchFamily="34"/>
-                  <a:ea typeface="ＭＳ Ｐゴシック"/>
-                </a:endParaRPr>
-              </a:p>
-            </p:txBody>
-          </p:sp>
-          <p:sp>
-            <p:nvSpPr>
-              <p:cNvPr id="291" name="Rechteck 34">
-                <a:extLst>
-                  <a:ext uri="{FF2B5EF4-FFF2-40B4-BE49-F238E27FC236}">
-                    <a16:creationId xmlns:a16="http://schemas.microsoft.com/office/drawing/2014/main" id="{AB0F0932-0064-4F44-917F-E63FC8DECFA3}"/>
-                  </a:ext>
-                </a:extLst>
-              </p:cNvPr>
-              <p:cNvSpPr/>
-              <p:nvPr/>
-            </p:nvSpPr>
-            <p:spPr>
-              <a:xfrm>
-                <a:off x="11469556" y="5162501"/>
-                <a:ext cx="319591" cy="986985"/>
-              </a:xfrm>
-              <a:prstGeom prst="rect">
-                <a:avLst/>
-              </a:prstGeom>
-              <a:solidFill>
-                <a:srgbClr val="FF6600"/>
-              </a:solidFill>
-              <a:ln cap="flat">
-                <a:noFill/>
-                <a:prstDash val="solid"/>
-              </a:ln>
-            </p:spPr>
-            <p:txBody>
-              <a:bodyPr vert="horz" wrap="square" lIns="107688" tIns="53849" rIns="107688" bIns="53849" anchor="ctr" anchorCtr="1" compatLnSpc="1">
-                <a:noAutofit/>
-              </a:bodyPr>
-              <a:lstStyle/>
-              <a:p>
-                <a:pPr marL="0" marR="0" lvl="0" indent="0" algn="ctr" defTabSz="911839" rtl="0" fontAlgn="auto" hangingPunct="1">
-                  <a:lnSpc>
-                    <a:spcPct val="110000"/>
-                  </a:lnSpc>
-                  <a:spcBef>
-                    <a:spcPts val="0"/>
-                  </a:spcBef>
-                  <a:spcAft>
-                    <a:spcPts val="0"/>
-                  </a:spcAft>
-                  <a:buNone/>
-                  <a:tabLst/>
-                  <a:defRPr sz="1800" b="0" i="0" u="none" strike="noStrike" kern="0" cap="none" spc="0" baseline="0">
-                    <a:solidFill>
-                      <a:srgbClr val="000000"/>
-                    </a:solidFill>
-                    <a:uFillTx/>
-                  </a:defRPr>
-                </a:pPr>
-                <a:endParaRPr lang="de-DE" sz="1795" b="1" i="0" u="none" strike="noStrike" kern="1200" cap="none" spc="0" baseline="0">
-                  <a:solidFill>
-                    <a:srgbClr val="000000"/>
-                  </a:solidFill>
-                  <a:uFillTx/>
-                  <a:latin typeface="Arial" pitchFamily="34"/>
-                  <a:ea typeface="ＭＳ Ｐゴシック"/>
-                </a:endParaRPr>
-              </a:p>
-            </p:txBody>
-          </p:sp>
-          <p:sp>
-            <p:nvSpPr>
-              <p:cNvPr id="292" name="Rechteck 35">
-                <a:extLst>
-                  <a:ext uri="{FF2B5EF4-FFF2-40B4-BE49-F238E27FC236}">
-                    <a16:creationId xmlns:a16="http://schemas.microsoft.com/office/drawing/2014/main" id="{A8949C22-3EA1-4A75-8E52-4A57EEBEDEF3}"/>
-                  </a:ext>
-                </a:extLst>
-              </p:cNvPr>
-              <p:cNvSpPr/>
-              <p:nvPr/>
-            </p:nvSpPr>
-            <p:spPr>
-              <a:xfrm rot="5400013">
-                <a:off x="10764568" y="4457503"/>
-                <a:ext cx="319591" cy="1729569"/>
-              </a:xfrm>
-              <a:prstGeom prst="rect">
-                <a:avLst/>
-              </a:prstGeom>
-              <a:solidFill>
-                <a:srgbClr val="FF6600"/>
-              </a:solidFill>
-              <a:ln cap="flat">
-                <a:noFill/>
-                <a:prstDash val="solid"/>
-              </a:ln>
-            </p:spPr>
-            <p:txBody>
-              <a:bodyPr vert="horz" wrap="square" lIns="107688" tIns="53849" rIns="107688" bIns="53849" anchor="ctr" anchorCtr="1" compatLnSpc="1">
-                <a:noAutofit/>
-              </a:bodyPr>
-              <a:lstStyle/>
-              <a:p>
-                <a:pPr marL="0" marR="0" lvl="0" indent="0" algn="ctr" defTabSz="911839" rtl="0" fontAlgn="auto" hangingPunct="1">
-                  <a:lnSpc>
-                    <a:spcPct val="110000"/>
-                  </a:lnSpc>
-                  <a:spcBef>
-                    <a:spcPts val="0"/>
-                  </a:spcBef>
-                  <a:spcAft>
-                    <a:spcPts val="0"/>
-                  </a:spcAft>
-                  <a:buNone/>
-                  <a:tabLst/>
-                  <a:defRPr sz="1800" b="0" i="0" u="none" strike="noStrike" kern="0" cap="none" spc="0" baseline="0">
-                    <a:solidFill>
-                      <a:srgbClr val="000000"/>
-                    </a:solidFill>
-                    <a:uFillTx/>
-                  </a:defRPr>
-                </a:pPr>
-                <a:endParaRPr lang="de-DE" sz="1795" b="1" i="0" u="none" strike="noStrike" kern="1200" cap="none" spc="0" baseline="0">
-                  <a:solidFill>
-                    <a:srgbClr val="000000"/>
-                  </a:solidFill>
-                  <a:uFillTx/>
-                  <a:latin typeface="Arial" pitchFamily="34"/>
-                  <a:ea typeface="ＭＳ Ｐゴシック"/>
-                </a:endParaRPr>
-              </a:p>
-            </p:txBody>
-          </p:sp>
-          <p:sp>
-            <p:nvSpPr>
-              <p:cNvPr id="293" name="Rechteck 36">
-                <a:extLst>
-                  <a:ext uri="{FF2B5EF4-FFF2-40B4-BE49-F238E27FC236}">
-                    <a16:creationId xmlns:a16="http://schemas.microsoft.com/office/drawing/2014/main" id="{CD163FF1-731D-4FB1-A88B-595AF2F6F31D}"/>
-                  </a:ext>
-                </a:extLst>
-              </p:cNvPr>
-              <p:cNvSpPr/>
-              <p:nvPr/>
-            </p:nvSpPr>
-            <p:spPr>
-              <a:xfrm>
-                <a:off x="10764572" y="4871100"/>
-                <a:ext cx="319591" cy="319591"/>
-              </a:xfrm>
-              <a:prstGeom prst="rect">
-                <a:avLst/>
-              </a:prstGeom>
-              <a:solidFill>
-                <a:srgbClr val="FF6600"/>
-              </a:solidFill>
-              <a:ln cap="flat">
-                <a:noFill/>
-                <a:prstDash val="solid"/>
-              </a:ln>
-            </p:spPr>
-            <p:txBody>
-              <a:bodyPr vert="horz" wrap="square" lIns="107688" tIns="53849" rIns="107688" bIns="53849" anchor="ctr" anchorCtr="1" compatLnSpc="1">
-                <a:noAutofit/>
-              </a:bodyPr>
-              <a:lstStyle/>
-              <a:p>
-                <a:pPr marL="0" marR="0" lvl="0" indent="0" algn="ctr" defTabSz="911839" rtl="0" fontAlgn="auto" hangingPunct="1">
-                  <a:lnSpc>
-                    <a:spcPct val="110000"/>
-                  </a:lnSpc>
-                  <a:spcBef>
-                    <a:spcPts val="0"/>
-                  </a:spcBef>
-                  <a:spcAft>
-                    <a:spcPts val="0"/>
-                  </a:spcAft>
-                  <a:buNone/>
-                  <a:tabLst/>
-                  <a:defRPr sz="1800" b="0" i="0" u="none" strike="noStrike" kern="0" cap="none" spc="0" baseline="0">
-                    <a:solidFill>
-                      <a:srgbClr val="000000"/>
-                    </a:solidFill>
-                    <a:uFillTx/>
-                  </a:defRPr>
-                </a:pPr>
-                <a:endParaRPr lang="de-DE" sz="1795" b="1" i="0" u="none" strike="noStrike" kern="1200" cap="none" spc="0" baseline="0">
-                  <a:solidFill>
-                    <a:srgbClr val="000000"/>
-                  </a:solidFill>
-                  <a:uFillTx/>
-                  <a:latin typeface="Arial" pitchFamily="34"/>
-                  <a:ea typeface="ＭＳ Ｐゴシック"/>
-                </a:endParaRPr>
-              </a:p>
-            </p:txBody>
-          </p:sp>
-        </p:grpSp>
-        <p:sp>
-          <p:nvSpPr>
-            <p:cNvPr id="289" name="Textfeld 116">
-              <a:extLst>
-                <a:ext uri="{FF2B5EF4-FFF2-40B4-BE49-F238E27FC236}">
-                  <a16:creationId xmlns:a16="http://schemas.microsoft.com/office/drawing/2014/main" id="{7943969D-2DD0-47C5-B582-5AF6CBF349A7}"/>
-                </a:ext>
-              </a:extLst>
-            </p:cNvPr>
-            <p:cNvSpPr txBox="1"/>
-            <p:nvPr/>
-          </p:nvSpPr>
-          <p:spPr>
-            <a:xfrm>
-              <a:off x="8336008" y="5207809"/>
-              <a:ext cx="1589949" cy="233748"/>
-            </a:xfrm>
-            <a:prstGeom prst="rect">
-              <a:avLst/>
-            </a:prstGeom>
-            <a:noFill/>
-            <a:ln cap="flat">
-              <a:noFill/>
-            </a:ln>
-          </p:spPr>
-          <p:txBody>
-            <a:bodyPr vert="horz" wrap="none" lIns="0" tIns="0" rIns="0" bIns="0" anchor="t" anchorCtr="0" compatLnSpc="1">
-              <a:noAutofit/>
-            </a:bodyPr>
-            <a:lstStyle/>
-            <a:p>
-              <a:pPr marL="0" marR="0" lvl="0" indent="0" algn="l" defTabSz="911839" rtl="0" fontAlgn="auto" hangingPunct="1">
-                <a:lnSpc>
-                  <a:spcPct val="110000"/>
-                </a:lnSpc>
-                <a:spcBef>
-                  <a:spcPts val="0"/>
-                </a:spcBef>
-                <a:spcAft>
-                  <a:spcPts val="0"/>
-                </a:spcAft>
-                <a:buNone/>
-                <a:tabLst/>
-                <a:defRPr sz="1800" b="0" i="0" u="none" strike="noStrike" kern="0" cap="none" spc="0" baseline="0">
-                  <a:solidFill>
-                    <a:srgbClr val="000000"/>
-                  </a:solidFill>
-                  <a:uFillTx/>
-                </a:defRPr>
-              </a:pPr>
-              <a:r>
-                <a:rPr lang="de-DE" sz="998" b="0" i="0" u="none" strike="noStrike" kern="1200" cap="none" spc="0" baseline="0" dirty="0">
-                  <a:solidFill>
-                    <a:srgbClr val="000000"/>
-                  </a:solidFill>
-                  <a:uFillTx/>
-                  <a:latin typeface="Arial" pitchFamily="34"/>
-                  <a:ea typeface="ＭＳ Ｐゴシック"/>
-                </a:rPr>
-                <a:t>Integration </a:t>
-              </a:r>
-              <a:r>
-                <a:rPr lang="en-US" sz="998" b="0" i="0" u="none" strike="noStrike" kern="1200" cap="none" spc="0" baseline="0" dirty="0">
-                  <a:solidFill>
-                    <a:srgbClr val="000000"/>
-                  </a:solidFill>
-                  <a:uFillTx/>
-                  <a:latin typeface="Arial" pitchFamily="34"/>
-                  <a:ea typeface="ＭＳ Ｐゴシック"/>
-                </a:rPr>
-                <a:t>layer</a:t>
-              </a:r>
-              <a:r>
-                <a:rPr lang="de-DE" sz="998" b="0" i="0" u="none" strike="noStrike" kern="1200" cap="none" spc="0" baseline="0" dirty="0">
-                  <a:solidFill>
-                    <a:srgbClr val="000000"/>
-                  </a:solidFill>
-                  <a:uFillTx/>
-                  <a:latin typeface="Arial" pitchFamily="34"/>
-                  <a:ea typeface="ＭＳ Ｐゴシック"/>
-                </a:rPr>
-                <a:t> (API/Data)</a:t>
-              </a:r>
-            </a:p>
-          </p:txBody>
-        </p:sp>
-      </p:grpSp>
-      <p:sp>
-        <p:nvSpPr>
-          <p:cNvPr id="7" name="Rechteck 6">
-            <a:extLst>
-              <a:ext uri="{FF2B5EF4-FFF2-40B4-BE49-F238E27FC236}">
-                <a16:creationId xmlns:a16="http://schemas.microsoft.com/office/drawing/2014/main" id="{37423E1B-BF05-439F-A249-4506A68540B2}"/>
-              </a:ext>
-            </a:extLst>
-          </p:cNvPr>
-          <p:cNvSpPr/>
-          <p:nvPr/>
-        </p:nvSpPr>
-        <p:spPr>
-          <a:xfrm>
-            <a:off x="5180345" y="2099759"/>
-            <a:ext cx="761747" cy="373436"/>
-          </a:xfrm>
-          <a:prstGeom prst="rect">
-            <a:avLst/>
-          </a:prstGeom>
-        </p:spPr>
-        <p:txBody>
-          <a:bodyPr wrap="none">
-            <a:spAutoFit/>
-          </a:bodyPr>
-          <a:lstStyle/>
-          <a:p>
-            <a:pPr lvl="0" algn="ctr">
-              <a:lnSpc>
-                <a:spcPct val="110000"/>
-              </a:lnSpc>
-              <a:spcBef>
-                <a:spcPct val="0"/>
-              </a:spcBef>
-              <a:defRPr/>
-            </a:pPr>
-            <a:r>
-              <a:rPr lang="de-DE" b="1" dirty="0">
-                <a:solidFill>
-                  <a:srgbClr val="000000"/>
-                </a:solidFill>
-              </a:rPr>
-              <a:t>Bang</a:t>
-            </a:r>
-          </a:p>
-        </p:txBody>
-      </p:sp>
-      <p:pic>
-        <p:nvPicPr>
-          <p:cNvPr id="131" name="Grafik 130">
-            <a:extLst>
-              <a:ext uri="{FF2B5EF4-FFF2-40B4-BE49-F238E27FC236}">
-                <a16:creationId xmlns:a16="http://schemas.microsoft.com/office/drawing/2014/main" id="{F23BA807-2F0D-498C-A437-42555B03E201}"/>
-              </a:ext>
-            </a:extLst>
-          </p:cNvPr>
-          <p:cNvPicPr>
-            <a:picLocks noChangeAspect="1"/>
-          </p:cNvPicPr>
-          <p:nvPr/>
-        </p:nvPicPr>
-        <p:blipFill>
-          <a:blip r:embed="rId10"/>
-          <a:stretch>
-            <a:fillRect/>
-          </a:stretch>
-        </p:blipFill>
-        <p:spPr>
-          <a:xfrm>
-            <a:off x="1196334" y="4123593"/>
-            <a:ext cx="756387" cy="788323"/>
-          </a:xfrm>
-          <a:prstGeom prst="rect">
-            <a:avLst/>
-          </a:prstGeom>
-        </p:spPr>
-      </p:pic>
-      <p:sp>
-        <p:nvSpPr>
-          <p:cNvPr id="2" name="Rectangle 1">
-            <a:extLst>
-              <a:ext uri="{FF2B5EF4-FFF2-40B4-BE49-F238E27FC236}">
-                <a16:creationId xmlns:a16="http://schemas.microsoft.com/office/drawing/2014/main" id="{F5BC86BA-1BEF-40E4-A0E2-485A303E7CEC}"/>
-              </a:ext>
-            </a:extLst>
-          </p:cNvPr>
-          <p:cNvSpPr/>
-          <p:nvPr/>
-        </p:nvSpPr>
-        <p:spPr>
-          <a:xfrm>
-            <a:off x="3242141" y="6354500"/>
-            <a:ext cx="1196161" cy="417743"/>
-          </a:xfrm>
-          <a:prstGeom prst="rect">
-            <a:avLst/>
-          </a:prstGeom>
-        </p:spPr>
-        <p:txBody>
-          <a:bodyPr wrap="none">
-            <a:spAutoFit/>
-          </a:bodyPr>
-          <a:lstStyle/>
-          <a:p>
-            <a:pPr lvl="0" algn="ctr">
-              <a:lnSpc>
-                <a:spcPct val="110000"/>
-              </a:lnSpc>
-              <a:spcBef>
-                <a:spcPct val="0"/>
-              </a:spcBef>
-              <a:defRPr/>
-            </a:pPr>
-            <a:r>
-              <a:rPr lang="en-US" sz="1000" b="1" dirty="0">
-                <a:solidFill>
-                  <a:srgbClr val="000000"/>
-                </a:solidFill>
-              </a:rPr>
-              <a:t>Forensic</a:t>
-            </a:r>
-            <a:r>
-              <a:rPr lang="de-DE" sz="1000" b="1" dirty="0">
-                <a:solidFill>
-                  <a:srgbClr val="000000"/>
-                </a:solidFill>
-              </a:rPr>
-              <a:t> Code </a:t>
-            </a:r>
-            <a:br>
-              <a:rPr lang="de-DE" sz="1000" b="1" dirty="0">
-                <a:solidFill>
-                  <a:srgbClr val="000000"/>
-                </a:solidFill>
-              </a:rPr>
-            </a:br>
-            <a:r>
-              <a:rPr lang="de-DE" sz="1000" b="1" dirty="0">
-                <a:solidFill>
-                  <a:srgbClr val="000000"/>
-                </a:solidFill>
-              </a:rPr>
-              <a:t>Analysis Service</a:t>
-            </a:r>
-          </a:p>
-        </p:txBody>
-      </p:sp>
-      <p:pic>
-        <p:nvPicPr>
-          <p:cNvPr id="9" name="Picture 8">
-            <a:extLst>
-              <a:ext uri="{FF2B5EF4-FFF2-40B4-BE49-F238E27FC236}">
-                <a16:creationId xmlns:a16="http://schemas.microsoft.com/office/drawing/2014/main" id="{058A72F5-FCC1-4F29-B719-B37475C93E4B}"/>
-              </a:ext>
-            </a:extLst>
-          </p:cNvPr>
-          <p:cNvPicPr>
-            <a:picLocks noChangeAspect="1"/>
-          </p:cNvPicPr>
-          <p:nvPr/>
-        </p:nvPicPr>
-        <p:blipFill>
-          <a:blip r:embed="rId11"/>
-          <a:stretch>
-            <a:fillRect/>
-          </a:stretch>
-        </p:blipFill>
-        <p:spPr>
-          <a:xfrm>
-            <a:off x="9993983" y="3876019"/>
-            <a:ext cx="1074156" cy="356620"/>
-          </a:xfrm>
-          <a:prstGeom prst="rect">
-            <a:avLst/>
-          </a:prstGeom>
-        </p:spPr>
-      </p:pic>
-      <p:pic>
-        <p:nvPicPr>
-          <p:cNvPr id="132" name="Picture 131">
-            <a:extLst>
-              <a:ext uri="{FF2B5EF4-FFF2-40B4-BE49-F238E27FC236}">
-                <a16:creationId xmlns:a16="http://schemas.microsoft.com/office/drawing/2014/main" id="{58A3EB6A-BE10-4029-B30B-18CFB0B41ABB}"/>
-              </a:ext>
-            </a:extLst>
-          </p:cNvPr>
-          <p:cNvPicPr>
-            <a:picLocks noChangeAspect="1"/>
-          </p:cNvPicPr>
-          <p:nvPr/>
-        </p:nvPicPr>
-        <p:blipFill>
-          <a:blip r:embed="rId11"/>
-          <a:stretch>
-            <a:fillRect/>
-          </a:stretch>
-        </p:blipFill>
-        <p:spPr>
-          <a:xfrm>
-            <a:off x="1189729" y="3310360"/>
-            <a:ext cx="1074156" cy="356620"/>
-          </a:xfrm>
-          <a:prstGeom prst="rect">
-            <a:avLst/>
-          </a:prstGeom>
-        </p:spPr>
-      </p:pic>
-      <p:pic>
-        <p:nvPicPr>
-          <p:cNvPr id="20" name="Picture 19">
-            <a:extLst>
-              <a:ext uri="{FF2B5EF4-FFF2-40B4-BE49-F238E27FC236}">
-                <a16:creationId xmlns:a16="http://schemas.microsoft.com/office/drawing/2014/main" id="{636E7F64-DABE-421F-ADE7-8A2BCA3DEDD8}"/>
-              </a:ext>
-            </a:extLst>
-          </p:cNvPr>
-          <p:cNvPicPr>
-            <a:picLocks noChangeAspect="1"/>
-          </p:cNvPicPr>
-          <p:nvPr/>
-        </p:nvPicPr>
-        <p:blipFill>
-          <a:blip r:embed="rId12"/>
-          <a:stretch>
-            <a:fillRect/>
-          </a:stretch>
-        </p:blipFill>
-        <p:spPr>
-          <a:xfrm>
-            <a:off x="3387065" y="5504068"/>
-            <a:ext cx="809553" cy="809553"/>
-          </a:xfrm>
-          <a:prstGeom prst="rect">
-            <a:avLst/>
-          </a:prstGeom>
-        </p:spPr>
-      </p:pic>
-      <p:pic>
-        <p:nvPicPr>
-          <p:cNvPr id="133" name="Picture 4">
-            <a:extLst>
-              <a:ext uri="{FF2B5EF4-FFF2-40B4-BE49-F238E27FC236}">
-                <a16:creationId xmlns:a16="http://schemas.microsoft.com/office/drawing/2014/main" id="{F1B6F846-ECED-41DD-9FB5-256128B94FE0}"/>
-              </a:ext>
-            </a:extLst>
-          </p:cNvPr>
-          <p:cNvPicPr>
-            <a:picLocks noChangeAspect="1"/>
-          </p:cNvPicPr>
-          <p:nvPr/>
-        </p:nvPicPr>
-        <p:blipFill>
-          <a:blip r:embed="rId5"/>
-          <a:stretch>
-            <a:fillRect/>
-          </a:stretch>
-        </p:blipFill>
-        <p:spPr>
-          <a:xfrm>
-            <a:off x="8652644" y="2253654"/>
-            <a:ext cx="831104" cy="355154"/>
-          </a:xfrm>
-          <a:prstGeom prst="rect">
-            <a:avLst/>
-          </a:prstGeom>
-          <a:noFill/>
-          <a:ln cap="flat">
-            <a:noFill/>
-          </a:ln>
-        </p:spPr>
-      </p:pic>
-      <p:pic>
-        <p:nvPicPr>
-          <p:cNvPr id="134" name="Picture 133">
-            <a:extLst>
-              <a:ext uri="{FF2B5EF4-FFF2-40B4-BE49-F238E27FC236}">
-                <a16:creationId xmlns:a16="http://schemas.microsoft.com/office/drawing/2014/main" id="{AE27A9F1-6AE6-4D2A-8E73-0F4903D2F25C}"/>
-              </a:ext>
-            </a:extLst>
-          </p:cNvPr>
-          <p:cNvPicPr>
-            <a:picLocks noChangeAspect="1"/>
-          </p:cNvPicPr>
-          <p:nvPr/>
-        </p:nvPicPr>
-        <p:blipFill>
-          <a:blip r:embed="rId13"/>
-          <a:stretch>
-            <a:fillRect/>
-          </a:stretch>
-        </p:blipFill>
-        <p:spPr>
-          <a:xfrm>
-            <a:off x="8607055" y="2048103"/>
-            <a:ext cx="1020436" cy="170872"/>
-          </a:xfrm>
-          <a:prstGeom prst="rect">
-            <a:avLst/>
-          </a:prstGeom>
-        </p:spPr>
-      </p:pic>
-      <p:pic>
-        <p:nvPicPr>
-          <p:cNvPr id="8" name="Picture 7">
-            <a:extLst>
-              <a:ext uri="{FF2B5EF4-FFF2-40B4-BE49-F238E27FC236}">
-                <a16:creationId xmlns:a16="http://schemas.microsoft.com/office/drawing/2014/main" id="{E20E7A98-0A3A-42EE-8A43-FE6E4A6599A7}"/>
-              </a:ext>
-            </a:extLst>
-          </p:cNvPr>
-          <p:cNvPicPr>
-            <a:picLocks noChangeAspect="1"/>
-          </p:cNvPicPr>
-          <p:nvPr/>
-        </p:nvPicPr>
-        <p:blipFill>
-          <a:blip r:embed="rId14"/>
-          <a:stretch>
-            <a:fillRect/>
-          </a:stretch>
-        </p:blipFill>
-        <p:spPr>
-          <a:xfrm>
-            <a:off x="3289261" y="2362777"/>
-            <a:ext cx="904875" cy="285750"/>
-          </a:xfrm>
-          <a:prstGeom prst="rect">
-            <a:avLst/>
-          </a:prstGeom>
-        </p:spPr>
-      </p:pic>
-    </p:spTree>
-    <p:extLst>
-      <p:ext uri="{BB962C8B-B14F-4D97-AF65-F5344CB8AC3E}">
-        <p14:creationId xmlns:p14="http://schemas.microsoft.com/office/powerpoint/2010/main" val="2458456247"/>
       </p:ext>
     </p:extLst>
   </p:cSld>
@@ -30156,26 +22755,47 @@
 </file>
 
 <file path=customXml/item1.xml><?xml version="1.0" encoding="utf-8"?>
-<p4ppTags/>
+<p4ppTags>
+  <Name>Free Content + Navigation</Name>
+  <PpLayout>32</PpLayout>
+  <Index>16</Index>
+</p4ppTags>
 </file>
 
 <file path=customXml/item10.xml><?xml version="1.0" encoding="utf-8"?>
 <p4ppTags>
-  <Name>Two columns</Name>
-  <PpLayout>29</PpLayout>
-  <Index>12</Index>
+  <Name>One object (large)</Name>
+  <PpLayout>16</PpLayout>
+  <Index>10</Index>
 </p4ppTags>
 </file>
 
 <file path=customXml/item11.xml><?xml version="1.0" encoding="utf-8"?>
+<p:properties xmlns:p="http://schemas.microsoft.com/office/2006/metadata/properties" xmlns:xsi="http://www.w3.org/2001/XMLSchema-instance">
+  <documentManagement>
+    <PublishingExpirationDate xmlns="http://schemas.microsoft.com/sharepoint/v3" xsi:nil="true"/>
+    <PublishingStartDate xmlns="http://schemas.microsoft.com/sharepoint/v3" xsi:nil="true"/>
+  </documentManagement>
+</p:properties>
+</file>
+
+<file path=customXml/item12.xml><?xml version="1.0" encoding="utf-8"?>
 <p4ppTags>
-  <Name>Two rows</Name>
+  <Name>Text + Index</Name>
   <PpLayout>32</PpLayout>
-  <Index>13</Index>
+  <Index>8</Index>
 </p4ppTags>
 </file>
 
-<file path=customXml/item12.xml><?xml version="1.0" encoding="utf-8"?>
+<file path=customXml/item13.xml><?xml version="1.0" encoding="utf-8"?>
+<p4ppTags>
+  <Name>Three columns + Navigation</Name>
+  <PpLayout>32</PpLayout>
+  <Index>20</Index>
+</p4ppTags>
+</file>
+
+<file path=customXml/item14.xml><?xml version="1.0" encoding="utf-8"?>
 <p4ppTags>
   <Name>One object (small)</Name>
   <PpLayout>16</PpLayout>
@@ -30183,31 +22803,23 @@
 </p4ppTags>
 </file>
 
-<file path=customXml/item13.xml><?xml version="1.0" encoding="utf-8"?>
-<p4ppTags>
-  <Name>One object (large)</Name>
-  <PpLayout>16</PpLayout>
-  <Index>10</Index>
-</p4ppTags>
-</file>
-
-<file path=customXml/item14.xml><?xml version="1.0" encoding="utf-8"?>
-<p4ppTags>
-  <Name>Free Content</Name>
-  <PpLayout>11</PpLayout>
-  <Index>9</Index>
-</p4ppTags>
-</file>
-
 <file path=customXml/item15.xml><?xml version="1.0" encoding="utf-8"?>
 <p4ppTags>
-  <Name>One object (small) + Navigation</Name>
+  <Name>One object (large) + Navigation</Name>
   <PpLayout>32</PpLayout>
-  <Index>18</Index>
+  <Index>17</Index>
 </p4ppTags>
 </file>
 
 <file path=customXml/item16.xml><?xml version="1.0" encoding="utf-8"?>
+<p4ppTags>
+  <Name>Four objects</Name>
+  <PpLayout>24</PpLayout>
+  <Index>15</Index>
+</p4ppTags>
+</file>
+
+<file path=customXml/item17.xml><?xml version="1.0" encoding="utf-8"?>
 <ct:contentTypeSchema xmlns:ct="http://schemas.microsoft.com/office/2006/metadata/contentType" xmlns:ma="http://schemas.microsoft.com/office/2006/metadata/properties/metaAttributes" ct:_="" ma:_="" ma:contentTypeName="Document" ma:contentTypeID="0x01010026F530587E03684C96E4C14F39C83C8E" ma:contentTypeVersion="1" ma:contentTypeDescription="Create a new document." ma:contentTypeScope="" ma:versionID="a7726241122b1ad33829eba8e69a544b">
   <xsd:schema xmlns:xsd="http://www.w3.org/2001/XMLSchema" xmlns:p="http://schemas.microsoft.com/office/2006/metadata/properties" xmlns:ns1="http://schemas.microsoft.com/sharepoint/v3" targetNamespace="http://schemas.microsoft.com/office/2006/metadata/properties" ma:root="true" ma:fieldsID="ddb0c952b897a810c8a4e377cff6bff8" ns1:_="">
     <xsd:import namespace="http://schemas.microsoft.com/sharepoint/v3"/>
@@ -30273,48 +22885,19 @@
 </ct:contentTypeSchema>
 </file>
 
-<file path=customXml/item17.xml><?xml version="1.0" encoding="utf-8"?>
-<p4ppTags>
-  <Name>One object (large) + Navigation</Name>
-  <PpLayout>32</PpLayout>
-  <Index>17</Index>
-</p4ppTags>
-</file>
-
 <file path=customXml/item18.xml><?xml version="1.0" encoding="utf-8"?>
-<p:properties xmlns:p="http://schemas.microsoft.com/office/2006/metadata/properties" xmlns:xsi="http://www.w3.org/2001/XMLSchema-instance">
-  <documentManagement>
-    <PublishingExpirationDate xmlns="http://schemas.microsoft.com/sharepoint/v3" xsi:nil="true"/>
-    <PublishingStartDate xmlns="http://schemas.microsoft.com/sharepoint/v3" xsi:nil="true"/>
-  </documentManagement>
-</p:properties>
+<p4ppTags/>
 </file>
 
 <file path=customXml/item2.xml><?xml version="1.0" encoding="utf-8"?>
 <p4ppTags>
-  <Name>Four objects</Name>
-  <PpLayout>24</PpLayout>
-  <Index>15</Index>
+  <Name>Two rows</Name>
+  <PpLayout>32</PpLayout>
+  <Index>13</Index>
 </p4ppTags>
 </file>
 
 <file path=customXml/item3.xml><?xml version="1.0" encoding="utf-8"?>
-<p4ppTags>
-  <Name>Text + Index</Name>
-  <PpLayout>32</PpLayout>
-  <Index>8</Index>
-</p4ppTags>
-</file>
-
-<file path=customXml/item4.xml><?xml version="1.0" encoding="utf-8"?>
-<p4ppTags>
-  <Name>Three columns</Name>
-  <PpLayout>32</PpLayout>
-  <Index>14</Index>
-</p4ppTags>
-</file>
-
-<file path=customXml/item5.xml><?xml version="1.0" encoding="utf-8"?>
 <?mso-contentType ?>
 <FormTemplates xmlns="http://schemas.microsoft.com/sharepoint/v3/contenttype/forms">
   <Display>DocumentLibraryForm</Display>
@@ -30323,23 +22906,47 @@
 </FormTemplates>
 </file>
 
+<file path=customXml/item4.xml><?xml version="1.0" encoding="utf-8"?>
+<p4ppTags>
+  <Name>One object (small) + Navigation</Name>
+  <PpLayout>32</PpLayout>
+  <Index>18</Index>
+</p4ppTags>
+</file>
+
+<file path=customXml/item5.xml><?xml version="1.0" encoding="utf-8"?>
+<p4ppTags>
+  <Name>Two columns</Name>
+  <PpLayout>29</PpLayout>
+  <Index>12</Index>
+</p4ppTags>
+</file>
+
 <file path=customXml/item6.xml><?xml version="1.0" encoding="utf-8"?>
 <p4ppTags>
-  <Name>Free Content + Navigation</Name>
+  <Name>Three columns</Name>
   <PpLayout>32</PpLayout>
-  <Index>16</Index>
+  <Index>14</Index>
 </p4ppTags>
 </file>
 
 <file path=customXml/item7.xml><?xml version="1.0" encoding="utf-8"?>
 <p4ppTags>
-  <Name>Three columns + Navigation</Name>
+  <Name>Two rows + Navigation</Name>
   <PpLayout>32</PpLayout>
-  <Index>20</Index>
+  <Index>21</Index>
 </p4ppTags>
 </file>
 
 <file path=customXml/item8.xml><?xml version="1.0" encoding="utf-8"?>
+<p4ppTags>
+  <Name>Free Content</Name>
+  <PpLayout>11</PpLayout>
+  <Index>9</Index>
+</p4ppTags>
+</file>
+
+<file path=customXml/item9.xml><?xml version="1.0" encoding="utf-8"?>
 <p4ppTags>
   <Name>Two columns + Navigation</Name>
   <PpLayout>32</PpLayout>
@@ -30347,57 +22954,64 @@
 </p4ppTags>
 </file>
 
-<file path=customXml/item9.xml><?xml version="1.0" encoding="utf-8"?>
-<p4ppTags>
-  <Name>Two rows + Navigation</Name>
-  <PpLayout>32</PpLayout>
-  <Index>21</Index>
-</p4ppTags>
-</file>
-
 <file path=customXml/itemProps1.xml><?xml version="1.0" encoding="utf-8"?>
-<ds:datastoreItem xmlns:ds="http://schemas.openxmlformats.org/officeDocument/2006/customXml" ds:itemID="{572FBA73-6DBF-45DA-8282-9342320CFAB0}">
+<ds:datastoreItem xmlns:ds="http://schemas.openxmlformats.org/officeDocument/2006/customXml" ds:itemID="{7CC5F709-E74B-4E5F-A728-923D5062EBEF}">
   <ds:schemaRefs/>
 </ds:datastoreItem>
 </file>
 
 <file path=customXml/itemProps10.xml><?xml version="1.0" encoding="utf-8"?>
-<ds:datastoreItem xmlns:ds="http://schemas.openxmlformats.org/officeDocument/2006/customXml" ds:itemID="{1666F4C2-68F5-4840-A44A-1A646C0925A1}">
+<ds:datastoreItem xmlns:ds="http://schemas.openxmlformats.org/officeDocument/2006/customXml" ds:itemID="{80661B8B-A327-44F9-823B-4D9EE0B3EC78}">
   <ds:schemaRefs/>
 </ds:datastoreItem>
 </file>
 
 <file path=customXml/itemProps11.xml><?xml version="1.0" encoding="utf-8"?>
-<ds:datastoreItem xmlns:ds="http://schemas.openxmlformats.org/officeDocument/2006/customXml" ds:itemID="{38AB8DE4-FD9B-4166-BEC3-3F1753596133}">
+<ds:datastoreItem xmlns:ds="http://schemas.openxmlformats.org/officeDocument/2006/customXml" ds:itemID="{C3CCD83D-9C91-4A4B-87D6-2A0CC03F9D68}">
+  <ds:schemaRefs>
+    <ds:schemaRef ds:uri="http://purl.org/dc/elements/1.1/"/>
+    <ds:schemaRef ds:uri="http://schemas.microsoft.com/office/2006/metadata/properties"/>
+    <ds:schemaRef ds:uri="http://schemas.microsoft.com/office/2006/documentManagement/types"/>
+    <ds:schemaRef ds:uri="http://schemas.microsoft.com/sharepoint/v3"/>
+    <ds:schemaRef ds:uri="http://purl.org/dc/terms/"/>
+    <ds:schemaRef ds:uri="http://schemas.openxmlformats.org/package/2006/metadata/core-properties"/>
+    <ds:schemaRef ds:uri="http://purl.org/dc/dcmitype/"/>
+    <ds:schemaRef ds:uri="http://www.w3.org/XML/1998/namespace"/>
+  </ds:schemaRefs>
+</ds:datastoreItem>
+</file>
+
+<file path=customXml/itemProps12.xml><?xml version="1.0" encoding="utf-8"?>
+<ds:datastoreItem xmlns:ds="http://schemas.openxmlformats.org/officeDocument/2006/customXml" ds:itemID="{7E35FEDB-1F0E-4D67-A313-4AC59C26FF29}">
   <ds:schemaRefs/>
 </ds:datastoreItem>
 </file>
 
-<file path=customXml/itemProps12.xml><?xml version="1.0" encoding="utf-8"?>
+<file path=customXml/itemProps13.xml><?xml version="1.0" encoding="utf-8"?>
+<ds:datastoreItem xmlns:ds="http://schemas.openxmlformats.org/officeDocument/2006/customXml" ds:itemID="{85D77EE6-52B7-48BE-9EDB-748F1EBB53DE}">
+  <ds:schemaRefs/>
+</ds:datastoreItem>
+</file>
+
+<file path=customXml/itemProps14.xml><?xml version="1.0" encoding="utf-8"?>
 <ds:datastoreItem xmlns:ds="http://schemas.openxmlformats.org/officeDocument/2006/customXml" ds:itemID="{1618AA06-B22E-4D19-9680-0D7830426729}">
   <ds:schemaRefs/>
 </ds:datastoreItem>
 </file>
 
-<file path=customXml/itemProps13.xml><?xml version="1.0" encoding="utf-8"?>
-<ds:datastoreItem xmlns:ds="http://schemas.openxmlformats.org/officeDocument/2006/customXml" ds:itemID="{80661B8B-A327-44F9-823B-4D9EE0B3EC78}">
-  <ds:schemaRefs/>
-</ds:datastoreItem>
-</file>
-
-<file path=customXml/itemProps14.xml><?xml version="1.0" encoding="utf-8"?>
-<ds:datastoreItem xmlns:ds="http://schemas.openxmlformats.org/officeDocument/2006/customXml" ds:itemID="{D8097D0C-BE3E-4AEC-9593-65CFCCB19297}">
-  <ds:schemaRefs/>
-</ds:datastoreItem>
-</file>
-
 <file path=customXml/itemProps15.xml><?xml version="1.0" encoding="utf-8"?>
-<ds:datastoreItem xmlns:ds="http://schemas.openxmlformats.org/officeDocument/2006/customXml" ds:itemID="{D9FE249F-833E-4CF0-BECB-552D01D7DC9E}">
+<ds:datastoreItem xmlns:ds="http://schemas.openxmlformats.org/officeDocument/2006/customXml" ds:itemID="{B27F640E-84DF-4F97-BC70-D045F1E6594F}">
   <ds:schemaRefs/>
 </ds:datastoreItem>
 </file>
 
 <file path=customXml/itemProps16.xml><?xml version="1.0" encoding="utf-8"?>
+<ds:datastoreItem xmlns:ds="http://schemas.openxmlformats.org/officeDocument/2006/customXml" ds:itemID="{1581BFFB-B4CE-47A8-BE77-DC1339B1E5A7}">
+  <ds:schemaRefs/>
+</ds:datastoreItem>
+</file>
+
+<file path=customXml/itemProps17.xml><?xml version="1.0" encoding="utf-8"?>
 <ds:datastoreItem xmlns:ds="http://schemas.openxmlformats.org/officeDocument/2006/customXml" ds:itemID="{DDD5559B-0584-4B05-A285-1FEC88814B30}">
   <ds:schemaRefs>
     <ds:schemaRef ds:uri="http://schemas.microsoft.com/office/2006/metadata/contentType"/>
@@ -30414,46 +23028,19 @@
 </ds:datastoreItem>
 </file>
 
-<file path=customXml/itemProps17.xml><?xml version="1.0" encoding="utf-8"?>
-<ds:datastoreItem xmlns:ds="http://schemas.openxmlformats.org/officeDocument/2006/customXml" ds:itemID="{B27F640E-84DF-4F97-BC70-D045F1E6594F}">
+<file path=customXml/itemProps18.xml><?xml version="1.0" encoding="utf-8"?>
+<ds:datastoreItem xmlns:ds="http://schemas.openxmlformats.org/officeDocument/2006/customXml" ds:itemID="{572FBA73-6DBF-45DA-8282-9342320CFAB0}">
   <ds:schemaRefs/>
 </ds:datastoreItem>
 </file>
 
-<file path=customXml/itemProps18.xml><?xml version="1.0" encoding="utf-8"?>
-<ds:datastoreItem xmlns:ds="http://schemas.openxmlformats.org/officeDocument/2006/customXml" ds:itemID="{C3CCD83D-9C91-4A4B-87D6-2A0CC03F9D68}">
-  <ds:schemaRefs>
-    <ds:schemaRef ds:uri="http://purl.org/dc/elements/1.1/"/>
-    <ds:schemaRef ds:uri="http://schemas.microsoft.com/office/2006/metadata/properties"/>
-    <ds:schemaRef ds:uri="http://schemas.microsoft.com/office/2006/documentManagement/types"/>
-    <ds:schemaRef ds:uri="http://schemas.microsoft.com/sharepoint/v3"/>
-    <ds:schemaRef ds:uri="http://purl.org/dc/terms/"/>
-    <ds:schemaRef ds:uri="http://schemas.openxmlformats.org/package/2006/metadata/core-properties"/>
-    <ds:schemaRef ds:uri="http://purl.org/dc/dcmitype/"/>
-    <ds:schemaRef ds:uri="http://www.w3.org/XML/1998/namespace"/>
-  </ds:schemaRefs>
-</ds:datastoreItem>
-</file>
-
 <file path=customXml/itemProps2.xml><?xml version="1.0" encoding="utf-8"?>
-<ds:datastoreItem xmlns:ds="http://schemas.openxmlformats.org/officeDocument/2006/customXml" ds:itemID="{1581BFFB-B4CE-47A8-BE77-DC1339B1E5A7}">
+<ds:datastoreItem xmlns:ds="http://schemas.openxmlformats.org/officeDocument/2006/customXml" ds:itemID="{38AB8DE4-FD9B-4166-BEC3-3F1753596133}">
   <ds:schemaRefs/>
 </ds:datastoreItem>
 </file>
 
 <file path=customXml/itemProps3.xml><?xml version="1.0" encoding="utf-8"?>
-<ds:datastoreItem xmlns:ds="http://schemas.openxmlformats.org/officeDocument/2006/customXml" ds:itemID="{7E35FEDB-1F0E-4D67-A313-4AC59C26FF29}">
-  <ds:schemaRefs/>
-</ds:datastoreItem>
-</file>
-
-<file path=customXml/itemProps4.xml><?xml version="1.0" encoding="utf-8"?>
-<ds:datastoreItem xmlns:ds="http://schemas.openxmlformats.org/officeDocument/2006/customXml" ds:itemID="{15CF3461-70D1-4B54-AFAB-DAFDA0A238CD}">
-  <ds:schemaRefs/>
-</ds:datastoreItem>
-</file>
-
-<file path=customXml/itemProps5.xml><?xml version="1.0" encoding="utf-8"?>
 <ds:datastoreItem xmlns:ds="http://schemas.openxmlformats.org/officeDocument/2006/customXml" ds:itemID="{C770A9D8-EB8A-4EA7-9CCD-8AD3EAF96C52}">
   <ds:schemaRefs>
     <ds:schemaRef ds:uri="http://schemas.microsoft.com/sharepoint/v3/contenttype/forms"/>
@@ -30461,26 +23048,44 @@
 </ds:datastoreItem>
 </file>
 
+<file path=customXml/itemProps4.xml><?xml version="1.0" encoding="utf-8"?>
+<ds:datastoreItem xmlns:ds="http://schemas.openxmlformats.org/officeDocument/2006/customXml" ds:itemID="{D9FE249F-833E-4CF0-BECB-552D01D7DC9E}">
+  <ds:schemaRefs/>
+</ds:datastoreItem>
+</file>
+
+<file path=customXml/itemProps5.xml><?xml version="1.0" encoding="utf-8"?>
+<ds:datastoreItem xmlns:ds="http://schemas.openxmlformats.org/officeDocument/2006/customXml" ds:itemID="{1666F4C2-68F5-4840-A44A-1A646C0925A1}">
+  <ds:schemaRefs/>
+</ds:datastoreItem>
+</file>
+
 <file path=customXml/itemProps6.xml><?xml version="1.0" encoding="utf-8"?>
-<ds:datastoreItem xmlns:ds="http://schemas.openxmlformats.org/officeDocument/2006/customXml" ds:itemID="{7CC5F709-E74B-4E5F-A728-923D5062EBEF}">
+<ds:datastoreItem xmlns:ds="http://schemas.openxmlformats.org/officeDocument/2006/customXml" ds:itemID="{15CF3461-70D1-4B54-AFAB-DAFDA0A238CD}">
   <ds:schemaRefs/>
 </ds:datastoreItem>
 </file>
 
 <file path=customXml/itemProps7.xml><?xml version="1.0" encoding="utf-8"?>
-<ds:datastoreItem xmlns:ds="http://schemas.openxmlformats.org/officeDocument/2006/customXml" ds:itemID="{85D77EE6-52B7-48BE-9EDB-748F1EBB53DE}">
+<ds:datastoreItem xmlns:ds="http://schemas.openxmlformats.org/officeDocument/2006/customXml" ds:itemID="{6C79E4F8-DCFB-483C-880A-AEEC6AAFC838}">
   <ds:schemaRefs/>
 </ds:datastoreItem>
 </file>
 
 <file path=customXml/itemProps8.xml><?xml version="1.0" encoding="utf-8"?>
+<ds:datastoreItem xmlns:ds="http://schemas.openxmlformats.org/officeDocument/2006/customXml" ds:itemID="{D8097D0C-BE3E-4AEC-9593-65CFCCB19297}">
+  <ds:schemaRefs/>
+</ds:datastoreItem>
+</file>
+
+<file path=customXml/itemProps9.xml><?xml version="1.0" encoding="utf-8"?>
 <ds:datastoreItem xmlns:ds="http://schemas.openxmlformats.org/officeDocument/2006/customXml" ds:itemID="{D7BABA95-BFFE-422B-8591-3271669EEA88}">
   <ds:schemaRefs/>
 </ds:datastoreItem>
 </file>
 
-<file path=customXml/itemProps9.xml><?xml version="1.0" encoding="utf-8"?>
-<ds:datastoreItem xmlns:ds="http://schemas.openxmlformats.org/officeDocument/2006/customXml" ds:itemID="{6C79E4F8-DCFB-483C-880A-AEEC6AAFC838}">
-  <ds:schemaRefs/>
-</ds:datastoreItem>
+<file path=docMetadata/LabelInfo.xml><?xml version="1.0" encoding="utf-8"?>
+<clbl:labelList xmlns:clbl="http://schemas.microsoft.com/office/2020/mipLabelMetadata">
+  <clbl:label id="{6f75f480-7803-4ee9-bb54-84d0635fdbe7}" enabled="1" method="Standard" siteId="{38ae3bcd-9579-4fd4-adda-b42e1495d55a}" contentBits="0" removed="0"/>
+</clbl:labelList>
 </file>